--- a/vue-简介.pptx
+++ b/vue-简介.pptx
@@ -11157,10 +11157,6 @@
             </a:lvl9pPr>
           </a:lstStyle>
           <a:p>
-            <a:r>
-              <a:rPr lang="en-US" altLang="zh-CN" sz="1800" smtClean="0"/>
-              <a:t>将v-bind用于class和style时，Vue.js做了专门的增强，表达式结果的类型除了字符串之外，还可以是对象或数组。</a:t>
-            </a:r>
             <a:endParaRPr lang="en-US" altLang="zh-CN" sz="1800" smtClean="0"/>
           </a:p>
           <a:p>
@@ -18638,7 +18634,7 @@
                     <a:schemeClr val="tx1"/>
                   </a:solidFill>
                 </a:rPr>
-                <a:t>从用户(View)角度看，DOM Liisteners利用在相应的元素上添加事件绑定，捕获用户的点击，滑动等手势动作，在事件流中改变对应的Model。比如 常用的 v-model 指令，就是捕获表单元素的input，change等事件，改变相应的绑定值。</a:t>
+                <a:t>从用户(View)角度看，DOM Listeners利用在相应的元素上添加事件绑定，捕获用户的点击，滑动等手势动作，在事件流中改变对应的Model。比如 常用的 v-model 指令，就是捕获表单元素的input，change等事件，改变相应的绑定值。</a:t>
               </a:r>
               <a:endParaRPr lang="en-US" altLang="zh-CN" sz="1600" dirty="0">
                 <a:solidFill>
@@ -20395,10 +20391,6 @@
             </a:lvl9pPr>
           </a:lstStyle>
           <a:p>
-            <a:r>
-              <a:rPr lang="en-US" altLang="zh-CN" sz="1800" smtClean="0"/>
-              <a:t>将v-bind用于class和style时，Vue.js做了专门的增强，表达式结果的类型除了字符串之外，还可以是对象或数组。</a:t>
-            </a:r>
             <a:endParaRPr lang="en-US" altLang="zh-CN" sz="1800" smtClean="0"/>
           </a:p>
           <a:p>

--- a/vue-简介.pptx
+++ b/vue-简介.pptx
@@ -3,39 +3,39 @@
 <p:presentation xmlns:a="http://schemas.openxmlformats.org/drawingml/2006/main" xmlns:r="http://schemas.openxmlformats.org/officeDocument/2006/relationships" xmlns:p="http://schemas.openxmlformats.org/presentationml/2006/main">
   <p:sldMasterIdLst>
     <p:sldMasterId id="2147483648" r:id="rId1"/>
-    <p:sldMasterId id="2147483659" r:id="rId3"/>
+    <p:sldMasterId id="2147483659" r:id="rId2"/>
   </p:sldMasterIdLst>
   <p:notesMasterIdLst>
-    <p:notesMasterId r:id="rId6"/>
+    <p:notesMasterId r:id="rId30"/>
   </p:notesMasterIdLst>
   <p:sldIdLst>
-    <p:sldId id="258" r:id="rId4"/>
-    <p:sldId id="257" r:id="rId5"/>
-    <p:sldId id="259" r:id="rId7"/>
-    <p:sldId id="260" r:id="rId8"/>
-    <p:sldId id="290" r:id="rId9"/>
-    <p:sldId id="261" r:id="rId10"/>
-    <p:sldId id="262" r:id="rId11"/>
-    <p:sldId id="291" r:id="rId12"/>
-    <p:sldId id="263" r:id="rId13"/>
-    <p:sldId id="292" r:id="rId14"/>
-    <p:sldId id="322" r:id="rId15"/>
-    <p:sldId id="323" r:id="rId16"/>
-    <p:sldId id="324" r:id="rId17"/>
-    <p:sldId id="352" r:id="rId18"/>
-    <p:sldId id="353" r:id="rId19"/>
-    <p:sldId id="325" r:id="rId20"/>
-    <p:sldId id="354" r:id="rId21"/>
-    <p:sldId id="355" r:id="rId22"/>
-    <p:sldId id="356" r:id="rId23"/>
-    <p:sldId id="357" r:id="rId24"/>
-    <p:sldId id="358" r:id="rId25"/>
-    <p:sldId id="360" r:id="rId26"/>
-    <p:sldId id="361" r:id="rId27"/>
-    <p:sldId id="363" r:id="rId28"/>
-    <p:sldId id="364" r:id="rId29"/>
-    <p:sldId id="365" r:id="rId30"/>
-    <p:sldId id="289" r:id="rId31"/>
+    <p:sldId id="258" r:id="rId3"/>
+    <p:sldId id="257" r:id="rId4"/>
+    <p:sldId id="259" r:id="rId5"/>
+    <p:sldId id="260" r:id="rId6"/>
+    <p:sldId id="290" r:id="rId7"/>
+    <p:sldId id="261" r:id="rId8"/>
+    <p:sldId id="262" r:id="rId9"/>
+    <p:sldId id="291" r:id="rId10"/>
+    <p:sldId id="263" r:id="rId11"/>
+    <p:sldId id="292" r:id="rId12"/>
+    <p:sldId id="322" r:id="rId13"/>
+    <p:sldId id="323" r:id="rId14"/>
+    <p:sldId id="324" r:id="rId15"/>
+    <p:sldId id="352" r:id="rId16"/>
+    <p:sldId id="353" r:id="rId17"/>
+    <p:sldId id="325" r:id="rId18"/>
+    <p:sldId id="354" r:id="rId19"/>
+    <p:sldId id="355" r:id="rId20"/>
+    <p:sldId id="356" r:id="rId21"/>
+    <p:sldId id="357" r:id="rId22"/>
+    <p:sldId id="358" r:id="rId23"/>
+    <p:sldId id="360" r:id="rId24"/>
+    <p:sldId id="361" r:id="rId25"/>
+    <p:sldId id="363" r:id="rId26"/>
+    <p:sldId id="364" r:id="rId27"/>
+    <p:sldId id="365" r:id="rId28"/>
+    <p:sldId id="289" r:id="rId29"/>
   </p:sldIdLst>
   <p:sldSz cx="12192000" cy="6858000"/>
   <p:notesSz cx="6858000" cy="9144000"/>
@@ -134,6 +134,11 @@
       </a:defRPr>
     </a:lvl9pPr>
   </p:defaultTextStyle>
+  <p:extLst>
+    <p:ext uri="{EFAFB233-063F-42B5-8137-9DF3F51BA10A}">
+      <p15:sldGuideLst xmlns:p15="http://schemas.microsoft.com/office/powerpoint/2012/main"/>
+    </p:ext>
+  </p:extLst>
 </p:presentation>
 </file>
 
@@ -219,6 +224,7 @@
           <a:p>
             <a:fld id="{D2A48B96-639E-45A3-A0BA-2464DFDB1FAA}" type="datetimeFigureOut">
               <a:rPr lang="zh-CN" altLang="en-US" smtClean="0"/>
+              <a:t>2018/3/1</a:t>
             </a:fld>
             <a:endParaRPr lang="zh-CN" altLang="en-US"/>
           </a:p>
@@ -282,42 +288,37 @@
           <a:p>
             <a:pPr lvl="0"/>
             <a:r>
-              <a:rPr lang="zh-CN" altLang="en-US" smtClean="0"/>
+              <a:rPr lang="zh-CN" altLang="en-US"/>
               <a:t>单击此处编辑母版文本样式</a:t>
             </a:r>
-            <a:endParaRPr lang="zh-CN" altLang="en-US" smtClean="0"/>
           </a:p>
           <a:p>
             <a:pPr lvl="1"/>
             <a:r>
-              <a:rPr lang="zh-CN" altLang="en-US" smtClean="0"/>
+              <a:rPr lang="zh-CN" altLang="en-US"/>
               <a:t>第二级</a:t>
             </a:r>
-            <a:endParaRPr lang="zh-CN" altLang="en-US" smtClean="0"/>
           </a:p>
           <a:p>
             <a:pPr lvl="2"/>
             <a:r>
-              <a:rPr lang="zh-CN" altLang="en-US" smtClean="0"/>
+              <a:rPr lang="zh-CN" altLang="en-US"/>
               <a:t>第三级</a:t>
             </a:r>
-            <a:endParaRPr lang="zh-CN" altLang="en-US" smtClean="0"/>
           </a:p>
           <a:p>
             <a:pPr lvl="3"/>
             <a:r>
-              <a:rPr lang="zh-CN" altLang="en-US" smtClean="0"/>
+              <a:rPr lang="zh-CN" altLang="en-US"/>
               <a:t>第四级</a:t>
             </a:r>
-            <a:endParaRPr lang="zh-CN" altLang="en-US" smtClean="0"/>
           </a:p>
           <a:p>
             <a:pPr lvl="4"/>
             <a:r>
-              <a:rPr lang="zh-CN" altLang="en-US" smtClean="0"/>
+              <a:rPr lang="zh-CN" altLang="en-US"/>
               <a:t>第五级</a:t>
             </a:r>
-            <a:endParaRPr lang="zh-CN" altLang="en-US"/>
           </a:p>
         </p:txBody>
       </p:sp>
@@ -381,6 +382,7 @@
           <a:p>
             <a:fld id="{A6837353-30EB-4A48-80EB-173D804AEFBD}" type="slidenum">
               <a:rPr lang="zh-CN" altLang="en-US" smtClean="0"/>
+              <a:t>‹#›</a:t>
             </a:fld>
             <a:endParaRPr lang="zh-CN" altLang="en-US"/>
           </a:p>
@@ -549,6 +551,7 @@
           <a:p>
             <a:fld id="{EB7D3607-80C4-4EBA-AAC5-9EEB49AF0E88}" type="slidenum">
               <a:rPr lang="zh-CN" altLang="en-US" smtClean="0"/>
+              <a:t>2</a:t>
             </a:fld>
             <a:endParaRPr lang="zh-CN" altLang="en-US"/>
           </a:p>
@@ -655,6 +658,7 @@
                 <a:latin typeface="Calibri" panose="020F0502020204030204" charset="0"/>
                 <a:ea typeface="微软雅黑" panose="020B0503020204020204" charset="-122"/>
               </a:rPr>
+              <a:t>12</a:t>
             </a:fld>
             <a:endParaRPr kumimoji="0" lang="zh-CN" altLang="en-US" sz="1200" b="0" i="0" u="none" strike="noStrike" kern="1200" cap="none" spc="0" normalizeH="0" baseline="0" noProof="0">
               <a:ln>
@@ -773,6 +777,7 @@
                 <a:latin typeface="Calibri" panose="020F0502020204030204" charset="0"/>
                 <a:ea typeface="微软雅黑" panose="020B0503020204020204" charset="-122"/>
               </a:rPr>
+              <a:t>13</a:t>
             </a:fld>
             <a:endParaRPr kumimoji="0" lang="zh-CN" altLang="en-US" sz="1200" b="0" i="0" u="none" strike="noStrike" kern="1200" cap="none" spc="0" normalizeH="0" baseline="0" noProof="0">
               <a:ln>
@@ -891,6 +896,7 @@
                 <a:latin typeface="Calibri" panose="020F0502020204030204" charset="0"/>
                 <a:ea typeface="微软雅黑" panose="020B0503020204020204" charset="-122"/>
               </a:rPr>
+              <a:t>14</a:t>
             </a:fld>
             <a:endParaRPr kumimoji="0" lang="zh-CN" altLang="en-US" sz="1200" b="0" i="0" u="none" strike="noStrike" kern="1200" cap="none" spc="0" normalizeH="0" baseline="0" noProof="0">
               <a:ln>
@@ -1009,6 +1015,7 @@
                 <a:latin typeface="Calibri" panose="020F0502020204030204" charset="0"/>
                 <a:ea typeface="微软雅黑" panose="020B0503020204020204" charset="-122"/>
               </a:rPr>
+              <a:t>15</a:t>
             </a:fld>
             <a:endParaRPr kumimoji="0" lang="zh-CN" altLang="en-US" sz="1200" b="0" i="0" u="none" strike="noStrike" kern="1200" cap="none" spc="0" normalizeH="0" baseline="0" noProof="0">
               <a:ln>
@@ -1127,6 +1134,7 @@
                 <a:latin typeface="Calibri" panose="020F0502020204030204" charset="0"/>
                 <a:ea typeface="微软雅黑" panose="020B0503020204020204" charset="-122"/>
               </a:rPr>
+              <a:t>16</a:t>
             </a:fld>
             <a:endParaRPr kumimoji="0" lang="zh-CN" altLang="en-US" sz="1200" b="0" i="0" u="none" strike="noStrike" kern="1200" cap="none" spc="0" normalizeH="0" baseline="0" noProof="0">
               <a:ln>
@@ -1245,6 +1253,7 @@
                 <a:latin typeface="Calibri" panose="020F0502020204030204" charset="0"/>
                 <a:ea typeface="微软雅黑" panose="020B0503020204020204" charset="-122"/>
               </a:rPr>
+              <a:t>17</a:t>
             </a:fld>
             <a:endParaRPr kumimoji="0" lang="zh-CN" altLang="en-US" sz="1200" b="0" i="0" u="none" strike="noStrike" kern="1200" cap="none" spc="0" normalizeH="0" baseline="0" noProof="0">
               <a:ln>
@@ -1363,6 +1372,7 @@
                 <a:latin typeface="Calibri" panose="020F0502020204030204" charset="0"/>
                 <a:ea typeface="微软雅黑" panose="020B0503020204020204" charset="-122"/>
               </a:rPr>
+              <a:t>18</a:t>
             </a:fld>
             <a:endParaRPr kumimoji="0" lang="zh-CN" altLang="en-US" sz="1200" b="0" i="0" u="none" strike="noStrike" kern="1200" cap="none" spc="0" normalizeH="0" baseline="0" noProof="0">
               <a:ln>
@@ -1481,6 +1491,7 @@
                 <a:latin typeface="Calibri" panose="020F0502020204030204" charset="0"/>
                 <a:ea typeface="微软雅黑" panose="020B0503020204020204" charset="-122"/>
               </a:rPr>
+              <a:t>19</a:t>
             </a:fld>
             <a:endParaRPr kumimoji="0" lang="zh-CN" altLang="en-US" sz="1200" b="0" i="0" u="none" strike="noStrike" kern="1200" cap="none" spc="0" normalizeH="0" baseline="0" noProof="0">
               <a:ln>
@@ -1599,6 +1610,7 @@
                 <a:latin typeface="Calibri" panose="020F0502020204030204" charset="0"/>
                 <a:ea typeface="微软雅黑" panose="020B0503020204020204" charset="-122"/>
               </a:rPr>
+              <a:t>20</a:t>
             </a:fld>
             <a:endParaRPr kumimoji="0" lang="zh-CN" altLang="en-US" sz="1200" b="0" i="0" u="none" strike="noStrike" kern="1200" cap="none" spc="0" normalizeH="0" baseline="0" noProof="0">
               <a:ln>
@@ -1717,6 +1729,7 @@
                 <a:latin typeface="Calibri" panose="020F0502020204030204" charset="0"/>
                 <a:ea typeface="微软雅黑" panose="020B0503020204020204" charset="-122"/>
               </a:rPr>
+              <a:t>21</a:t>
             </a:fld>
             <a:endParaRPr kumimoji="0" lang="zh-CN" altLang="en-US" sz="1200" b="0" i="0" u="none" strike="noStrike" kern="1200" cap="none" spc="0" normalizeH="0" baseline="0" noProof="0">
               <a:ln>
@@ -1835,6 +1848,7 @@
                 <a:latin typeface="Calibri" panose="020F0502020204030204" charset="0"/>
                 <a:ea typeface="微软雅黑" panose="020B0503020204020204" charset="-122"/>
               </a:rPr>
+              <a:t>3</a:t>
             </a:fld>
             <a:endParaRPr kumimoji="0" lang="zh-CN" altLang="en-US" sz="1200" b="0" i="0" u="none" strike="noStrike" kern="1200" cap="none" spc="0" normalizeH="0" baseline="0" noProof="0">
               <a:ln>
@@ -1953,6 +1967,7 @@
                 <a:latin typeface="Calibri" panose="020F0502020204030204" charset="0"/>
                 <a:ea typeface="微软雅黑" panose="020B0503020204020204" charset="-122"/>
               </a:rPr>
+              <a:t>22</a:t>
             </a:fld>
             <a:endParaRPr kumimoji="0" lang="zh-CN" altLang="en-US" sz="1200" b="0" i="0" u="none" strike="noStrike" kern="1200" cap="none" spc="0" normalizeH="0" baseline="0" noProof="0">
               <a:ln>
@@ -2071,6 +2086,7 @@
                 <a:latin typeface="Calibri" panose="020F0502020204030204" charset="0"/>
                 <a:ea typeface="微软雅黑" panose="020B0503020204020204" charset="-122"/>
               </a:rPr>
+              <a:t>23</a:t>
             </a:fld>
             <a:endParaRPr kumimoji="0" lang="zh-CN" altLang="en-US" sz="1200" b="0" i="0" u="none" strike="noStrike" kern="1200" cap="none" spc="0" normalizeH="0" baseline="0" noProof="0">
               <a:ln>
@@ -2189,6 +2205,7 @@
                 <a:latin typeface="Calibri" panose="020F0502020204030204" charset="0"/>
                 <a:ea typeface="微软雅黑" panose="020B0503020204020204" charset="-122"/>
               </a:rPr>
+              <a:t>24</a:t>
             </a:fld>
             <a:endParaRPr kumimoji="0" lang="zh-CN" altLang="en-US" sz="1200" b="0" i="0" u="none" strike="noStrike" kern="1200" cap="none" spc="0" normalizeH="0" baseline="0" noProof="0">
               <a:ln>
@@ -2307,6 +2324,7 @@
                 <a:latin typeface="Calibri" panose="020F0502020204030204" charset="0"/>
                 <a:ea typeface="微软雅黑" panose="020B0503020204020204" charset="-122"/>
               </a:rPr>
+              <a:t>25</a:t>
             </a:fld>
             <a:endParaRPr kumimoji="0" lang="zh-CN" altLang="en-US" sz="1200" b="0" i="0" u="none" strike="noStrike" kern="1200" cap="none" spc="0" normalizeH="0" baseline="0" noProof="0">
               <a:ln>
@@ -2425,6 +2443,7 @@
                 <a:latin typeface="Calibri" panose="020F0502020204030204" charset="0"/>
                 <a:ea typeface="微软雅黑" panose="020B0503020204020204" charset="-122"/>
               </a:rPr>
+              <a:t>26</a:t>
             </a:fld>
             <a:endParaRPr kumimoji="0" lang="zh-CN" altLang="en-US" sz="1200" b="0" i="0" u="none" strike="noStrike" kern="1200" cap="none" spc="0" normalizeH="0" baseline="0" noProof="0">
               <a:ln>
@@ -2543,6 +2562,7 @@
                 <a:latin typeface="Calibri" panose="020F0502020204030204" charset="0"/>
                 <a:ea typeface="微软雅黑" panose="020B0503020204020204" charset="-122"/>
               </a:rPr>
+              <a:t>4</a:t>
             </a:fld>
             <a:endParaRPr kumimoji="0" lang="zh-CN" altLang="en-US" sz="1200" b="0" i="0" u="none" strike="noStrike" kern="1200" cap="none" spc="0" normalizeH="0" baseline="0" noProof="0">
               <a:ln>
@@ -2633,6 +2653,7 @@
           <a:p>
             <a:fld id="{021B21EC-4080-41FF-B509-705F6096EC22}" type="slidenum">
               <a:rPr lang="zh-CN" altLang="en-US" smtClean="0"/>
+              <a:t>5</a:t>
             </a:fld>
             <a:endParaRPr lang="zh-CN" altLang="en-US"/>
           </a:p>
@@ -2739,6 +2760,7 @@
                 <a:latin typeface="Calibri" panose="020F0502020204030204" charset="0"/>
                 <a:ea typeface="微软雅黑" panose="020B0503020204020204" charset="-122"/>
               </a:rPr>
+              <a:t>6</a:t>
             </a:fld>
             <a:endParaRPr kumimoji="0" lang="zh-CN" altLang="en-US" sz="1200" b="0" i="0" u="none" strike="noStrike" kern="1200" cap="none" spc="0" normalizeH="0" baseline="0" noProof="0">
               <a:ln>
@@ -2857,6 +2879,7 @@
                 <a:latin typeface="Calibri" panose="020F0502020204030204" charset="0"/>
                 <a:ea typeface="微软雅黑" panose="020B0503020204020204" charset="-122"/>
               </a:rPr>
+              <a:t>7</a:t>
             </a:fld>
             <a:endParaRPr kumimoji="0" lang="zh-CN" altLang="en-US" sz="1200" b="0" i="0" u="none" strike="noStrike" kern="1200" cap="none" spc="0" normalizeH="0" baseline="0" noProof="0">
               <a:ln>
@@ -2975,6 +2998,7 @@
                 <a:latin typeface="Calibri" panose="020F0502020204030204" charset="0"/>
                 <a:ea typeface="微软雅黑" panose="020B0503020204020204" charset="-122"/>
               </a:rPr>
+              <a:t>8</a:t>
             </a:fld>
             <a:endParaRPr kumimoji="0" lang="zh-CN" altLang="en-US" sz="1200" b="0" i="0" u="none" strike="noStrike" kern="1200" cap="none" spc="0" normalizeH="0" baseline="0" noProof="0">
               <a:ln>
@@ -3093,6 +3117,7 @@
                 <a:latin typeface="Calibri" panose="020F0502020204030204" charset="0"/>
                 <a:ea typeface="微软雅黑" panose="020B0503020204020204" charset="-122"/>
               </a:rPr>
+              <a:t>10</a:t>
             </a:fld>
             <a:endParaRPr kumimoji="0" lang="zh-CN" altLang="en-US" sz="1200" b="0" i="0" u="none" strike="noStrike" kern="1200" cap="none" spc="0" normalizeH="0" baseline="0" noProof="0">
               <a:ln>
@@ -3211,6 +3236,7 @@
                 <a:latin typeface="Calibri" panose="020F0502020204030204" charset="0"/>
                 <a:ea typeface="微软雅黑" panose="020B0503020204020204" charset="-122"/>
               </a:rPr>
+              <a:t>11</a:t>
             </a:fld>
             <a:endParaRPr kumimoji="0" lang="zh-CN" altLang="en-US" sz="1200" b="0" i="0" u="none" strike="noStrike" kern="1200" cap="none" spc="0" normalizeH="0" baseline="0" noProof="0">
               <a:ln>
@@ -3438,7 +3464,7 @@
           <a:p>
             <a:pPr algn="ctr"/>
             <a:r>
-              <a:rPr lang="en-US" altLang="zh-CN" sz="8800" spc="300" dirty="0" smtClean="0">
+              <a:rPr lang="en-US" altLang="zh-CN" sz="8800" spc="300" dirty="0">
                 <a:solidFill>
                   <a:schemeClr val="bg1"/>
                 </a:solidFill>
@@ -3493,7 +3519,6 @@
               <a:rPr lang="zh-CN" altLang="en-US" dirty="0"/>
               <a:t>单击此处编辑母版标题样式</a:t>
             </a:r>
-            <a:endParaRPr lang="zh-CN" altLang="en-US" dirty="0"/>
           </a:p>
         </p:txBody>
       </p:sp>
@@ -3564,7 +3589,6 @@
               <a:rPr lang="zh-CN" altLang="en-US" dirty="0"/>
               <a:t>单击此处编辑母版副标题样式</a:t>
             </a:r>
-            <a:endParaRPr lang="zh-CN" altLang="en-US" dirty="0"/>
           </a:p>
         </p:txBody>
       </p:sp>
@@ -3585,6 +3609,7 @@
           <a:p>
             <a:fld id="{D997B5FA-0921-464F-AAE1-844C04324D75}" type="datetimeFigureOut">
               <a:rPr lang="zh-CN" altLang="en-US" smtClean="0"/>
+              <a:t>2018/3/1</a:t>
             </a:fld>
             <a:endParaRPr lang="zh-CN" altLang="en-US" dirty="0"/>
           </a:p>
@@ -3626,6 +3651,7 @@
           <a:p>
             <a:fld id="{565CE74E-AB26-4998-AD42-012C4C1AD076}" type="slidenum">
               <a:rPr lang="zh-CN" altLang="en-US" smtClean="0"/>
+              <a:t>‹#›</a:t>
             </a:fld>
             <a:endParaRPr lang="zh-CN" altLang="en-US"/>
           </a:p>
@@ -3759,6 +3785,7 @@
           <a:p>
             <a:fld id="{760FBDFE-C587-4B4C-A407-44438C67B59E}" type="datetimeFigureOut">
               <a:rPr lang="zh-CN" altLang="en-US" smtClean="0"/>
+              <a:t>2018/3/1</a:t>
             </a:fld>
             <a:endParaRPr lang="zh-CN" altLang="en-US"/>
           </a:p>
@@ -3800,6 +3827,7 @@
           <a:p>
             <a:fld id="{49AE70B2-8BF9-45C0-BB95-33D1B9D3A854}" type="slidenum">
               <a:rPr lang="zh-CN" altLang="en-US" smtClean="0"/>
+              <a:t>‹#›</a:t>
             </a:fld>
             <a:endParaRPr lang="zh-CN" altLang="en-US"/>
           </a:p>
@@ -3827,42 +3855,37 @@
           <a:p>
             <a:pPr lvl="0"/>
             <a:r>
-              <a:rPr lang="zh-CN" altLang="en-US" dirty="0" smtClean="0"/>
+              <a:rPr lang="zh-CN" altLang="en-US" dirty="0"/>
               <a:t>单击此处编辑母版文本样式</a:t>
             </a:r>
-            <a:endParaRPr lang="zh-CN" altLang="en-US" dirty="0" smtClean="0"/>
           </a:p>
           <a:p>
             <a:pPr lvl="1"/>
             <a:r>
-              <a:rPr lang="zh-CN" altLang="en-US" dirty="0" smtClean="0"/>
+              <a:rPr lang="zh-CN" altLang="en-US" dirty="0"/>
               <a:t>第二级</a:t>
             </a:r>
-            <a:endParaRPr lang="zh-CN" altLang="en-US" dirty="0" smtClean="0"/>
           </a:p>
           <a:p>
             <a:pPr lvl="2"/>
             <a:r>
-              <a:rPr lang="zh-CN" altLang="en-US" dirty="0" smtClean="0"/>
+              <a:rPr lang="zh-CN" altLang="en-US" dirty="0"/>
               <a:t>第三级</a:t>
             </a:r>
-            <a:endParaRPr lang="zh-CN" altLang="en-US" dirty="0" smtClean="0"/>
           </a:p>
           <a:p>
             <a:pPr lvl="3"/>
             <a:r>
-              <a:rPr lang="zh-CN" altLang="en-US" dirty="0" smtClean="0"/>
+              <a:rPr lang="zh-CN" altLang="en-US" dirty="0"/>
               <a:t>第四级</a:t>
             </a:r>
-            <a:endParaRPr lang="zh-CN" altLang="en-US" dirty="0" smtClean="0"/>
           </a:p>
           <a:p>
             <a:pPr lvl="4"/>
             <a:r>
-              <a:rPr lang="zh-CN" altLang="en-US" dirty="0" smtClean="0"/>
+              <a:rPr lang="zh-CN" altLang="en-US" dirty="0"/>
               <a:t>第五级</a:t>
             </a:r>
-            <a:endParaRPr lang="zh-CN" altLang="en-US" dirty="0"/>
           </a:p>
         </p:txBody>
       </p:sp>
@@ -4241,10 +4264,9 @@
           </a:lstStyle>
           <a:p>
             <a:r>
-              <a:rPr lang="zh-CN" altLang="en-US" dirty="0" smtClean="0"/>
+              <a:rPr lang="zh-CN" altLang="en-US" dirty="0"/>
               <a:t>单击此处编辑标题</a:t>
             </a:r>
-            <a:endParaRPr lang="zh-CN" altLang="en-US" dirty="0"/>
           </a:p>
         </p:txBody>
       </p:sp>
@@ -4308,10 +4330,9 @@
           </a:lstStyle>
           <a:p>
             <a:r>
-              <a:rPr lang="zh-CN" altLang="en-US" smtClean="0"/>
+              <a:rPr lang="zh-CN" altLang="en-US"/>
               <a:t>单击此处编辑母版副标题样式</a:t>
             </a:r>
-            <a:endParaRPr lang="zh-CN" altLang="en-US"/>
           </a:p>
         </p:txBody>
       </p:sp>
@@ -4332,6 +4353,7 @@
           <a:p>
             <a:fld id="{41011368-DC98-40D8-9819-63EF158A2BD9}" type="datetimeFigureOut">
               <a:rPr lang="zh-CN" altLang="en-US" smtClean="0"/>
+              <a:t>2018/3/1</a:t>
             </a:fld>
             <a:endParaRPr lang="zh-CN" altLang="en-US"/>
           </a:p>
@@ -4373,6 +4395,7 @@
           <a:p>
             <a:fld id="{54DCA0A3-A6A9-4B96-9FAD-CA844DD92BEB}" type="slidenum">
               <a:rPr lang="zh-CN" altLang="en-US" smtClean="0"/>
+              <a:t>‹#›</a:t>
             </a:fld>
             <a:endParaRPr lang="zh-CN" altLang="en-US"/>
           </a:p>
@@ -4419,10 +4442,9 @@
           <a:lstStyle/>
           <a:p>
             <a:r>
-              <a:rPr lang="zh-CN" altLang="en-US" smtClean="0"/>
+              <a:rPr lang="zh-CN" altLang="en-US"/>
               <a:t>单击此处编辑母版标题样式</a:t>
             </a:r>
-            <a:endParaRPr lang="zh-CN" altLang="en-US"/>
           </a:p>
         </p:txBody>
       </p:sp>
@@ -4443,42 +4465,37 @@
           <a:p>
             <a:pPr lvl="0"/>
             <a:r>
-              <a:rPr lang="zh-CN" altLang="en-US" smtClean="0"/>
+              <a:rPr lang="zh-CN" altLang="en-US"/>
               <a:t>单击此处编辑母版文本样式</a:t>
             </a:r>
-            <a:endParaRPr lang="zh-CN" altLang="en-US" smtClean="0"/>
           </a:p>
           <a:p>
             <a:pPr lvl="1"/>
             <a:r>
-              <a:rPr lang="zh-CN" altLang="en-US" smtClean="0"/>
+              <a:rPr lang="zh-CN" altLang="en-US"/>
               <a:t>第二级</a:t>
             </a:r>
-            <a:endParaRPr lang="zh-CN" altLang="en-US" smtClean="0"/>
           </a:p>
           <a:p>
             <a:pPr lvl="2"/>
             <a:r>
-              <a:rPr lang="zh-CN" altLang="en-US" smtClean="0"/>
+              <a:rPr lang="zh-CN" altLang="en-US"/>
               <a:t>第三级</a:t>
             </a:r>
-            <a:endParaRPr lang="zh-CN" altLang="en-US" smtClean="0"/>
           </a:p>
           <a:p>
             <a:pPr lvl="3"/>
             <a:r>
-              <a:rPr lang="zh-CN" altLang="en-US" smtClean="0"/>
+              <a:rPr lang="zh-CN" altLang="en-US"/>
               <a:t>第四级</a:t>
             </a:r>
-            <a:endParaRPr lang="zh-CN" altLang="en-US" smtClean="0"/>
           </a:p>
           <a:p>
             <a:pPr lvl="4"/>
             <a:r>
-              <a:rPr lang="zh-CN" altLang="en-US" smtClean="0"/>
+              <a:rPr lang="zh-CN" altLang="en-US"/>
               <a:t>第五级</a:t>
             </a:r>
-            <a:endParaRPr lang="zh-CN" altLang="en-US"/>
           </a:p>
         </p:txBody>
       </p:sp>
@@ -4499,6 +4516,7 @@
           <a:p>
             <a:fld id="{41011368-DC98-40D8-9819-63EF158A2BD9}" type="datetimeFigureOut">
               <a:rPr lang="zh-CN" altLang="en-US" smtClean="0"/>
+              <a:t>2018/3/1</a:t>
             </a:fld>
             <a:endParaRPr lang="zh-CN" altLang="en-US"/>
           </a:p>
@@ -4540,6 +4558,7 @@
           <a:p>
             <a:fld id="{54DCA0A3-A6A9-4B96-9FAD-CA844DD92BEB}" type="slidenum">
               <a:rPr lang="zh-CN" altLang="en-US" smtClean="0"/>
+              <a:t>‹#›</a:t>
             </a:fld>
             <a:endParaRPr lang="zh-CN" altLang="en-US"/>
           </a:p>
@@ -4943,10 +4962,9 @@
           </a:lstStyle>
           <a:p>
             <a:r>
-              <a:rPr lang="zh-CN" altLang="en-US" smtClean="0"/>
+              <a:rPr lang="zh-CN" altLang="en-US"/>
               <a:t>单击此处编辑母版标题样式</a:t>
             </a:r>
-            <a:endParaRPr lang="zh-CN" altLang="en-US"/>
           </a:p>
         </p:txBody>
       </p:sp>
@@ -4967,6 +4985,7 @@
           <a:p>
             <a:fld id="{41011368-DC98-40D8-9819-63EF158A2BD9}" type="datetimeFigureOut">
               <a:rPr lang="zh-CN" altLang="en-US" smtClean="0"/>
+              <a:t>2018/3/1</a:t>
             </a:fld>
             <a:endParaRPr lang="zh-CN" altLang="en-US"/>
           </a:p>
@@ -5008,6 +5027,7 @@
           <a:p>
             <a:fld id="{54DCA0A3-A6A9-4B96-9FAD-CA844DD92BEB}" type="slidenum">
               <a:rPr lang="zh-CN" altLang="en-US" smtClean="0"/>
+              <a:t>‹#›</a:t>
             </a:fld>
             <a:endParaRPr lang="zh-CN" altLang="en-US"/>
           </a:p>
@@ -5054,10 +5074,9 @@
           <a:lstStyle/>
           <a:p>
             <a:r>
-              <a:rPr lang="zh-CN" altLang="en-US" smtClean="0"/>
+              <a:rPr lang="zh-CN" altLang="en-US"/>
               <a:t>单击此处编辑母版标题样式</a:t>
             </a:r>
-            <a:endParaRPr lang="zh-CN" altLang="en-US"/>
           </a:p>
         </p:txBody>
       </p:sp>
@@ -5083,42 +5102,37 @@
           <a:p>
             <a:pPr lvl="0"/>
             <a:r>
-              <a:rPr lang="zh-CN" altLang="en-US" smtClean="0"/>
+              <a:rPr lang="zh-CN" altLang="en-US"/>
               <a:t>单击此处编辑母版文本样式</a:t>
             </a:r>
-            <a:endParaRPr lang="zh-CN" altLang="en-US" smtClean="0"/>
           </a:p>
           <a:p>
             <a:pPr lvl="1"/>
             <a:r>
-              <a:rPr lang="zh-CN" altLang="en-US" smtClean="0"/>
+              <a:rPr lang="zh-CN" altLang="en-US"/>
               <a:t>第二级</a:t>
             </a:r>
-            <a:endParaRPr lang="zh-CN" altLang="en-US" smtClean="0"/>
           </a:p>
           <a:p>
             <a:pPr lvl="2"/>
             <a:r>
-              <a:rPr lang="zh-CN" altLang="en-US" smtClean="0"/>
+              <a:rPr lang="zh-CN" altLang="en-US"/>
               <a:t>第三级</a:t>
             </a:r>
-            <a:endParaRPr lang="zh-CN" altLang="en-US" smtClean="0"/>
           </a:p>
           <a:p>
             <a:pPr lvl="3"/>
             <a:r>
-              <a:rPr lang="zh-CN" altLang="en-US" smtClean="0"/>
+              <a:rPr lang="zh-CN" altLang="en-US"/>
               <a:t>第四级</a:t>
             </a:r>
-            <a:endParaRPr lang="zh-CN" altLang="en-US" smtClean="0"/>
           </a:p>
           <a:p>
             <a:pPr lvl="4"/>
             <a:r>
-              <a:rPr lang="zh-CN" altLang="en-US" smtClean="0"/>
+              <a:rPr lang="zh-CN" altLang="en-US"/>
               <a:t>第五级</a:t>
             </a:r>
-            <a:endParaRPr lang="zh-CN" altLang="en-US"/>
           </a:p>
         </p:txBody>
       </p:sp>
@@ -5144,42 +5158,37 @@
           <a:p>
             <a:pPr lvl="0"/>
             <a:r>
-              <a:rPr lang="zh-CN" altLang="en-US" smtClean="0"/>
+              <a:rPr lang="zh-CN" altLang="en-US"/>
               <a:t>单击此处编辑母版文本样式</a:t>
             </a:r>
-            <a:endParaRPr lang="zh-CN" altLang="en-US" smtClean="0"/>
           </a:p>
           <a:p>
             <a:pPr lvl="1"/>
             <a:r>
-              <a:rPr lang="zh-CN" altLang="en-US" smtClean="0"/>
+              <a:rPr lang="zh-CN" altLang="en-US"/>
               <a:t>第二级</a:t>
             </a:r>
-            <a:endParaRPr lang="zh-CN" altLang="en-US" smtClean="0"/>
           </a:p>
           <a:p>
             <a:pPr lvl="2"/>
             <a:r>
-              <a:rPr lang="zh-CN" altLang="en-US" smtClean="0"/>
+              <a:rPr lang="zh-CN" altLang="en-US"/>
               <a:t>第三级</a:t>
             </a:r>
-            <a:endParaRPr lang="zh-CN" altLang="en-US" smtClean="0"/>
           </a:p>
           <a:p>
             <a:pPr lvl="3"/>
             <a:r>
-              <a:rPr lang="zh-CN" altLang="en-US" smtClean="0"/>
+              <a:rPr lang="zh-CN" altLang="en-US"/>
               <a:t>第四级</a:t>
             </a:r>
-            <a:endParaRPr lang="zh-CN" altLang="en-US" smtClean="0"/>
           </a:p>
           <a:p>
             <a:pPr lvl="4"/>
             <a:r>
-              <a:rPr lang="zh-CN" altLang="en-US" smtClean="0"/>
+              <a:rPr lang="zh-CN" altLang="en-US"/>
               <a:t>第五级</a:t>
             </a:r>
-            <a:endParaRPr lang="zh-CN" altLang="en-US"/>
           </a:p>
         </p:txBody>
       </p:sp>
@@ -5200,6 +5209,7 @@
           <a:p>
             <a:fld id="{41011368-DC98-40D8-9819-63EF158A2BD9}" type="datetimeFigureOut">
               <a:rPr lang="zh-CN" altLang="en-US" smtClean="0"/>
+              <a:t>2018/3/1</a:t>
             </a:fld>
             <a:endParaRPr lang="zh-CN" altLang="en-US"/>
           </a:p>
@@ -5241,6 +5251,7 @@
           <a:p>
             <a:fld id="{54DCA0A3-A6A9-4B96-9FAD-CA844DD92BEB}" type="slidenum">
               <a:rPr lang="zh-CN" altLang="en-US" smtClean="0"/>
+              <a:t>‹#›</a:t>
             </a:fld>
             <a:endParaRPr lang="zh-CN" altLang="en-US"/>
           </a:p>
@@ -5364,10 +5375,9 @@
           <a:lstStyle/>
           <a:p>
             <a:r>
-              <a:rPr lang="zh-CN" altLang="en-US" smtClean="0"/>
+              <a:rPr lang="zh-CN" altLang="en-US"/>
               <a:t>单击此处编辑母版标题样式</a:t>
             </a:r>
-            <a:endParaRPr lang="zh-CN" altLang="en-US"/>
           </a:p>
         </p:txBody>
       </p:sp>
@@ -5430,10 +5440,9 @@
           <a:p>
             <a:pPr lvl="0"/>
             <a:r>
-              <a:rPr lang="zh-CN" altLang="en-US" smtClean="0"/>
+              <a:rPr lang="zh-CN" altLang="en-US"/>
               <a:t>单击此处编辑母版文本样式</a:t>
             </a:r>
-            <a:endParaRPr lang="zh-CN" altLang="en-US" smtClean="0"/>
           </a:p>
         </p:txBody>
       </p:sp>
@@ -5459,42 +5468,37 @@
           <a:p>
             <a:pPr lvl="0"/>
             <a:r>
-              <a:rPr lang="zh-CN" altLang="en-US" smtClean="0"/>
+              <a:rPr lang="zh-CN" altLang="en-US"/>
               <a:t>单击此处编辑母版文本样式</a:t>
             </a:r>
-            <a:endParaRPr lang="zh-CN" altLang="en-US" smtClean="0"/>
           </a:p>
           <a:p>
             <a:pPr lvl="1"/>
             <a:r>
-              <a:rPr lang="zh-CN" altLang="en-US" smtClean="0"/>
+              <a:rPr lang="zh-CN" altLang="en-US"/>
               <a:t>第二级</a:t>
             </a:r>
-            <a:endParaRPr lang="zh-CN" altLang="en-US" smtClean="0"/>
           </a:p>
           <a:p>
             <a:pPr lvl="2"/>
             <a:r>
-              <a:rPr lang="zh-CN" altLang="en-US" smtClean="0"/>
+              <a:rPr lang="zh-CN" altLang="en-US"/>
               <a:t>第三级</a:t>
             </a:r>
-            <a:endParaRPr lang="zh-CN" altLang="en-US" smtClean="0"/>
           </a:p>
           <a:p>
             <a:pPr lvl="3"/>
             <a:r>
-              <a:rPr lang="zh-CN" altLang="en-US" smtClean="0"/>
+              <a:rPr lang="zh-CN" altLang="en-US"/>
               <a:t>第四级</a:t>
             </a:r>
-            <a:endParaRPr lang="zh-CN" altLang="en-US" smtClean="0"/>
           </a:p>
           <a:p>
             <a:pPr lvl="4"/>
             <a:r>
-              <a:rPr lang="zh-CN" altLang="en-US" smtClean="0"/>
+              <a:rPr lang="zh-CN" altLang="en-US"/>
               <a:t>第五级</a:t>
             </a:r>
-            <a:endParaRPr lang="zh-CN" altLang="en-US"/>
           </a:p>
         </p:txBody>
       </p:sp>
@@ -5557,10 +5561,9 @@
           <a:p>
             <a:pPr lvl="0"/>
             <a:r>
-              <a:rPr lang="zh-CN" altLang="en-US" smtClean="0"/>
+              <a:rPr lang="zh-CN" altLang="en-US"/>
               <a:t>单击此处编辑母版文本样式</a:t>
             </a:r>
-            <a:endParaRPr lang="zh-CN" altLang="en-US" smtClean="0"/>
           </a:p>
         </p:txBody>
       </p:sp>
@@ -5586,42 +5589,37 @@
           <a:p>
             <a:pPr lvl="0"/>
             <a:r>
-              <a:rPr lang="zh-CN" altLang="en-US" smtClean="0"/>
+              <a:rPr lang="zh-CN" altLang="en-US"/>
               <a:t>单击此处编辑母版文本样式</a:t>
             </a:r>
-            <a:endParaRPr lang="zh-CN" altLang="en-US" smtClean="0"/>
           </a:p>
           <a:p>
             <a:pPr lvl="1"/>
             <a:r>
-              <a:rPr lang="zh-CN" altLang="en-US" smtClean="0"/>
+              <a:rPr lang="zh-CN" altLang="en-US"/>
               <a:t>第二级</a:t>
             </a:r>
-            <a:endParaRPr lang="zh-CN" altLang="en-US" smtClean="0"/>
           </a:p>
           <a:p>
             <a:pPr lvl="2"/>
             <a:r>
-              <a:rPr lang="zh-CN" altLang="en-US" smtClean="0"/>
+              <a:rPr lang="zh-CN" altLang="en-US"/>
               <a:t>第三级</a:t>
             </a:r>
-            <a:endParaRPr lang="zh-CN" altLang="en-US" smtClean="0"/>
           </a:p>
           <a:p>
             <a:pPr lvl="3"/>
             <a:r>
-              <a:rPr lang="zh-CN" altLang="en-US" smtClean="0"/>
+              <a:rPr lang="zh-CN" altLang="en-US"/>
               <a:t>第四级</a:t>
             </a:r>
-            <a:endParaRPr lang="zh-CN" altLang="en-US" smtClean="0"/>
           </a:p>
           <a:p>
             <a:pPr lvl="4"/>
             <a:r>
-              <a:rPr lang="zh-CN" altLang="en-US" smtClean="0"/>
+              <a:rPr lang="zh-CN" altLang="en-US"/>
               <a:t>第五级</a:t>
             </a:r>
-            <a:endParaRPr lang="zh-CN" altLang="en-US"/>
           </a:p>
         </p:txBody>
       </p:sp>
@@ -5642,6 +5640,7 @@
           <a:p>
             <a:fld id="{41011368-DC98-40D8-9819-63EF158A2BD9}" type="datetimeFigureOut">
               <a:rPr lang="zh-CN" altLang="en-US" smtClean="0"/>
+              <a:t>2018/3/1</a:t>
             </a:fld>
             <a:endParaRPr lang="zh-CN" altLang="en-US"/>
           </a:p>
@@ -5683,6 +5682,7 @@
           <a:p>
             <a:fld id="{54DCA0A3-A6A9-4B96-9FAD-CA844DD92BEB}" type="slidenum">
               <a:rPr lang="zh-CN" altLang="en-US" smtClean="0"/>
+              <a:t>‹#›</a:t>
             </a:fld>
             <a:endParaRPr lang="zh-CN" altLang="en-US"/>
           </a:p>
@@ -5857,10 +5857,9 @@
           </a:lstStyle>
           <a:p>
             <a:r>
-              <a:rPr lang="zh-CN" altLang="en-US" dirty="0" smtClean="0"/>
+              <a:rPr lang="zh-CN" altLang="en-US" dirty="0"/>
               <a:t>编辑标题</a:t>
             </a:r>
-            <a:endParaRPr lang="zh-CN" altLang="en-US" dirty="0"/>
           </a:p>
         </p:txBody>
       </p:sp>
@@ -5881,6 +5880,7 @@
           <a:p>
             <a:fld id="{41011368-DC98-40D8-9819-63EF158A2BD9}" type="datetimeFigureOut">
               <a:rPr lang="zh-CN" altLang="en-US" smtClean="0"/>
+              <a:t>2018/3/1</a:t>
             </a:fld>
             <a:endParaRPr lang="zh-CN" altLang="en-US"/>
           </a:p>
@@ -5922,6 +5922,7 @@
           <a:p>
             <a:fld id="{54DCA0A3-A6A9-4B96-9FAD-CA844DD92BEB}" type="slidenum">
               <a:rPr lang="zh-CN" altLang="en-US" smtClean="0"/>
+              <a:t>‹#›</a:t>
             </a:fld>
             <a:endParaRPr lang="zh-CN" altLang="en-US"/>
           </a:p>
@@ -5932,13 +5933,6 @@
   <p:clrMapOvr>
     <a:masterClrMapping/>
   </p:clrMapOvr>
-  <p:timing>
-    <p:tnLst>
-      <p:par>
-        <p:cTn id="1" dur="indefinite" restart="never" nodeType="tmRoot"/>
-      </p:par>
-    </p:tnLst>
-  </p:timing>
 </p:sldLayout>
 </file>
 
@@ -6036,13 +6030,6 @@
   <p:clrMapOvr>
     <a:masterClrMapping/>
   </p:clrMapOvr>
-  <p:timing>
-    <p:tnLst>
-      <p:par>
-        <p:cTn id="1" dur="indefinite" restart="never" nodeType="tmRoot"/>
-      </p:par>
-    </p:tnLst>
-  </p:timing>
 </p:sldLayout>
 </file>
 
@@ -6088,10 +6075,9 @@
           </a:lstStyle>
           <a:p>
             <a:r>
-              <a:rPr lang="zh-CN" altLang="en-US" smtClean="0"/>
+              <a:rPr lang="zh-CN" altLang="en-US"/>
               <a:t>单击此处编辑母版标题样式</a:t>
             </a:r>
-            <a:endParaRPr lang="zh-CN" altLang="en-US"/>
           </a:p>
         </p:txBody>
       </p:sp>
@@ -6217,10 +6203,9 @@
           <a:p>
             <a:pPr lvl="0"/>
             <a:r>
-              <a:rPr lang="zh-CN" altLang="en-US" smtClean="0"/>
+              <a:rPr lang="zh-CN" altLang="en-US"/>
               <a:t>单击此处编辑母版文本样式</a:t>
             </a:r>
-            <a:endParaRPr lang="zh-CN" altLang="en-US" smtClean="0"/>
           </a:p>
         </p:txBody>
       </p:sp>
@@ -6241,6 +6226,7 @@
           <a:p>
             <a:fld id="{41011368-DC98-40D8-9819-63EF158A2BD9}" type="datetimeFigureOut">
               <a:rPr lang="zh-CN" altLang="en-US" smtClean="0"/>
+              <a:t>2018/3/1</a:t>
             </a:fld>
             <a:endParaRPr lang="zh-CN" altLang="en-US"/>
           </a:p>
@@ -6282,6 +6268,7 @@
           <a:p>
             <a:fld id="{54DCA0A3-A6A9-4B96-9FAD-CA844DD92BEB}" type="slidenum">
               <a:rPr lang="zh-CN" altLang="en-US" smtClean="0"/>
+              <a:t>‹#›</a:t>
             </a:fld>
             <a:endParaRPr lang="zh-CN" altLang="en-US"/>
           </a:p>
@@ -6364,13 +6351,6 @@
   <p:clrMapOvr>
     <a:masterClrMapping/>
   </p:clrMapOvr>
-  <p:timing>
-    <p:tnLst>
-      <p:par>
-        <p:cTn id="1" dur="indefinite" restart="never" nodeType="tmRoot"/>
-      </p:par>
-    </p:tnLst>
-  </p:timing>
 </p:sldLayout>
 </file>
 
@@ -6412,10 +6392,9 @@
           <a:lstStyle/>
           <a:p>
             <a:r>
-              <a:rPr lang="zh-CN" altLang="en-US" smtClean="0"/>
+              <a:rPr lang="zh-CN" altLang="en-US"/>
               <a:t>单击此处编辑母版标题样式</a:t>
             </a:r>
-            <a:endParaRPr lang="zh-CN" altLang="en-US"/>
           </a:p>
         </p:txBody>
       </p:sp>
@@ -6441,42 +6420,37 @@
           <a:p>
             <a:pPr lvl="0"/>
             <a:r>
-              <a:rPr lang="zh-CN" altLang="en-US" dirty="0" smtClean="0"/>
+              <a:rPr lang="zh-CN" altLang="en-US" dirty="0"/>
               <a:t>单击此处编辑母版文本样式</a:t>
             </a:r>
-            <a:endParaRPr lang="zh-CN" altLang="en-US" dirty="0" smtClean="0"/>
           </a:p>
           <a:p>
             <a:pPr lvl="1"/>
             <a:r>
-              <a:rPr lang="zh-CN" altLang="en-US" dirty="0" smtClean="0"/>
+              <a:rPr lang="zh-CN" altLang="en-US" dirty="0"/>
               <a:t>第二级</a:t>
             </a:r>
-            <a:endParaRPr lang="zh-CN" altLang="en-US" dirty="0" smtClean="0"/>
           </a:p>
           <a:p>
             <a:pPr lvl="2"/>
             <a:r>
-              <a:rPr lang="zh-CN" altLang="en-US" dirty="0" smtClean="0"/>
+              <a:rPr lang="zh-CN" altLang="en-US" dirty="0"/>
               <a:t>第三级</a:t>
             </a:r>
-            <a:endParaRPr lang="zh-CN" altLang="en-US" dirty="0" smtClean="0"/>
           </a:p>
           <a:p>
             <a:pPr lvl="3"/>
             <a:r>
-              <a:rPr lang="zh-CN" altLang="en-US" dirty="0" smtClean="0"/>
+              <a:rPr lang="zh-CN" altLang="en-US" dirty="0"/>
               <a:t>第四级</a:t>
             </a:r>
-            <a:endParaRPr lang="zh-CN" altLang="en-US" dirty="0" smtClean="0"/>
           </a:p>
           <a:p>
             <a:pPr lvl="4"/>
             <a:r>
-              <a:rPr lang="zh-CN" altLang="en-US" dirty="0" smtClean="0"/>
+              <a:rPr lang="zh-CN" altLang="en-US" dirty="0"/>
               <a:t>第五级</a:t>
             </a:r>
-            <a:endParaRPr lang="zh-CN" altLang="en-US" dirty="0"/>
           </a:p>
         </p:txBody>
       </p:sp>
@@ -6497,6 +6471,7 @@
           <a:p>
             <a:fld id="{41011368-DC98-40D8-9819-63EF158A2BD9}" type="datetimeFigureOut">
               <a:rPr lang="zh-CN" altLang="en-US" smtClean="0"/>
+              <a:t>2018/3/1</a:t>
             </a:fld>
             <a:endParaRPr lang="zh-CN" altLang="en-US"/>
           </a:p>
@@ -6538,6 +6513,7 @@
           <a:p>
             <a:fld id="{54DCA0A3-A6A9-4B96-9FAD-CA844DD92BEB}" type="slidenum">
               <a:rPr lang="zh-CN" altLang="en-US" smtClean="0"/>
+              <a:t>‹#›</a:t>
             </a:fld>
             <a:endParaRPr lang="zh-CN" altLang="en-US"/>
           </a:p>
@@ -6584,10 +6560,9 @@
           <a:lstStyle/>
           <a:p>
             <a:r>
-              <a:rPr lang="zh-CN" altLang="en-US" dirty="0" smtClean="0"/>
+              <a:rPr lang="zh-CN" altLang="en-US" dirty="0"/>
               <a:t>单击此处编辑母版标题样式</a:t>
             </a:r>
-            <a:endParaRPr lang="zh-CN" altLang="en-US" dirty="0"/>
           </a:p>
         </p:txBody>
       </p:sp>
@@ -6624,42 +6599,37 @@
           <a:p>
             <a:pPr lvl="0"/>
             <a:r>
-              <a:rPr lang="zh-CN" altLang="en-US" dirty="0" smtClean="0"/>
+              <a:rPr lang="zh-CN" altLang="en-US" dirty="0"/>
               <a:t>单击此处编辑母版文本样式</a:t>
             </a:r>
-            <a:endParaRPr lang="zh-CN" altLang="en-US" dirty="0" smtClean="0"/>
           </a:p>
           <a:p>
             <a:pPr lvl="1"/>
             <a:r>
-              <a:rPr lang="zh-CN" altLang="en-US" dirty="0" smtClean="0"/>
+              <a:rPr lang="zh-CN" altLang="en-US" dirty="0"/>
               <a:t>第二级</a:t>
             </a:r>
-            <a:endParaRPr lang="zh-CN" altLang="en-US" dirty="0" smtClean="0"/>
           </a:p>
           <a:p>
             <a:pPr lvl="2"/>
             <a:r>
-              <a:rPr lang="zh-CN" altLang="en-US" dirty="0" smtClean="0"/>
+              <a:rPr lang="zh-CN" altLang="en-US" dirty="0"/>
               <a:t>第三级</a:t>
             </a:r>
-            <a:endParaRPr lang="zh-CN" altLang="en-US" dirty="0" smtClean="0"/>
           </a:p>
           <a:p>
             <a:pPr lvl="3"/>
             <a:r>
-              <a:rPr lang="zh-CN" altLang="en-US" dirty="0" smtClean="0"/>
+              <a:rPr lang="zh-CN" altLang="en-US" dirty="0"/>
               <a:t>第四级</a:t>
             </a:r>
-            <a:endParaRPr lang="zh-CN" altLang="en-US" dirty="0" smtClean="0"/>
           </a:p>
           <a:p>
             <a:pPr lvl="4"/>
             <a:r>
-              <a:rPr lang="zh-CN" altLang="en-US" dirty="0" smtClean="0"/>
+              <a:rPr lang="zh-CN" altLang="en-US" dirty="0"/>
               <a:t>第五级</a:t>
             </a:r>
-            <a:endParaRPr lang="zh-CN" altLang="en-US" dirty="0"/>
           </a:p>
         </p:txBody>
       </p:sp>
@@ -6680,6 +6650,7 @@
           <a:p>
             <a:fld id="{760FBDFE-C587-4B4C-A407-44438C67B59E}" type="datetimeFigureOut">
               <a:rPr lang="zh-CN" altLang="en-US" smtClean="0"/>
+              <a:t>2018/3/1</a:t>
             </a:fld>
             <a:endParaRPr lang="zh-CN" altLang="en-US" dirty="0"/>
           </a:p>
@@ -6721,6 +6692,7 @@
           <a:p>
             <a:fld id="{49AE70B2-8BF9-45C0-BB95-33D1B9D3A854}" type="slidenum">
               <a:rPr lang="zh-CN" altLang="en-US" smtClean="0"/>
+              <a:t>‹#›</a:t>
             </a:fld>
             <a:endParaRPr lang="zh-CN" altLang="en-US"/>
           </a:p>
@@ -6734,7 +6706,7 @@
           <p:cNvSpPr/>
           <p:nvPr>
             <p:custDataLst>
-              <p:tags r:id="rId2"/>
+              <p:tags r:id="rId1"/>
             </p:custDataLst>
           </p:nvPr>
         </p:nvSpPr>
@@ -6897,6 +6869,7 @@
           <a:p>
             <a:fld id="{41011368-DC98-40D8-9819-63EF158A2BD9}" type="datetimeFigureOut">
               <a:rPr lang="zh-CN" altLang="en-US" smtClean="0"/>
+              <a:t>2018/3/1</a:t>
             </a:fld>
             <a:endParaRPr lang="zh-CN" altLang="en-US"/>
           </a:p>
@@ -6938,6 +6911,7 @@
           <a:p>
             <a:fld id="{54DCA0A3-A6A9-4B96-9FAD-CA844DD92BEB}" type="slidenum">
               <a:rPr lang="zh-CN" altLang="en-US" smtClean="0"/>
+              <a:t>‹#›</a:t>
             </a:fld>
             <a:endParaRPr lang="zh-CN" altLang="en-US"/>
           </a:p>
@@ -6965,42 +6939,37 @@
           <a:p>
             <a:pPr lvl="0"/>
             <a:r>
-              <a:rPr lang="zh-CN" altLang="en-US" smtClean="0"/>
+              <a:rPr lang="zh-CN" altLang="en-US"/>
               <a:t>单击此处编辑母版文本样式</a:t>
             </a:r>
-            <a:endParaRPr lang="zh-CN" altLang="en-US" smtClean="0"/>
           </a:p>
           <a:p>
             <a:pPr lvl="1"/>
             <a:r>
-              <a:rPr lang="zh-CN" altLang="en-US" smtClean="0"/>
+              <a:rPr lang="zh-CN" altLang="en-US"/>
               <a:t>第二级</a:t>
             </a:r>
-            <a:endParaRPr lang="zh-CN" altLang="en-US" smtClean="0"/>
           </a:p>
           <a:p>
             <a:pPr lvl="2"/>
             <a:r>
-              <a:rPr lang="zh-CN" altLang="en-US" smtClean="0"/>
+              <a:rPr lang="zh-CN" altLang="en-US"/>
               <a:t>第三级</a:t>
             </a:r>
-            <a:endParaRPr lang="zh-CN" altLang="en-US" smtClean="0"/>
           </a:p>
           <a:p>
             <a:pPr lvl="3"/>
             <a:r>
-              <a:rPr lang="zh-CN" altLang="en-US" smtClean="0"/>
+              <a:rPr lang="zh-CN" altLang="en-US"/>
               <a:t>第四级</a:t>
             </a:r>
-            <a:endParaRPr lang="zh-CN" altLang="en-US" smtClean="0"/>
           </a:p>
           <a:p>
             <a:pPr lvl="4"/>
             <a:r>
-              <a:rPr lang="zh-CN" altLang="en-US" smtClean="0"/>
+              <a:rPr lang="zh-CN" altLang="en-US"/>
               <a:t>第五级</a:t>
             </a:r>
-            <a:endParaRPr lang="zh-CN" altLang="en-US"/>
           </a:p>
         </p:txBody>
       </p:sp>
@@ -7405,7 +7374,7 @@
           <a:p>
             <a:pPr algn="ctr"/>
             <a:r>
-              <a:rPr lang="en-US" altLang="zh-CN" sz="7200" spc="300" dirty="0" smtClean="0">
+              <a:rPr lang="en-US" altLang="zh-CN" sz="7200" spc="300" dirty="0">
                 <a:solidFill>
                   <a:schemeClr val="bg1"/>
                 </a:solidFill>
@@ -7453,10 +7422,9 @@
           </a:lstStyle>
           <a:p>
             <a:r>
-              <a:rPr lang="zh-CN" altLang="en-US" dirty="0" smtClean="0"/>
+              <a:rPr lang="zh-CN" altLang="en-US" dirty="0"/>
               <a:t>单击此处编辑标题</a:t>
             </a:r>
-            <a:endParaRPr lang="zh-CN" altLang="en-US" dirty="0"/>
           </a:p>
         </p:txBody>
       </p:sp>
@@ -7573,10 +7541,9 @@
           <a:p>
             <a:pPr lvl="0"/>
             <a:r>
-              <a:rPr lang="zh-CN" altLang="en-US" dirty="0" smtClean="0"/>
+              <a:rPr lang="zh-CN" altLang="en-US" dirty="0"/>
               <a:t>单击此处编辑母版文本样式</a:t>
             </a:r>
-            <a:endParaRPr lang="zh-CN" altLang="en-US" dirty="0" smtClean="0"/>
           </a:p>
         </p:txBody>
       </p:sp>
@@ -7597,6 +7564,7 @@
           <a:p>
             <a:fld id="{760FBDFE-C587-4B4C-A407-44438C67B59E}" type="datetimeFigureOut">
               <a:rPr lang="zh-CN" altLang="en-US" smtClean="0"/>
+              <a:t>2018/3/1</a:t>
             </a:fld>
             <a:endParaRPr lang="zh-CN" altLang="en-US"/>
           </a:p>
@@ -7638,6 +7606,7 @@
           <a:p>
             <a:fld id="{49AE70B2-8BF9-45C0-BB95-33D1B9D3A854}" type="slidenum">
               <a:rPr lang="zh-CN" altLang="en-US" smtClean="0"/>
+              <a:t>‹#›</a:t>
             </a:fld>
             <a:endParaRPr lang="zh-CN" altLang="en-US"/>
           </a:p>
@@ -7684,10 +7653,9 @@
           <a:lstStyle/>
           <a:p>
             <a:r>
-              <a:rPr lang="zh-CN" altLang="en-US" dirty="0" smtClean="0"/>
+              <a:rPr lang="zh-CN" altLang="en-US" dirty="0"/>
               <a:t>单击此处编辑母版标题样式</a:t>
             </a:r>
-            <a:endParaRPr lang="zh-CN" altLang="en-US" dirty="0"/>
           </a:p>
         </p:txBody>
       </p:sp>
@@ -7713,42 +7681,37 @@
           <a:p>
             <a:pPr lvl="0"/>
             <a:r>
-              <a:rPr lang="zh-CN" altLang="en-US" dirty="0" smtClean="0"/>
+              <a:rPr lang="zh-CN" altLang="en-US" dirty="0"/>
               <a:t>单击此处编辑母版文本样式</a:t>
             </a:r>
-            <a:endParaRPr lang="zh-CN" altLang="en-US" dirty="0" smtClean="0"/>
           </a:p>
           <a:p>
             <a:pPr lvl="1"/>
             <a:r>
-              <a:rPr lang="zh-CN" altLang="en-US" dirty="0" smtClean="0"/>
+              <a:rPr lang="zh-CN" altLang="en-US" dirty="0"/>
               <a:t>第二级</a:t>
             </a:r>
-            <a:endParaRPr lang="zh-CN" altLang="en-US" dirty="0" smtClean="0"/>
           </a:p>
           <a:p>
             <a:pPr lvl="2"/>
             <a:r>
-              <a:rPr lang="zh-CN" altLang="en-US" dirty="0" smtClean="0"/>
+              <a:rPr lang="zh-CN" altLang="en-US" dirty="0"/>
               <a:t>第三级</a:t>
             </a:r>
-            <a:endParaRPr lang="zh-CN" altLang="en-US" dirty="0" smtClean="0"/>
           </a:p>
           <a:p>
             <a:pPr lvl="3"/>
             <a:r>
-              <a:rPr lang="zh-CN" altLang="en-US" dirty="0" smtClean="0"/>
+              <a:rPr lang="zh-CN" altLang="en-US" dirty="0"/>
               <a:t>第四级</a:t>
             </a:r>
-            <a:endParaRPr lang="zh-CN" altLang="en-US" dirty="0" smtClean="0"/>
           </a:p>
           <a:p>
             <a:pPr lvl="4"/>
             <a:r>
-              <a:rPr lang="zh-CN" altLang="en-US" dirty="0" smtClean="0"/>
+              <a:rPr lang="zh-CN" altLang="en-US" dirty="0"/>
               <a:t>第五级</a:t>
             </a:r>
-            <a:endParaRPr lang="zh-CN" altLang="en-US" dirty="0"/>
           </a:p>
         </p:txBody>
       </p:sp>
@@ -7774,42 +7737,37 @@
           <a:p>
             <a:pPr lvl="0"/>
             <a:r>
-              <a:rPr lang="zh-CN" altLang="en-US" dirty="0" smtClean="0"/>
+              <a:rPr lang="zh-CN" altLang="en-US" dirty="0"/>
               <a:t>单击此处编辑母版文本样式</a:t>
             </a:r>
-            <a:endParaRPr lang="zh-CN" altLang="en-US" dirty="0" smtClean="0"/>
           </a:p>
           <a:p>
             <a:pPr lvl="1"/>
             <a:r>
-              <a:rPr lang="zh-CN" altLang="en-US" dirty="0" smtClean="0"/>
+              <a:rPr lang="zh-CN" altLang="en-US" dirty="0"/>
               <a:t>第二级</a:t>
             </a:r>
-            <a:endParaRPr lang="zh-CN" altLang="en-US" dirty="0" smtClean="0"/>
           </a:p>
           <a:p>
             <a:pPr lvl="2"/>
             <a:r>
-              <a:rPr lang="zh-CN" altLang="en-US" dirty="0" smtClean="0"/>
+              <a:rPr lang="zh-CN" altLang="en-US" dirty="0"/>
               <a:t>第三级</a:t>
             </a:r>
-            <a:endParaRPr lang="zh-CN" altLang="en-US" dirty="0" smtClean="0"/>
           </a:p>
           <a:p>
             <a:pPr lvl="3"/>
             <a:r>
-              <a:rPr lang="zh-CN" altLang="en-US" dirty="0" smtClean="0"/>
+              <a:rPr lang="zh-CN" altLang="en-US" dirty="0"/>
               <a:t>第四级</a:t>
             </a:r>
-            <a:endParaRPr lang="zh-CN" altLang="en-US" dirty="0" smtClean="0"/>
           </a:p>
           <a:p>
             <a:pPr lvl="4"/>
             <a:r>
-              <a:rPr lang="zh-CN" altLang="en-US" dirty="0" smtClean="0"/>
+              <a:rPr lang="zh-CN" altLang="en-US" dirty="0"/>
               <a:t>第五级</a:t>
             </a:r>
-            <a:endParaRPr lang="zh-CN" altLang="en-US" dirty="0"/>
           </a:p>
         </p:txBody>
       </p:sp>
@@ -7830,6 +7788,7 @@
           <a:p>
             <a:fld id="{760FBDFE-C587-4B4C-A407-44438C67B59E}" type="datetimeFigureOut">
               <a:rPr lang="zh-CN" altLang="en-US" smtClean="0"/>
+              <a:t>2018/3/1</a:t>
             </a:fld>
             <a:endParaRPr lang="zh-CN" altLang="en-US"/>
           </a:p>
@@ -7871,6 +7830,7 @@
           <a:p>
             <a:fld id="{49AE70B2-8BF9-45C0-BB95-33D1B9D3A854}" type="slidenum">
               <a:rPr lang="zh-CN" altLang="en-US" smtClean="0"/>
+              <a:t>‹#›</a:t>
             </a:fld>
             <a:endParaRPr lang="zh-CN" altLang="en-US"/>
           </a:p>
@@ -7884,7 +7844,7 @@
           <p:cNvSpPr/>
           <p:nvPr>
             <p:custDataLst>
-              <p:tags r:id="rId2"/>
+              <p:tags r:id="rId1"/>
             </p:custDataLst>
           </p:nvPr>
         </p:nvSpPr>
@@ -8051,10 +8011,9 @@
           <a:lstStyle/>
           <a:p>
             <a:r>
-              <a:rPr lang="zh-CN" altLang="en-US" dirty="0" smtClean="0"/>
+              <a:rPr lang="zh-CN" altLang="en-US" dirty="0"/>
               <a:t>单击此处编辑母版标题样式</a:t>
             </a:r>
-            <a:endParaRPr lang="zh-CN" altLang="en-US" dirty="0"/>
           </a:p>
         </p:txBody>
       </p:sp>
@@ -8117,10 +8076,9 @@
           <a:p>
             <a:pPr lvl="0"/>
             <a:r>
-              <a:rPr lang="zh-CN" altLang="en-US" dirty="0" smtClean="0"/>
+              <a:rPr lang="zh-CN" altLang="en-US" dirty="0"/>
               <a:t>单击此处编辑母版文本样式</a:t>
             </a:r>
-            <a:endParaRPr lang="zh-CN" altLang="en-US" dirty="0" smtClean="0"/>
           </a:p>
         </p:txBody>
       </p:sp>
@@ -8146,42 +8104,37 @@
           <a:p>
             <a:pPr lvl="0"/>
             <a:r>
-              <a:rPr lang="zh-CN" altLang="en-US" dirty="0" smtClean="0"/>
+              <a:rPr lang="zh-CN" altLang="en-US" dirty="0"/>
               <a:t>单击此处编辑母版文本样式</a:t>
             </a:r>
-            <a:endParaRPr lang="zh-CN" altLang="en-US" dirty="0" smtClean="0"/>
           </a:p>
           <a:p>
             <a:pPr lvl="1"/>
             <a:r>
-              <a:rPr lang="zh-CN" altLang="en-US" dirty="0" smtClean="0"/>
+              <a:rPr lang="zh-CN" altLang="en-US" dirty="0"/>
               <a:t>第二级</a:t>
             </a:r>
-            <a:endParaRPr lang="zh-CN" altLang="en-US" dirty="0" smtClean="0"/>
           </a:p>
           <a:p>
             <a:pPr lvl="2"/>
             <a:r>
-              <a:rPr lang="zh-CN" altLang="en-US" dirty="0" smtClean="0"/>
+              <a:rPr lang="zh-CN" altLang="en-US" dirty="0"/>
               <a:t>第三级</a:t>
             </a:r>
-            <a:endParaRPr lang="zh-CN" altLang="en-US" dirty="0" smtClean="0"/>
           </a:p>
           <a:p>
             <a:pPr lvl="3"/>
             <a:r>
-              <a:rPr lang="zh-CN" altLang="en-US" dirty="0" smtClean="0"/>
+              <a:rPr lang="zh-CN" altLang="en-US" dirty="0"/>
               <a:t>第四级</a:t>
             </a:r>
-            <a:endParaRPr lang="zh-CN" altLang="en-US" dirty="0" smtClean="0"/>
           </a:p>
           <a:p>
             <a:pPr lvl="4"/>
             <a:r>
-              <a:rPr lang="zh-CN" altLang="en-US" dirty="0" smtClean="0"/>
+              <a:rPr lang="zh-CN" altLang="en-US" dirty="0"/>
               <a:t>第五级</a:t>
             </a:r>
-            <a:endParaRPr lang="zh-CN" altLang="en-US" dirty="0"/>
           </a:p>
         </p:txBody>
       </p:sp>
@@ -8244,10 +8197,9 @@
           <a:p>
             <a:pPr lvl="0"/>
             <a:r>
-              <a:rPr lang="zh-CN" altLang="en-US" dirty="0" smtClean="0"/>
+              <a:rPr lang="zh-CN" altLang="en-US" dirty="0"/>
               <a:t>单击此处编辑母版文本样式</a:t>
             </a:r>
-            <a:endParaRPr lang="zh-CN" altLang="en-US" dirty="0" smtClean="0"/>
           </a:p>
         </p:txBody>
       </p:sp>
@@ -8273,42 +8225,37 @@
           <a:p>
             <a:pPr lvl="0"/>
             <a:r>
-              <a:rPr lang="zh-CN" altLang="en-US" dirty="0" smtClean="0"/>
+              <a:rPr lang="zh-CN" altLang="en-US" dirty="0"/>
               <a:t>单击此处编辑母版文本样式</a:t>
             </a:r>
-            <a:endParaRPr lang="zh-CN" altLang="en-US" dirty="0" smtClean="0"/>
           </a:p>
           <a:p>
             <a:pPr lvl="1"/>
             <a:r>
-              <a:rPr lang="zh-CN" altLang="en-US" dirty="0" smtClean="0"/>
+              <a:rPr lang="zh-CN" altLang="en-US" dirty="0"/>
               <a:t>第二级</a:t>
             </a:r>
-            <a:endParaRPr lang="zh-CN" altLang="en-US" dirty="0" smtClean="0"/>
           </a:p>
           <a:p>
             <a:pPr lvl="2"/>
             <a:r>
-              <a:rPr lang="zh-CN" altLang="en-US" dirty="0" smtClean="0"/>
+              <a:rPr lang="zh-CN" altLang="en-US" dirty="0"/>
               <a:t>第三级</a:t>
             </a:r>
-            <a:endParaRPr lang="zh-CN" altLang="en-US" dirty="0" smtClean="0"/>
           </a:p>
           <a:p>
             <a:pPr lvl="3"/>
             <a:r>
-              <a:rPr lang="zh-CN" altLang="en-US" dirty="0" smtClean="0"/>
+              <a:rPr lang="zh-CN" altLang="en-US" dirty="0"/>
               <a:t>第四级</a:t>
             </a:r>
-            <a:endParaRPr lang="zh-CN" altLang="en-US" dirty="0" smtClean="0"/>
           </a:p>
           <a:p>
             <a:pPr lvl="4"/>
             <a:r>
-              <a:rPr lang="zh-CN" altLang="en-US" dirty="0" smtClean="0"/>
+              <a:rPr lang="zh-CN" altLang="en-US" dirty="0"/>
               <a:t>第五级</a:t>
             </a:r>
-            <a:endParaRPr lang="zh-CN" altLang="en-US" dirty="0"/>
           </a:p>
         </p:txBody>
       </p:sp>
@@ -8329,6 +8276,7 @@
           <a:p>
             <a:fld id="{760FBDFE-C587-4B4C-A407-44438C67B59E}" type="datetimeFigureOut">
               <a:rPr lang="zh-CN" altLang="en-US" smtClean="0"/>
+              <a:t>2018/3/1</a:t>
             </a:fld>
             <a:endParaRPr lang="zh-CN" altLang="en-US"/>
           </a:p>
@@ -8370,6 +8318,7 @@
           <a:p>
             <a:fld id="{49AE70B2-8BF9-45C0-BB95-33D1B9D3A854}" type="slidenum">
               <a:rPr lang="zh-CN" altLang="en-US" smtClean="0"/>
+              <a:t>‹#›</a:t>
             </a:fld>
             <a:endParaRPr lang="zh-CN" altLang="en-US"/>
           </a:p>
@@ -8383,7 +8332,7 @@
           <p:cNvSpPr/>
           <p:nvPr>
             <p:custDataLst>
-              <p:tags r:id="rId2"/>
+              <p:tags r:id="rId1"/>
             </p:custDataLst>
           </p:nvPr>
         </p:nvSpPr>
@@ -8714,7 +8663,7 @@
           <a:p>
             <a:pPr algn="ctr"/>
             <a:r>
-              <a:rPr lang="en-US" altLang="zh-CN" sz="8800" spc="300" dirty="0" smtClean="0">
+              <a:rPr lang="en-US" altLang="zh-CN" sz="8800" spc="300" dirty="0">
                 <a:solidFill>
                   <a:schemeClr val="bg1"/>
                 </a:solidFill>
@@ -8769,7 +8718,6 @@
               <a:rPr lang="zh-CN" altLang="en-US" dirty="0"/>
               <a:t>单击此处编辑母版标题样式</a:t>
             </a:r>
-            <a:endParaRPr lang="zh-CN" altLang="en-US" dirty="0"/>
           </a:p>
         </p:txBody>
       </p:sp>
@@ -8840,7 +8788,6 @@
               <a:rPr lang="zh-CN" altLang="en-US" dirty="0"/>
               <a:t>单击此处编辑母版副标题样式</a:t>
             </a:r>
-            <a:endParaRPr lang="zh-CN" altLang="en-US" dirty="0"/>
           </a:p>
         </p:txBody>
       </p:sp>
@@ -8866,6 +8813,7 @@
           <a:p>
             <a:fld id="{D997B5FA-0921-464F-AAE1-844C04324D75}" type="datetimeFigureOut">
               <a:rPr lang="zh-CN" altLang="en-US" smtClean="0"/>
+              <a:t>2018/3/1</a:t>
             </a:fld>
             <a:endParaRPr lang="zh-CN" altLang="en-US" dirty="0"/>
           </a:p>
@@ -8917,6 +8865,7 @@
           <a:p>
             <a:fld id="{565CE74E-AB26-4998-AD42-012C4C1AD076}" type="slidenum">
               <a:rPr lang="zh-CN" altLang="en-US" smtClean="0"/>
+              <a:t>‹#›</a:t>
             </a:fld>
             <a:endParaRPr lang="zh-CN" altLang="en-US"/>
           </a:p>
@@ -9050,6 +8999,7 @@
           <a:p>
             <a:fld id="{760FBDFE-C587-4B4C-A407-44438C67B59E}" type="datetimeFigureOut">
               <a:rPr lang="zh-CN" altLang="en-US" smtClean="0"/>
+              <a:t>2018/3/1</a:t>
             </a:fld>
             <a:endParaRPr lang="zh-CN" altLang="en-US"/>
           </a:p>
@@ -9091,6 +9041,7 @@
           <a:p>
             <a:fld id="{49AE70B2-8BF9-45C0-BB95-33D1B9D3A854}" type="slidenum">
               <a:rPr lang="zh-CN" altLang="en-US" smtClean="0"/>
+              <a:t>‹#›</a:t>
             </a:fld>
             <a:endParaRPr lang="zh-CN" altLang="en-US"/>
           </a:p>
@@ -9148,10 +9099,9 @@
           </a:lstStyle>
           <a:p>
             <a:r>
-              <a:rPr lang="zh-CN" altLang="en-US" dirty="0" smtClean="0"/>
+              <a:rPr lang="zh-CN" altLang="en-US" dirty="0"/>
               <a:t>单击此处编辑标题</a:t>
             </a:r>
-            <a:endParaRPr lang="zh-CN" altLang="en-US" dirty="0"/>
           </a:p>
         </p:txBody>
       </p:sp>
@@ -9277,10 +9227,9 @@
           <a:p>
             <a:pPr lvl="0"/>
             <a:r>
-              <a:rPr lang="zh-CN" altLang="en-US" dirty="0" smtClean="0"/>
+              <a:rPr lang="zh-CN" altLang="en-US" dirty="0"/>
               <a:t>单击此处编辑母版文本样式</a:t>
             </a:r>
-            <a:endParaRPr lang="zh-CN" altLang="en-US" dirty="0" smtClean="0"/>
           </a:p>
         </p:txBody>
       </p:sp>
@@ -9301,6 +9250,7 @@
           <a:p>
             <a:fld id="{9EFD9D74-47D9-4702-A33C-335B63B48DBF}" type="datetimeFigureOut">
               <a:rPr lang="zh-CN" altLang="en-US" smtClean="0"/>
+              <a:t>2018/3/1</a:t>
             </a:fld>
             <a:endParaRPr lang="zh-CN" altLang="en-US" dirty="0"/>
           </a:p>
@@ -9342,6 +9292,7 @@
           <a:p>
             <a:fld id="{FABC47A4-756D-490B-A52F-7D9E2C9FC05F}" type="slidenum">
               <a:rPr lang="zh-CN" altLang="en-US" smtClean="0"/>
+              <a:t>‹#›</a:t>
             </a:fld>
             <a:endParaRPr lang="zh-CN" altLang="en-US"/>
           </a:p>
@@ -9355,7 +9306,7 @@
           <p:cNvSpPr/>
           <p:nvPr>
             <p:custDataLst>
-              <p:tags r:id="rId2"/>
+              <p:tags r:id="rId1"/>
             </p:custDataLst>
           </p:nvPr>
         </p:nvSpPr>
@@ -9528,10 +9479,9 @@
           </a:lstStyle>
           <a:p>
             <a:r>
-              <a:rPr lang="zh-CN" altLang="en-US" dirty="0" smtClean="0"/>
+              <a:rPr lang="zh-CN" altLang="en-US" dirty="0"/>
               <a:t>单击此处编辑标题</a:t>
             </a:r>
-            <a:endParaRPr lang="zh-CN" altLang="en-US" dirty="0"/>
           </a:p>
         </p:txBody>
       </p:sp>
@@ -9557,42 +9507,37 @@
           <a:p>
             <a:pPr lvl="0"/>
             <a:r>
-              <a:rPr lang="zh-CN" altLang="en-US" dirty="0" smtClean="0"/>
+              <a:rPr lang="zh-CN" altLang="en-US" dirty="0"/>
               <a:t>单击此处编辑母版文本样式</a:t>
             </a:r>
-            <a:endParaRPr lang="zh-CN" altLang="en-US" dirty="0" smtClean="0"/>
           </a:p>
           <a:p>
             <a:pPr lvl="1"/>
             <a:r>
-              <a:rPr lang="zh-CN" altLang="en-US" dirty="0" smtClean="0"/>
+              <a:rPr lang="zh-CN" altLang="en-US" dirty="0"/>
               <a:t>第二级</a:t>
             </a:r>
-            <a:endParaRPr lang="zh-CN" altLang="en-US" dirty="0" smtClean="0"/>
           </a:p>
           <a:p>
             <a:pPr lvl="2"/>
             <a:r>
-              <a:rPr lang="zh-CN" altLang="en-US" dirty="0" smtClean="0"/>
+              <a:rPr lang="zh-CN" altLang="en-US" dirty="0"/>
               <a:t>第三级</a:t>
             </a:r>
-            <a:endParaRPr lang="zh-CN" altLang="en-US" dirty="0" smtClean="0"/>
           </a:p>
           <a:p>
             <a:pPr lvl="3"/>
             <a:r>
-              <a:rPr lang="zh-CN" altLang="en-US" dirty="0" smtClean="0"/>
+              <a:rPr lang="zh-CN" altLang="en-US" dirty="0"/>
               <a:t>第四级</a:t>
             </a:r>
-            <a:endParaRPr lang="zh-CN" altLang="en-US" dirty="0" smtClean="0"/>
           </a:p>
           <a:p>
             <a:pPr lvl="4"/>
             <a:r>
-              <a:rPr lang="zh-CN" altLang="en-US" dirty="0" smtClean="0"/>
+              <a:rPr lang="zh-CN" altLang="en-US" dirty="0"/>
               <a:t>第五级</a:t>
             </a:r>
-            <a:endParaRPr lang="zh-CN" altLang="en-US" dirty="0"/>
           </a:p>
         </p:txBody>
       </p:sp>
@@ -9613,6 +9558,7 @@
           <a:p>
             <a:fld id="{760FBDFE-C587-4B4C-A407-44438C67B59E}" type="datetimeFigureOut">
               <a:rPr lang="zh-CN" altLang="en-US" smtClean="0"/>
+              <a:t>2018/3/1</a:t>
             </a:fld>
             <a:endParaRPr lang="zh-CN" altLang="en-US"/>
           </a:p>
@@ -9654,6 +9600,7 @@
           <a:p>
             <a:fld id="{49AE70B2-8BF9-45C0-BB95-33D1B9D3A854}" type="slidenum">
               <a:rPr lang="zh-CN" altLang="en-US" smtClean="0"/>
+              <a:t>‹#›</a:t>
             </a:fld>
             <a:endParaRPr lang="zh-CN" altLang="en-US"/>
           </a:p>
@@ -9698,7 +9645,7 @@
           <p:nvPr>
             <p:ph type="title"/>
             <p:custDataLst>
-              <p:tags r:id="rId11"/>
+              <p:tags r:id="rId12"/>
             </p:custDataLst>
           </p:nvPr>
         </p:nvSpPr>
@@ -9721,7 +9668,6 @@
               <a:rPr lang="zh-CN" altLang="en-US" dirty="0"/>
               <a:t>单击此处编辑母版标题样式</a:t>
             </a:r>
-            <a:endParaRPr lang="zh-CN" altLang="en-US" dirty="0"/>
           </a:p>
         </p:txBody>
       </p:sp>
@@ -9734,7 +9680,7 @@
           <p:nvPr>
             <p:ph type="body" idx="1"/>
             <p:custDataLst>
-              <p:tags r:id="rId12"/>
+              <p:tags r:id="rId13"/>
             </p:custDataLst>
           </p:nvPr>
         </p:nvSpPr>
@@ -9758,7 +9704,6 @@
               <a:rPr lang="zh-CN" altLang="en-US" dirty="0"/>
               <a:t>单击此处编辑母版文本样式</a:t>
             </a:r>
-            <a:endParaRPr lang="zh-CN" altLang="en-US" dirty="0"/>
           </a:p>
           <a:p>
             <a:pPr lvl="1"/>
@@ -9766,7 +9711,6 @@
               <a:rPr lang="zh-CN" altLang="en-US" dirty="0"/>
               <a:t>第二级</a:t>
             </a:r>
-            <a:endParaRPr lang="zh-CN" altLang="en-US" dirty="0"/>
           </a:p>
           <a:p>
             <a:pPr lvl="2"/>
@@ -9774,7 +9718,6 @@
               <a:rPr lang="zh-CN" altLang="en-US" dirty="0"/>
               <a:t>第三级</a:t>
             </a:r>
-            <a:endParaRPr lang="zh-CN" altLang="en-US" dirty="0"/>
           </a:p>
           <a:p>
             <a:pPr lvl="3"/>
@@ -9782,7 +9725,6 @@
               <a:rPr lang="zh-CN" altLang="en-US" dirty="0"/>
               <a:t>第四级</a:t>
             </a:r>
-            <a:endParaRPr lang="zh-CN" altLang="en-US" dirty="0"/>
           </a:p>
           <a:p>
             <a:pPr lvl="4"/>
@@ -9790,7 +9732,6 @@
               <a:rPr lang="zh-CN" altLang="en-US" dirty="0"/>
               <a:t>第五级</a:t>
             </a:r>
-            <a:endParaRPr lang="zh-CN" altLang="en-US" dirty="0"/>
           </a:p>
         </p:txBody>
       </p:sp>
@@ -9833,6 +9774,7 @@
           <a:p>
             <a:fld id="{D997B5FA-0921-464F-AAE1-844C04324D75}" type="datetimeFigureOut">
               <a:rPr lang="zh-CN" altLang="en-US" smtClean="0"/>
+              <a:t>2018/3/1</a:t>
             </a:fld>
             <a:endParaRPr lang="zh-CN" altLang="en-US" dirty="0"/>
           </a:p>
@@ -9918,6 +9860,7 @@
           <a:p>
             <a:fld id="{565CE74E-AB26-4998-AD42-012C4C1AD076}" type="slidenum">
               <a:rPr lang="zh-CN" altLang="en-US" smtClean="0"/>
+              <a:t>‹#›</a:t>
             </a:fld>
             <a:endParaRPr lang="zh-CN" altLang="en-US"/>
           </a:p>
@@ -9929,7 +9872,7 @@
           <p:cNvSpPr/>
           <p:nvPr>
             <p:custDataLst>
-              <p:tags r:id="rId13"/>
+              <p:tags r:id="rId14"/>
             </p:custDataLst>
           </p:nvPr>
         </p:nvSpPr>
@@ -10296,7 +10239,7 @@
           <p:nvPr>
             <p:ph type="title"/>
             <p:custDataLst>
-              <p:tags r:id="rId11"/>
+              <p:tags r:id="rId12"/>
             </p:custDataLst>
           </p:nvPr>
         </p:nvSpPr>
@@ -10316,10 +10259,9 @@
           <a:lstStyle/>
           <a:p>
             <a:r>
-              <a:rPr lang="zh-CN" altLang="en-US" smtClean="0"/>
+              <a:rPr lang="zh-CN" altLang="en-US"/>
               <a:t>单击此处编辑母版标题样式</a:t>
             </a:r>
-            <a:endParaRPr lang="zh-CN" altLang="en-US"/>
           </a:p>
         </p:txBody>
       </p:sp>
@@ -10332,7 +10274,7 @@
           <p:nvPr>
             <p:ph type="body" idx="1"/>
             <p:custDataLst>
-              <p:tags r:id="rId12"/>
+              <p:tags r:id="rId13"/>
             </p:custDataLst>
           </p:nvPr>
         </p:nvSpPr>
@@ -10353,42 +10295,37 @@
           <a:p>
             <a:pPr lvl="0"/>
             <a:r>
-              <a:rPr lang="zh-CN" altLang="en-US" dirty="0" smtClean="0"/>
+              <a:rPr lang="zh-CN" altLang="en-US" dirty="0"/>
               <a:t>单击此处编辑母版文本样式</a:t>
             </a:r>
-            <a:endParaRPr lang="zh-CN" altLang="en-US" dirty="0" smtClean="0"/>
           </a:p>
           <a:p>
             <a:pPr lvl="1"/>
             <a:r>
-              <a:rPr lang="zh-CN" altLang="en-US" dirty="0" smtClean="0"/>
+              <a:rPr lang="zh-CN" altLang="en-US" dirty="0"/>
               <a:t>第二级</a:t>
             </a:r>
-            <a:endParaRPr lang="zh-CN" altLang="en-US" dirty="0" smtClean="0"/>
           </a:p>
           <a:p>
             <a:pPr lvl="2"/>
             <a:r>
-              <a:rPr lang="zh-CN" altLang="en-US" dirty="0" smtClean="0"/>
+              <a:rPr lang="zh-CN" altLang="en-US" dirty="0"/>
               <a:t>第三级</a:t>
             </a:r>
-            <a:endParaRPr lang="zh-CN" altLang="en-US" dirty="0" smtClean="0"/>
           </a:p>
           <a:p>
             <a:pPr lvl="3"/>
             <a:r>
-              <a:rPr lang="zh-CN" altLang="en-US" dirty="0" smtClean="0"/>
+              <a:rPr lang="zh-CN" altLang="en-US" dirty="0"/>
               <a:t>第四级</a:t>
             </a:r>
-            <a:endParaRPr lang="zh-CN" altLang="en-US" dirty="0" smtClean="0"/>
           </a:p>
           <a:p>
             <a:pPr lvl="4"/>
             <a:r>
-              <a:rPr lang="zh-CN" altLang="en-US" dirty="0" smtClean="0"/>
+              <a:rPr lang="zh-CN" altLang="en-US" dirty="0"/>
               <a:t>第五级</a:t>
             </a:r>
-            <a:endParaRPr lang="zh-CN" altLang="en-US" dirty="0"/>
           </a:p>
         </p:txBody>
       </p:sp>
@@ -10427,6 +10364,7 @@
           <a:p>
             <a:fld id="{41011368-DC98-40D8-9819-63EF158A2BD9}" type="datetimeFigureOut">
               <a:rPr lang="zh-CN" altLang="en-US" smtClean="0"/>
+              <a:t>2018/3/1</a:t>
             </a:fld>
             <a:endParaRPr lang="zh-CN" altLang="en-US"/>
           </a:p>
@@ -10504,6 +10442,7 @@
           <a:p>
             <a:fld id="{54DCA0A3-A6A9-4B96-9FAD-CA844DD92BEB}" type="slidenum">
               <a:rPr lang="zh-CN" altLang="en-US" smtClean="0"/>
+              <a:t>‹#›</a:t>
             </a:fld>
             <a:endParaRPr lang="zh-CN" altLang="en-US"/>
           </a:p>
@@ -10515,7 +10454,7 @@
           <p:cNvSpPr/>
           <p:nvPr>
             <p:custDataLst>
-              <p:tags r:id="rId13"/>
+              <p:tags r:id="rId14"/>
             </p:custDataLst>
           </p:nvPr>
         </p:nvSpPr>
@@ -10898,7 +10837,6 @@
               <a:rPr lang="zh-CN" altLang="en-US" dirty="0"/>
               <a:t>框架简介</a:t>
             </a:r>
-            <a:endParaRPr lang="zh-CN" altLang="en-US" dirty="0"/>
           </a:p>
         </p:txBody>
       </p:sp>
@@ -10910,13 +10848,6 @@
   <p:clrMapOvr>
     <a:masterClrMapping/>
   </p:clrMapOvr>
-  <p:timing>
-    <p:tnLst>
-      <p:par>
-        <p:cTn id="1" dur="indefinite" restart="never" nodeType="tmRoot"/>
-      </p:par>
-    </p:tnLst>
-  </p:timing>
 </p:sld>
 </file>
 
@@ -10976,7 +10907,7 @@
             </a:lvl1pPr>
           </a:lstStyle>
           <a:p>
-            <a:endParaRPr lang="en-US" altLang="zh-CN" sz="2400" dirty="0" smtClean="0">
+            <a:endParaRPr lang="en-US" altLang="zh-CN" sz="2400" dirty="0">
               <a:solidFill>
                 <a:schemeClr val="tx1"/>
               </a:solidFill>
@@ -10984,18 +10915,13 @@
           </a:p>
           <a:p>
             <a:r>
-              <a:rPr lang="zh-CN" altLang="en-US" sz="2400" dirty="0" smtClean="0">
+              <a:rPr lang="zh-CN" altLang="en-US" sz="2400" dirty="0">
                 <a:solidFill>
                   <a:schemeClr val="tx1"/>
                 </a:solidFill>
               </a:rPr>
               <a:t>条件渲染</a:t>
             </a:r>
-            <a:endParaRPr lang="zh-CN" altLang="en-US" sz="2400" dirty="0" smtClean="0">
-              <a:solidFill>
-                <a:schemeClr val="tx1"/>
-              </a:solidFill>
-            </a:endParaRPr>
           </a:p>
         </p:txBody>
       </p:sp>
@@ -11157,7 +11083,7 @@
             </a:lvl9pPr>
           </a:lstStyle>
           <a:p>
-            <a:endParaRPr lang="en-US" altLang="zh-CN" sz="1800" smtClean="0"/>
+            <a:endParaRPr lang="en-US" altLang="zh-CN" sz="1800" dirty="0"/>
           </a:p>
           <a:p>
             <a:pPr marL="285750" indent="-285750">
@@ -11165,59 +11091,56 @@
               <a:buChar char="•"/>
             </a:pPr>
             <a:r>
-              <a:rPr lang="en-US" altLang="zh-CN" sz="1800" smtClean="0"/>
+              <a:rPr lang="en-US" altLang="zh-CN" sz="1800" dirty="0"/>
               <a:t>v-if     </a:t>
             </a:r>
             <a:r>
-              <a:rPr lang="zh-CN" altLang="en-US" sz="1800" smtClean="0"/>
+              <a:rPr lang="zh-CN" altLang="en-US" sz="1800" dirty="0"/>
               <a:t>同样也是一个指令，添加到一个元素上，对应利用 === 全等判断绑定的值true或false来决定是否渲染里面的节点。</a:t>
             </a:r>
-            <a:endParaRPr lang="zh-CN" altLang="en-US" sz="1800" smtClean="0"/>
           </a:p>
           <a:p>
             <a:pPr>
               <a:buFont typeface="Arial" panose="020B0604020202020204" pitchFamily="34" charset="0"/>
             </a:pPr>
             <a:r>
-              <a:rPr lang="zh-CN" altLang="en-US" sz="1800" smtClean="0"/>
+              <a:rPr lang="zh-CN" altLang="en-US" sz="1800" dirty="0"/>
               <a:t>    可以与它一起使用的指令有 v-else ,v-else-if,v-else 元素必须紧跟在都有v-if或者v-else-if的元素后面</a:t>
             </a:r>
-            <a:endParaRPr lang="zh-CN" altLang="en-US" sz="1800" smtClean="0"/>
           </a:p>
           <a:p>
             <a:pPr>
               <a:buFont typeface="Arial" panose="020B0604020202020204" pitchFamily="34" charset="0"/>
             </a:pPr>
             <a:r>
-              <a:rPr lang="en-US" altLang="zh-CN" sz="1800" smtClean="0"/>
+              <a:rPr lang="en-US" altLang="zh-CN" sz="1800" dirty="0"/>
               <a:t>  </a:t>
             </a:r>
-            <a:endParaRPr lang="en-US" altLang="zh-CN" sz="1800" smtClean="0"/>
           </a:p>
           <a:p>
             <a:pPr>
               <a:buFont typeface="Arial" panose="020B0604020202020204" pitchFamily="34" charset="0"/>
             </a:pPr>
-            <a:endParaRPr lang="en-US" altLang="zh-CN" sz="1800" smtClean="0"/>
+            <a:endParaRPr lang="en-US" altLang="zh-CN" sz="1800" dirty="0"/>
           </a:p>
           <a:p>
             <a:pPr>
               <a:buFont typeface="Arial" panose="020B0604020202020204" pitchFamily="34" charset="0"/>
             </a:pPr>
-            <a:endParaRPr lang="en-US" altLang="zh-CN" sz="1800" smtClean="0"/>
+            <a:endParaRPr lang="en-US" altLang="zh-CN" sz="1800" dirty="0"/>
           </a:p>
           <a:p>
             <a:pPr>
               <a:buFont typeface="Arial" panose="020B0604020202020204" pitchFamily="34" charset="0"/>
             </a:pPr>
-            <a:endParaRPr lang="en-US" altLang="zh-CN" sz="1800" smtClean="0"/>
+            <a:endParaRPr lang="en-US" altLang="zh-CN" sz="1800" dirty="0"/>
           </a:p>
           <a:p>
             <a:pPr marL="285750" indent="-285750">
               <a:buFont typeface="Arial" panose="020B0604020202020204" pitchFamily="34" charset="0"/>
               <a:buChar char="•"/>
             </a:pPr>
-            <a:endParaRPr lang="en-US" altLang="zh-CN" sz="1800" smtClean="0"/>
+            <a:endParaRPr lang="en-US" altLang="zh-CN" sz="1800" dirty="0"/>
           </a:p>
           <a:p>
             <a:pPr marL="285750" indent="-285750">
@@ -11225,24 +11148,31 @@
               <a:buChar char="•"/>
             </a:pPr>
             <a:r>
-              <a:rPr lang="en-US" altLang="zh-CN" sz="1800" smtClean="0"/>
-              <a:t>v-show    根据条件展示元素的选项,简单的切换元素的内联样式display	</a:t>
-            </a:r>
-            <a:endParaRPr lang="en-US" altLang="zh-CN" sz="1800" smtClean="0"/>
+              <a:rPr lang="en-US" altLang="zh-CN" sz="1800" dirty="0"/>
+              <a:t>v-show    </a:t>
+            </a:r>
+            <a:r>
+              <a:rPr lang="en-US" altLang="zh-CN" sz="1800" dirty="0" err="1"/>
+              <a:t>根据条件展示元素的选项,简单的切换元素的内联样式display</a:t>
+            </a:r>
+            <a:r>
+              <a:rPr lang="en-US" altLang="zh-CN" sz="1800" dirty="0"/>
+              <a:t>	</a:t>
+            </a:r>
           </a:p>
           <a:p>
             <a:pPr marL="285750" indent="-285750">
               <a:buFont typeface="Arial" panose="020B0604020202020204" pitchFamily="34" charset="0"/>
               <a:buChar char="•"/>
             </a:pPr>
-            <a:endParaRPr lang="en-US" altLang="zh-CN" sz="1800" smtClean="0"/>
+            <a:endParaRPr lang="en-US" altLang="zh-CN" sz="1800" dirty="0"/>
           </a:p>
           <a:p>
             <a:pPr marL="285750" indent="-285750">
               <a:buFont typeface="Arial" panose="020B0604020202020204" pitchFamily="34" charset="0"/>
               <a:buChar char="•"/>
             </a:pPr>
-            <a:endParaRPr lang="en-US" altLang="zh-CN" sz="1800" smtClean="0"/>
+            <a:endParaRPr lang="en-US" altLang="zh-CN" sz="1800" dirty="0"/>
           </a:p>
         </p:txBody>
       </p:sp>
@@ -11255,7 +11185,7 @@
           <p:nvPr/>
         </p:nvPicPr>
         <p:blipFill>
-          <a:blip r:embed="rId1"/>
+          <a:blip r:embed="rId4"/>
           <a:stretch>
             <a:fillRect/>
           </a:stretch>
@@ -11279,7 +11209,7 @@
           <p:nvPr/>
         </p:nvPicPr>
         <p:blipFill>
-          <a:blip r:embed="rId2"/>
+          <a:blip r:embed="rId5"/>
           <a:stretch>
             <a:fillRect/>
           </a:stretch>
@@ -11296,7 +11226,7 @@
       </p:pic>
     </p:spTree>
     <p:custDataLst>
-      <p:tags r:id="rId3"/>
+      <p:tags r:id="rId1"/>
     </p:custDataLst>
   </p:cSld>
   <p:clrMapOvr>
@@ -11361,7 +11291,7 @@
             </a:lvl1pPr>
           </a:lstStyle>
           <a:p>
-            <a:endParaRPr lang="en-US" altLang="zh-CN" sz="2400" dirty="0" smtClean="0">
+            <a:endParaRPr lang="en-US" altLang="zh-CN" sz="2400" dirty="0">
               <a:solidFill>
                 <a:schemeClr val="tx1"/>
               </a:solidFill>
@@ -11369,18 +11299,13 @@
           </a:p>
           <a:p>
             <a:r>
-              <a:rPr lang="zh-CN" altLang="en-US" sz="2400" dirty="0" smtClean="0">
+              <a:rPr lang="zh-CN" altLang="en-US" sz="2400" dirty="0">
                 <a:solidFill>
                   <a:schemeClr val="tx1"/>
                 </a:solidFill>
               </a:rPr>
               <a:t>列表渲染</a:t>
             </a:r>
-            <a:endParaRPr lang="zh-CN" altLang="en-US" sz="2400" dirty="0" smtClean="0">
-              <a:solidFill>
-                <a:schemeClr val="tx1"/>
-              </a:solidFill>
-            </a:endParaRPr>
           </a:p>
         </p:txBody>
       </p:sp>
@@ -11547,22 +11472,26 @@
               <a:buChar char="•"/>
             </a:pPr>
             <a:r>
-              <a:rPr lang="en-US" altLang="zh-CN" sz="1800" smtClean="0"/>
-              <a:t> v-for 把一个数组对应为一组元素,推荐给每个列表，添加唯一标识的key值</a:t>
-            </a:r>
-            <a:endParaRPr lang="en-US" altLang="zh-CN" sz="1800" smtClean="0"/>
-          </a:p>
-          <a:p>
-            <a:endParaRPr lang="en-US" altLang="zh-CN" sz="1800" smtClean="0"/>
-          </a:p>
-          <a:p>
-            <a:endParaRPr lang="en-US" altLang="zh-CN" sz="1800" smtClean="0"/>
-          </a:p>
-          <a:p>
-            <a:endParaRPr lang="en-US" altLang="zh-CN" sz="1800" smtClean="0"/>
-          </a:p>
-          <a:p>
-            <a:endParaRPr lang="en-US" altLang="zh-CN" sz="1800" smtClean="0"/>
+              <a:rPr lang="en-US" altLang="zh-CN" sz="1800" dirty="0"/>
+              <a:t> v-for </a:t>
+            </a:r>
+            <a:r>
+              <a:rPr lang="en-US" altLang="zh-CN" sz="1800" dirty="0" err="1"/>
+              <a:t>把一个数组对应为一组元素,推荐给每个列表，添加唯一标识的key值</a:t>
+            </a:r>
+            <a:endParaRPr lang="en-US" altLang="zh-CN" sz="1800" dirty="0"/>
+          </a:p>
+          <a:p>
+            <a:endParaRPr lang="en-US" altLang="zh-CN" sz="1800" dirty="0"/>
+          </a:p>
+          <a:p>
+            <a:endParaRPr lang="en-US" altLang="zh-CN" sz="1800" dirty="0"/>
+          </a:p>
+          <a:p>
+            <a:endParaRPr lang="en-US" altLang="zh-CN" sz="1800" dirty="0"/>
+          </a:p>
+          <a:p>
+            <a:endParaRPr lang="en-US" altLang="zh-CN" sz="1800" dirty="0"/>
           </a:p>
           <a:p>
             <a:pPr marL="285750" indent="-285750">
@@ -11570,51 +11499,61 @@
               <a:buChar char="•"/>
             </a:pPr>
             <a:r>
-              <a:rPr lang="en-US" altLang="zh-CN" sz="1800" smtClean="0"/>
+              <a:rPr lang="en-US" altLang="zh-CN" sz="1800" dirty="0" err="1"/>
               <a:t>数组更新检测</a:t>
             </a:r>
-            <a:endParaRPr lang="en-US" altLang="zh-CN" sz="1800" smtClean="0"/>
+            <a:endParaRPr lang="en-US" altLang="zh-CN" sz="1800" dirty="0"/>
           </a:p>
           <a:p>
             <a:pPr algn="l"/>
             <a:r>
-              <a:rPr lang="en-US" altLang="zh-CN" sz="1800" smtClean="0"/>
-              <a:t>     包含一组观察数组变异方法，用来触发试图更push(),pop(),shift(),unshift(),splice(),sort(),reverse()</a:t>
-            </a:r>
-            <a:endParaRPr lang="en-US" altLang="zh-CN" sz="1800" smtClean="0"/>
-          </a:p>
-          <a:p>
-            <a:r>
-              <a:rPr lang="en-US" altLang="zh-CN" sz="1800" smtClean="0"/>
-              <a:t>利用索引给数组赋值或者手动修改数组的长度，都不会被检测到更新替代方案：</a:t>
-            </a:r>
-            <a:endParaRPr lang="en-US" altLang="zh-CN" sz="1800" smtClean="0"/>
-          </a:p>
-          <a:p>
-            <a:endParaRPr lang="en-US" altLang="zh-CN" sz="1800" smtClean="0"/>
-          </a:p>
-          <a:p>
-            <a:endParaRPr lang="en-US" altLang="zh-CN" sz="1800" smtClean="0"/>
+              <a:rPr lang="en-US" altLang="zh-CN" sz="1800" dirty="0"/>
+              <a:t>     </a:t>
+            </a:r>
+            <a:r>
+              <a:rPr lang="en-US" altLang="zh-CN" sz="1800" dirty="0" err="1"/>
+              <a:t>包含一组观察数组变异方法，用来触发试图更push</a:t>
+            </a:r>
+            <a:r>
+              <a:rPr lang="en-US" altLang="zh-CN" sz="1800" dirty="0"/>
+              <a:t>(),pop(),shift(),unshift(),splice(),sort(),reverse()</a:t>
+            </a:r>
+          </a:p>
+          <a:p>
+            <a:r>
+              <a:rPr lang="en-US" altLang="zh-CN" sz="1800" dirty="0" err="1"/>
+              <a:t>利用索引给数组赋值或者手动修改数组的长度，都不会被检测到更新替代方案</a:t>
+            </a:r>
+            <a:r>
+              <a:rPr lang="en-US" altLang="zh-CN" sz="1800" dirty="0"/>
+              <a:t>：</a:t>
+            </a:r>
+          </a:p>
+          <a:p>
+            <a:endParaRPr lang="en-US" altLang="zh-CN" sz="1800" dirty="0"/>
+          </a:p>
+          <a:p>
+            <a:endParaRPr lang="en-US" altLang="zh-CN" sz="1800" dirty="0"/>
           </a:p>
           <a:p>
             <a:pPr>
               <a:buFont typeface="Arial" panose="020B0604020202020204" pitchFamily="34" charset="0"/>
             </a:pPr>
-            <a:endParaRPr lang="en-US" altLang="zh-CN" sz="1800" smtClean="0"/>
+            <a:endParaRPr lang="en-US" altLang="zh-CN" sz="1800" dirty="0"/>
           </a:p>
           <a:p>
             <a:pPr marL="285750" indent="-285750">
               <a:buFont typeface="Arial" panose="020B0604020202020204" pitchFamily="34" charset="0"/>
               <a:buChar char="•"/>
             </a:pPr>
-            <a:endParaRPr lang="en-US" altLang="zh-CN" sz="1800" smtClean="0"/>
+            <a:endParaRPr lang="en-US" altLang="zh-CN" sz="1800" dirty="0"/>
           </a:p>
           <a:p>
             <a:pPr marL="285750" indent="-285750">
               <a:buFont typeface="Arial" panose="020B0604020202020204" pitchFamily="34" charset="0"/>
               <a:buChar char="•"/>
             </a:pPr>
-            <a:endParaRPr lang="en-US" altLang="zh-CN" sz="1800" smtClean="0"/>
+            <a:endParaRPr lang="en-US" altLang="zh-CN" sz="1800" dirty="0"/>
           </a:p>
         </p:txBody>
       </p:sp>
@@ -11627,7 +11566,7 @@
           <p:nvPr/>
         </p:nvPicPr>
         <p:blipFill>
-          <a:blip r:embed="rId1"/>
+          <a:blip r:embed="rId4"/>
           <a:stretch>
             <a:fillRect/>
           </a:stretch>
@@ -11651,7 +11590,7 @@
           <p:nvPr/>
         </p:nvPicPr>
         <p:blipFill>
-          <a:blip r:embed="rId2"/>
+          <a:blip r:embed="rId5"/>
           <a:stretch>
             <a:fillRect/>
           </a:stretch>
@@ -11675,7 +11614,7 @@
           <p:nvPr/>
         </p:nvPicPr>
         <p:blipFill>
-          <a:blip r:embed="rId3"/>
+          <a:blip r:embed="rId6"/>
           <a:stretch>
             <a:fillRect/>
           </a:stretch>
@@ -11692,7 +11631,7 @@
       </p:pic>
     </p:spTree>
     <p:custDataLst>
-      <p:tags r:id="rId4"/>
+      <p:tags r:id="rId1"/>
     </p:custDataLst>
   </p:cSld>
   <p:clrMapOvr>
@@ -11757,7 +11696,7 @@
             </a:lvl1pPr>
           </a:lstStyle>
           <a:p>
-            <a:endParaRPr lang="en-US" altLang="zh-CN" sz="2400" dirty="0" smtClean="0">
+            <a:endParaRPr lang="en-US" altLang="zh-CN" sz="2400" dirty="0">
               <a:solidFill>
                 <a:schemeClr val="tx1"/>
               </a:solidFill>
@@ -11765,18 +11704,13 @@
           </a:p>
           <a:p>
             <a:r>
-              <a:rPr lang="zh-CN" altLang="en-US" sz="2400" dirty="0" smtClean="0">
+              <a:rPr lang="zh-CN" altLang="en-US" sz="2400" dirty="0">
                 <a:solidFill>
                   <a:schemeClr val="tx1"/>
                 </a:solidFill>
               </a:rPr>
               <a:t>v-model 表单绑定</a:t>
             </a:r>
-            <a:endParaRPr lang="zh-CN" altLang="en-US" sz="2400" dirty="0" smtClean="0">
-              <a:solidFill>
-                <a:schemeClr val="tx1"/>
-              </a:solidFill>
-            </a:endParaRPr>
           </a:p>
         </p:txBody>
       </p:sp>
@@ -11942,88 +11876,135 @@
               <a:buFont typeface="Arial" panose="020B0604020202020204" pitchFamily="34" charset="0"/>
             </a:pPr>
             <a:r>
-              <a:rPr lang="en-US" altLang="zh-CN" sz="1800" smtClean="0"/>
-              <a:t> 使用v-model在表单input或 &lt;textarea&gt;元素上创建双向数据绑定。</a:t>
-            </a:r>
-            <a:endParaRPr lang="en-US" altLang="zh-CN" sz="1800" smtClean="0"/>
-          </a:p>
-          <a:p>
-            <a:endParaRPr lang="en-US" altLang="zh-CN" sz="1800" smtClean="0"/>
-          </a:p>
-          <a:p>
-            <a:endParaRPr lang="en-US" altLang="zh-CN" sz="1800" smtClean="0"/>
-          </a:p>
-          <a:p>
-            <a:r>
-              <a:rPr lang="en-US" altLang="zh-CN" sz="1800" smtClean="0"/>
-              <a:t>这样input输入框中的值就与P标签中的内容绑定了，同样也适用textarea，checkbox,</a:t>
-            </a:r>
-            <a:endParaRPr lang="en-US" altLang="zh-CN" sz="1800" smtClean="0"/>
-          </a:p>
-          <a:p>
-            <a:r>
-              <a:rPr lang="en-US" altLang="zh-CN" sz="1800" smtClean="0"/>
-              <a:t>radio,select等表单。实质上，v-model只是语法糖。</a:t>
-            </a:r>
-            <a:endParaRPr lang="en-US" altLang="zh-CN" sz="1800" smtClean="0"/>
-          </a:p>
-          <a:p>
-            <a:endParaRPr lang="en-US" altLang="zh-CN" sz="1800" smtClean="0"/>
-          </a:p>
-          <a:p>
-            <a:r>
-              <a:rPr lang="en-US" altLang="zh-CN" sz="1800" smtClean="0"/>
-              <a:t>对应的完整形式：    </a:t>
-            </a:r>
-            <a:endParaRPr lang="en-US" altLang="zh-CN" sz="1800" smtClean="0"/>
+              <a:rPr lang="en-US" altLang="zh-CN" sz="1800" dirty="0"/>
+              <a:t> </a:t>
+            </a:r>
+            <a:r>
+              <a:rPr lang="en-US" altLang="zh-CN" sz="1800" dirty="0" err="1"/>
+              <a:t>使用v-model在表单input或</a:t>
+            </a:r>
+            <a:r>
+              <a:rPr lang="en-US" altLang="zh-CN" sz="1800" dirty="0"/>
+              <a:t> &lt;</a:t>
+            </a:r>
+            <a:r>
+              <a:rPr lang="en-US" altLang="zh-CN" sz="1800" dirty="0" err="1"/>
+              <a:t>textarea</a:t>
+            </a:r>
+            <a:r>
+              <a:rPr lang="en-US" altLang="zh-CN" sz="1800" dirty="0"/>
+              <a:t>&gt;</a:t>
+            </a:r>
+            <a:r>
+              <a:rPr lang="en-US" altLang="zh-CN" sz="1800" dirty="0" err="1"/>
+              <a:t>元素上创建双向数据绑定</a:t>
+            </a:r>
+            <a:r>
+              <a:rPr lang="en-US" altLang="zh-CN" sz="1800" dirty="0"/>
+              <a:t>。</a:t>
+            </a:r>
+          </a:p>
+          <a:p>
+            <a:endParaRPr lang="en-US" altLang="zh-CN" sz="1800" dirty="0"/>
+          </a:p>
+          <a:p>
+            <a:endParaRPr lang="en-US" altLang="zh-CN" sz="1800" dirty="0"/>
+          </a:p>
+          <a:p>
+            <a:r>
+              <a:rPr lang="en-US" altLang="zh-CN" sz="1800" dirty="0" err="1"/>
+              <a:t>这样input输入框中的值就与P标签中的内容绑定了，同样也适用textarea，checkbox</a:t>
+            </a:r>
+            <a:r>
+              <a:rPr lang="en-US" altLang="zh-CN" sz="1800" dirty="0"/>
+              <a:t>,</a:t>
+            </a:r>
+          </a:p>
+          <a:p>
+            <a:r>
+              <a:rPr lang="en-US" altLang="zh-CN" sz="1800" dirty="0" err="1"/>
+              <a:t>radio,select等表单。实质上，v-model只是语法糖</a:t>
+            </a:r>
+            <a:r>
+              <a:rPr lang="en-US" altLang="zh-CN" sz="1800" dirty="0"/>
+              <a:t>。</a:t>
+            </a:r>
+          </a:p>
+          <a:p>
+            <a:endParaRPr lang="en-US" altLang="zh-CN" sz="1800" dirty="0"/>
+          </a:p>
+          <a:p>
+            <a:r>
+              <a:rPr lang="en-US" altLang="zh-CN" sz="1800" dirty="0" err="1"/>
+              <a:t>对应的完整形式</a:t>
+            </a:r>
+            <a:r>
+              <a:rPr lang="en-US" altLang="zh-CN" sz="1800" dirty="0"/>
+              <a:t>：    </a:t>
+            </a:r>
           </a:p>
           <a:p>
             <a:pPr>
               <a:buFont typeface="Arial" panose="020B0604020202020204" pitchFamily="34" charset="0"/>
             </a:pPr>
-            <a:endParaRPr lang="en-US" altLang="zh-CN" sz="1800" smtClean="0"/>
+            <a:endParaRPr lang="en-US" altLang="zh-CN" sz="1800" dirty="0"/>
           </a:p>
           <a:p>
             <a:pPr algn="l"/>
             <a:r>
-              <a:rPr lang="en-US" altLang="zh-CN" sz="1800" smtClean="0"/>
-              <a:t> 表单数组校验</a:t>
-            </a:r>
-            <a:r>
-              <a:rPr lang="zh-CN" altLang="en-US" sz="1800" smtClean="0"/>
+              <a:rPr lang="en-US" altLang="zh-CN" sz="1800" dirty="0"/>
+              <a:t> </a:t>
+            </a:r>
+            <a:r>
+              <a:rPr lang="en-US" altLang="zh-CN" sz="1800" dirty="0" err="1"/>
+              <a:t>表单数组校验</a:t>
+            </a:r>
+            <a:r>
+              <a:rPr lang="zh-CN" altLang="en-US" sz="1800" dirty="0"/>
               <a:t>，</a:t>
             </a:r>
             <a:r>
-              <a:rPr lang="en-US" altLang="zh-CN" sz="1800" smtClean="0"/>
-              <a:t>利用修饰符 .number进行数字校验，是最实用的方法，在v-model上添加number修饰符。</a:t>
-            </a:r>
-            <a:endParaRPr lang="en-US" altLang="zh-CN" sz="1800" smtClean="0"/>
-          </a:p>
-          <a:p>
-            <a:endParaRPr lang="en-US" altLang="zh-CN" sz="1800" smtClean="0"/>
-          </a:p>
-          <a:p>
-            <a:endParaRPr lang="en-US" altLang="zh-CN" sz="1800" smtClean="0"/>
+              <a:rPr lang="en-US" altLang="zh-CN" sz="1800" dirty="0" err="1"/>
+              <a:t>利用修饰符</a:t>
+            </a:r>
+            <a:r>
+              <a:rPr lang="en-US" altLang="zh-CN" sz="1800" dirty="0"/>
+              <a:t> .</a:t>
+            </a:r>
+            <a:r>
+              <a:rPr lang="en-US" altLang="zh-CN" sz="1800" dirty="0" err="1"/>
+              <a:t>number进行数字校验，是最实用的方法，在v-model上添加number修饰符</a:t>
+            </a:r>
+            <a:r>
+              <a:rPr lang="en-US" altLang="zh-CN" sz="1800" dirty="0"/>
+              <a:t>。</a:t>
+            </a:r>
+          </a:p>
+          <a:p>
+            <a:endParaRPr lang="en-US" altLang="zh-CN" sz="1800" dirty="0"/>
+          </a:p>
+          <a:p>
+            <a:endParaRPr lang="en-US" altLang="zh-CN" sz="1800" dirty="0"/>
           </a:p>
           <a:p>
             <a:pPr>
               <a:buFont typeface="Arial" panose="020B0604020202020204" pitchFamily="34" charset="0"/>
             </a:pPr>
-            <a:endParaRPr lang="en-US" altLang="zh-CN" sz="1800" smtClean="0"/>
+            <a:endParaRPr lang="en-US" altLang="zh-CN" sz="1800" dirty="0"/>
           </a:p>
           <a:p>
             <a:pPr marL="285750" indent="-285750">
               <a:buFont typeface="Arial" panose="020B0604020202020204" pitchFamily="34" charset="0"/>
               <a:buChar char="•"/>
             </a:pPr>
-            <a:endParaRPr lang="en-US" altLang="zh-CN" sz="1800" smtClean="0"/>
+            <a:endParaRPr lang="en-US" altLang="zh-CN" sz="1800" dirty="0"/>
           </a:p>
           <a:p>
             <a:pPr marL="285750" indent="-285750">
               <a:buFont typeface="Arial" panose="020B0604020202020204" pitchFamily="34" charset="0"/>
               <a:buChar char="•"/>
             </a:pPr>
-            <a:endParaRPr lang="en-US" altLang="zh-CN" sz="1800" smtClean="0"/>
+            <a:endParaRPr lang="en-US" altLang="zh-CN" sz="1800" dirty="0"/>
           </a:p>
         </p:txBody>
       </p:sp>
@@ -12036,7 +12017,7 @@
           <p:nvPr/>
         </p:nvPicPr>
         <p:blipFill>
-          <a:blip r:embed="rId1"/>
+          <a:blip r:embed="rId4"/>
           <a:stretch>
             <a:fillRect/>
           </a:stretch>
@@ -12060,7 +12041,7 @@
           <p:nvPr/>
         </p:nvPicPr>
         <p:blipFill>
-          <a:blip r:embed="rId2"/>
+          <a:blip r:embed="rId5"/>
           <a:stretch>
             <a:fillRect/>
           </a:stretch>
@@ -12084,7 +12065,7 @@
           <p:nvPr/>
         </p:nvPicPr>
         <p:blipFill>
-          <a:blip r:embed="rId3"/>
+          <a:blip r:embed="rId6"/>
           <a:stretch>
             <a:fillRect/>
           </a:stretch>
@@ -12108,7 +12089,7 @@
           <p:nvPr/>
         </p:nvPicPr>
         <p:blipFill>
-          <a:blip r:embed="rId4"/>
+          <a:blip r:embed="rId7"/>
           <a:stretch>
             <a:fillRect/>
           </a:stretch>
@@ -12125,7 +12106,7 @@
       </p:pic>
     </p:spTree>
     <p:custDataLst>
-      <p:tags r:id="rId5"/>
+      <p:tags r:id="rId1"/>
     </p:custDataLst>
   </p:cSld>
   <p:clrMapOvr>
@@ -12172,7 +12153,6 @@
               <a:rPr lang="en-US" altLang="zh-CN" dirty="0"/>
               <a:t>组件通信</a:t>
             </a:r>
-            <a:endParaRPr lang="en-US" altLang="zh-CN" dirty="0"/>
           </a:p>
         </p:txBody>
       </p:sp>
@@ -12194,7 +12174,7 @@
         </p:spPr>
         <p:txBody>
           <a:bodyPr vert="horz" lIns="91440" tIns="45720" rIns="91440" bIns="45720" rtlCol="0">
-            <a:normAutofit lnSpcReduction="10000"/>
+            <a:normAutofit/>
           </a:bodyPr>
           <a:lstStyle/>
           <a:p>
@@ -12212,7 +12192,6 @@
               <a:rPr lang="en-US" altLang="zh-CN" sz="2000"/>
               <a:t>组件可以用来扩展HTML，封装可重用的代码，所有的组件都是Vue的实例。</a:t>
             </a:r>
-            <a:endParaRPr lang="en-US" altLang="zh-CN" sz="2000"/>
           </a:p>
           <a:p>
             <a:pPr marL="0" indent="0">
@@ -12229,7 +12208,6 @@
               <a:rPr lang="en-US" altLang="zh-CN" sz="2000" dirty="0"/>
               <a:t>命名：</a:t>
             </a:r>
-            <a:endParaRPr lang="en-US" altLang="zh-CN" sz="2000" dirty="0"/>
           </a:p>
           <a:p>
             <a:pPr marL="0" indent="0">
@@ -12242,7 +12220,6 @@
               <a:rPr lang="en-US" altLang="zh-CN" sz="2000" dirty="0"/>
               <a:t>     建议遵循W3C规则(小写，并且包含一个短杆)</a:t>
             </a:r>
-            <a:endParaRPr lang="en-US" altLang="zh-CN" sz="2000" dirty="0"/>
           </a:p>
           <a:p>
             <a:pPr marL="0" indent="0">
@@ -12259,7 +12236,6 @@
               <a:rPr lang="en-US" altLang="zh-CN" sz="2000"/>
               <a:t>组件组合：</a:t>
             </a:r>
-            <a:endParaRPr lang="en-US" altLang="zh-CN" sz="2000"/>
           </a:p>
           <a:p>
             <a:pPr marL="0" indent="0">
@@ -12272,7 +12248,6 @@
               <a:rPr lang="en-US" altLang="zh-CN" sz="2000"/>
               <a:t>      使用中最常见的是形成父子组件的关系，组件A在它的模板中使用了组件B,那么他们之间就需要通信。组件间通信的关系可以用下面的图示表明：</a:t>
             </a:r>
-            <a:endParaRPr lang="en-US" altLang="zh-CN" sz="2000"/>
           </a:p>
           <a:p>
             <a:pPr marL="0" indent="0">
@@ -12285,7 +12260,6 @@
               <a:rPr lang="en-US" altLang="zh-CN" sz="2000"/>
               <a:t>        </a:t>
             </a:r>
-            <a:endParaRPr lang="en-US" altLang="zh-CN" sz="2000"/>
           </a:p>
           <a:p>
             <a:pPr marL="0" indent="0">
@@ -12298,7 +12272,6 @@
               <a:rPr lang="en-US" altLang="zh-CN" sz="2000"/>
               <a:t>概括为： prop 向下传递，事件向上传递。</a:t>
             </a:r>
-            <a:endParaRPr lang="en-US" altLang="zh-CN" sz="2000"/>
           </a:p>
           <a:p>
             <a:pPr marL="0" indent="0">
@@ -12311,7 +12284,6 @@
               <a:rPr lang="en-US" altLang="zh-CN" sz="2000"/>
               <a:t>        </a:t>
             </a:r>
-            <a:endParaRPr lang="en-US" altLang="zh-CN" sz="2000"/>
           </a:p>
           <a:p>
             <a:pPr marL="0" indent="0">
@@ -12324,7 +12296,6 @@
               <a:rPr lang="en-US" altLang="zh-CN" sz="2000"/>
               <a:t>        </a:t>
             </a:r>
-            <a:endParaRPr lang="en-US" altLang="zh-CN" sz="2000"/>
           </a:p>
           <a:p>
             <a:pPr>
@@ -12426,7 +12397,7 @@
         </p:spPr>
         <p:txBody>
           <a:bodyPr vert="horz" lIns="91440" tIns="45720" rIns="91440" bIns="45720" rtlCol="0">
-            <a:normAutofit fontScale="90000"/>
+            <a:normAutofit fontScale="90000" lnSpcReduction="10000"/>
           </a:bodyPr>
           <a:lstStyle>
             <a:defPPr>
@@ -12571,135 +12542,162 @@
               <a:buFont typeface="Arial" panose="020B0604020202020204" pitchFamily="34" charset="0"/>
             </a:pPr>
             <a:r>
-              <a:rPr lang="zh-CN" altLang="en-US" sz="2000" dirty="0" smtClean="0">
+              <a:rPr lang="zh-CN" altLang="en-US" sz="2000" dirty="0">
                 <a:sym typeface="+mn-ea"/>
               </a:rPr>
               <a:t>。</a:t>
             </a:r>
             <a:r>
-              <a:rPr lang="en-US" altLang="zh-CN" sz="2000" dirty="0" smtClean="0">
+              <a:rPr lang="en-US" altLang="zh-CN" sz="2000" dirty="0">
                 <a:sym typeface="+mn-ea"/>
               </a:rPr>
               <a:t>利用Prop</a:t>
             </a:r>
             <a:r>
-              <a:rPr lang="zh-CN" altLang="en-US" sz="2000" dirty="0" smtClean="0">
+              <a:rPr lang="zh-CN" altLang="en-US" sz="2000" dirty="0">
                 <a:sym typeface="+mn-ea"/>
               </a:rPr>
               <a:t>和</a:t>
             </a:r>
             <a:r>
-              <a:rPr lang="en-US" altLang="zh-CN" sz="2000" dirty="0" smtClean="0">
+              <a:rPr lang="en-US" altLang="zh-CN" sz="2000" dirty="0">
                 <a:sym typeface="+mn-ea"/>
               </a:rPr>
               <a:t>.sync,进行双向数据通信</a:t>
             </a:r>
-            <a:endParaRPr lang="en-US" altLang="zh-CN" sz="2000" smtClean="0"/>
+            <a:endParaRPr lang="en-US" altLang="zh-CN" sz="2000" dirty="0"/>
           </a:p>
           <a:p>
             <a:pPr>
               <a:buFont typeface="Arial" panose="020B0604020202020204" pitchFamily="34" charset="0"/>
             </a:pPr>
             <a:r>
-              <a:rPr lang="en-US" altLang="zh-CN" sz="1800" smtClean="0"/>
-              <a:t>     父组件的数据要通过Prop才能下发到子组件中。</a:t>
-            </a:r>
-            <a:endParaRPr lang="en-US" altLang="zh-CN" sz="1800" smtClean="0"/>
-          </a:p>
-          <a:p>
-            <a:r>
-              <a:rPr lang="en-US" altLang="zh-CN" sz="1800" smtClean="0"/>
-              <a:t>     子组件中prop值改变，是无法反应到父组件中的。在Vue1.x中使用.sync修饰符可以提供双向绑定，但是违背了单向数据流的思想，在2.0中就移除了，但在2.3.0中作为一种语法糖的形式引入了</a:t>
-            </a:r>
-            <a:r>
-              <a:rPr lang="zh-CN" altLang="en-US" sz="1800" smtClean="0"/>
+              <a:rPr lang="en-US" altLang="zh-CN" sz="1800" dirty="0"/>
+              <a:t>     </a:t>
+            </a:r>
+            <a:r>
+              <a:rPr lang="en-US" altLang="zh-CN" sz="1800" dirty="0" err="1"/>
+              <a:t>父组件的数据要通过Prop才能下发到子组件中</a:t>
+            </a:r>
+            <a:r>
+              <a:rPr lang="en-US" altLang="zh-CN" sz="1800" dirty="0"/>
               <a:t>。</a:t>
             </a:r>
-            <a:endParaRPr lang="zh-CN" altLang="en-US" sz="1800" smtClean="0"/>
-          </a:p>
-          <a:p>
-            <a:endParaRPr lang="en-US" altLang="zh-CN" sz="1800" smtClean="0"/>
-          </a:p>
-          <a:p>
-            <a:endParaRPr lang="en-US" altLang="zh-CN" sz="1800" smtClean="0"/>
-          </a:p>
-          <a:p>
-            <a:endParaRPr lang="en-US" altLang="zh-CN" sz="1800" smtClean="0"/>
-          </a:p>
-          <a:p>
-            <a:endParaRPr lang="en-US" altLang="zh-CN" sz="1800" smtClean="0"/>
-          </a:p>
-          <a:p>
-            <a:endParaRPr lang="en-US" altLang="zh-CN" sz="1800" smtClean="0"/>
-          </a:p>
-          <a:p>
-            <a:r>
-              <a:rPr lang="en-US" altLang="zh-CN" sz="1800" smtClean="0"/>
+          </a:p>
+          <a:p>
+            <a:r>
+              <a:rPr lang="en-US" altLang="zh-CN" sz="1800" dirty="0"/>
+              <a:t>     子组件中prop值改变，是无法反应到父组件中的。在Vue1.x中使用.sync修饰符可以提</a:t>
+            </a:r>
+          </a:p>
+          <a:p>
+            <a:r>
+              <a:rPr lang="en-US" altLang="zh-CN" sz="1800" dirty="0"/>
+              <a:t>供双向绑定，但是违背了单向数据流的思想，在2.0中就移除了，</a:t>
+            </a:r>
+          </a:p>
+          <a:p>
+            <a:r>
+              <a:rPr lang="en-US" altLang="zh-CN" sz="1800" dirty="0"/>
+              <a:t>但在2.3.0中作为一种语法糖的形式引入了</a:t>
+            </a:r>
+            <a:r>
+              <a:rPr lang="zh-CN" altLang="en-US" sz="1800" dirty="0"/>
+              <a:t>。</a:t>
+            </a:r>
+          </a:p>
+          <a:p>
+            <a:endParaRPr lang="en-US" altLang="zh-CN" sz="1800" dirty="0"/>
+          </a:p>
+          <a:p>
+            <a:endParaRPr lang="en-US" altLang="zh-CN" sz="1800" dirty="0"/>
+          </a:p>
+          <a:p>
+            <a:endParaRPr lang="en-US" altLang="zh-CN" sz="1800" dirty="0"/>
+          </a:p>
+          <a:p>
+            <a:endParaRPr lang="en-US" altLang="zh-CN" sz="1800" dirty="0"/>
+          </a:p>
+          <a:p>
+            <a:endParaRPr lang="en-US" altLang="zh-CN" sz="1800" dirty="0"/>
+          </a:p>
+          <a:p>
+            <a:r>
+              <a:rPr lang="en-US" altLang="zh-CN" sz="1800" dirty="0"/>
               <a:t>  </a:t>
             </a:r>
-            <a:endParaRPr lang="en-US" altLang="zh-CN" sz="1800" smtClean="0"/>
           </a:p>
           <a:p>
             <a:pPr>
               <a:buFont typeface="Arial" panose="020B0604020202020204" pitchFamily="34" charset="0"/>
             </a:pPr>
-            <a:endParaRPr lang="en-US" altLang="zh-CN" sz="1800" smtClean="0"/>
+            <a:endParaRPr lang="en-US" altLang="zh-CN" sz="1800" dirty="0"/>
           </a:p>
           <a:p>
             <a:pPr>
               <a:buFont typeface="Arial" panose="020B0604020202020204" pitchFamily="34" charset="0"/>
             </a:pPr>
             <a:r>
-              <a:rPr lang="en-US" altLang="zh-CN" sz="1800" smtClean="0"/>
-              <a:t>       点击子组件中的span，就可以改变父组件中prop绑定的parentMsg值。.sync语法也会被扩展成为</a:t>
-            </a:r>
-            <a:r>
-              <a:rPr lang="zh-CN" altLang="en-US" sz="1800" smtClean="0"/>
+              <a:rPr lang="en-US" altLang="zh-CN" sz="1800" dirty="0"/>
+              <a:t>       </a:t>
+            </a:r>
+            <a:r>
+              <a:rPr lang="en-US" altLang="zh-CN" sz="1800" dirty="0" err="1"/>
+              <a:t>点击子组件中的span，就可以改变父组件中prop绑定的parentMsg值</a:t>
+            </a:r>
+            <a:r>
+              <a:rPr lang="en-US" altLang="zh-CN" sz="1800" dirty="0"/>
+              <a:t>。.</a:t>
+            </a:r>
+            <a:r>
+              <a:rPr lang="en-US" altLang="zh-CN" sz="1800" dirty="0" err="1"/>
+              <a:t>sync语法也会被扩展成为</a:t>
+            </a:r>
+            <a:r>
+              <a:rPr lang="zh-CN" altLang="en-US" sz="1800" dirty="0"/>
               <a:t>下图所示。</a:t>
             </a:r>
-            <a:endParaRPr lang="zh-CN" altLang="en-US" sz="1800" smtClean="0"/>
           </a:p>
           <a:p>
             <a:pPr algn="l"/>
             <a:r>
-              <a:rPr lang="zh-CN" altLang="en-US" sz="1800" smtClean="0"/>
+              <a:rPr lang="zh-CN" altLang="en-US" sz="1800" dirty="0"/>
               <a:t>       其中@update:myMessage 就是绑定了自定义事件，回过来看下上面父子通讯的规则 prop向下传递，事件向上传递，也非  常符合。</a:t>
             </a:r>
             <a:r>
-              <a:rPr lang="en-US" altLang="zh-CN" sz="1800" smtClean="0"/>
+              <a:rPr lang="en-US" altLang="zh-CN" sz="1800" dirty="0"/>
               <a:t>  </a:t>
             </a:r>
-            <a:endParaRPr lang="en-US" altLang="zh-CN" sz="1800" smtClean="0"/>
           </a:p>
           <a:p>
             <a:pPr algn="l"/>
-            <a:endParaRPr lang="en-US" altLang="zh-CN" sz="1800" smtClean="0"/>
-          </a:p>
-          <a:p>
-            <a:endParaRPr lang="en-US" altLang="zh-CN" sz="1800" smtClean="0"/>
-          </a:p>
-          <a:p>
-            <a:endParaRPr lang="en-US" altLang="zh-CN" sz="1800" smtClean="0"/>
+            <a:endParaRPr lang="en-US" altLang="zh-CN" sz="1800" dirty="0"/>
+          </a:p>
+          <a:p>
+            <a:endParaRPr lang="en-US" altLang="zh-CN" sz="1800" dirty="0"/>
+          </a:p>
+          <a:p>
+            <a:endParaRPr lang="en-US" altLang="zh-CN" sz="1800" dirty="0"/>
           </a:p>
           <a:p>
             <a:pPr>
               <a:buFont typeface="Arial" panose="020B0604020202020204" pitchFamily="34" charset="0"/>
             </a:pPr>
-            <a:endParaRPr lang="en-US" altLang="zh-CN" sz="1800" smtClean="0"/>
+            <a:endParaRPr lang="en-US" altLang="zh-CN" sz="1800" dirty="0"/>
           </a:p>
           <a:p>
             <a:pPr marL="285750" indent="-285750">
               <a:buFont typeface="Arial" panose="020B0604020202020204" pitchFamily="34" charset="0"/>
               <a:buChar char="•"/>
             </a:pPr>
-            <a:endParaRPr lang="en-US" altLang="zh-CN" sz="1800" smtClean="0"/>
+            <a:endParaRPr lang="en-US" altLang="zh-CN" sz="1800" dirty="0"/>
           </a:p>
           <a:p>
             <a:pPr marL="285750" indent="-285750">
               <a:buFont typeface="Arial" panose="020B0604020202020204" pitchFamily="34" charset="0"/>
               <a:buChar char="•"/>
             </a:pPr>
-            <a:endParaRPr lang="en-US" altLang="zh-CN" sz="1800" smtClean="0"/>
+            <a:endParaRPr lang="en-US" altLang="zh-CN" sz="1800" dirty="0"/>
           </a:p>
         </p:txBody>
       </p:sp>
@@ -12712,15 +12710,15 @@
           <p:nvPr/>
         </p:nvPicPr>
         <p:blipFill>
-          <a:blip r:embed="rId1"/>
+          <a:blip r:embed="rId4"/>
           <a:stretch>
             <a:fillRect/>
           </a:stretch>
         </p:blipFill>
         <p:spPr>
           <a:xfrm>
-            <a:off x="8979535" y="109220"/>
-            <a:ext cx="3429000" cy="3391535"/>
+            <a:off x="8922058" y="109220"/>
+            <a:ext cx="3486477" cy="3391535"/>
           </a:xfrm>
           <a:prstGeom prst="rect">
             <a:avLst/>
@@ -12736,14 +12734,14 @@
           <p:nvPr/>
         </p:nvPicPr>
         <p:blipFill>
-          <a:blip r:embed="rId2"/>
+          <a:blip r:embed="rId5"/>
           <a:stretch>
             <a:fillRect/>
           </a:stretch>
         </p:blipFill>
         <p:spPr>
           <a:xfrm>
-            <a:off x="1253490" y="2379345"/>
+            <a:off x="1106170" y="2743453"/>
             <a:ext cx="4814570" cy="2543810"/>
           </a:xfrm>
           <a:prstGeom prst="rect">
@@ -12760,14 +12758,14 @@
           <p:nvPr/>
         </p:nvPicPr>
         <p:blipFill>
-          <a:blip r:embed="rId3"/>
+          <a:blip r:embed="rId6"/>
           <a:stretch>
             <a:fillRect/>
           </a:stretch>
         </p:blipFill>
         <p:spPr>
           <a:xfrm>
-            <a:off x="1253490" y="6216650"/>
+            <a:off x="1189990" y="6302375"/>
             <a:ext cx="5459730" cy="367030"/>
           </a:xfrm>
           <a:prstGeom prst="rect">
@@ -12777,7 +12775,7 @@
       </p:pic>
     </p:spTree>
     <p:custDataLst>
-      <p:tags r:id="rId4"/>
+      <p:tags r:id="rId1"/>
     </p:custDataLst>
   </p:cSld>
   <p:clrMapOvr>
@@ -12842,7 +12840,7 @@
             </a:lvl1pPr>
           </a:lstStyle>
           <a:p>
-            <a:endParaRPr lang="zh-CN" altLang="en-US" sz="2400" dirty="0" smtClean="0">
+            <a:endParaRPr lang="zh-CN" altLang="en-US" sz="2400" dirty="0">
               <a:solidFill>
                 <a:schemeClr val="tx1"/>
               </a:solidFill>
@@ -12867,7 +12865,7 @@
         </p:spPr>
         <p:txBody>
           <a:bodyPr vert="horz" lIns="91440" tIns="45720" rIns="91440" bIns="45720" rtlCol="0">
-            <a:normAutofit lnSpcReduction="10000"/>
+            <a:normAutofit/>
           </a:bodyPr>
           <a:lstStyle>
             <a:defPPr>
@@ -13011,13 +13009,13 @@
             <a:pPr>
               <a:buFont typeface="Arial" panose="020B0604020202020204" pitchFamily="34" charset="0"/>
             </a:pPr>
-            <a:endParaRPr lang="en-US" altLang="zh-CN" sz="1800" smtClean="0"/>
+            <a:endParaRPr lang="en-US" altLang="zh-CN" sz="1800" dirty="0"/>
           </a:p>
           <a:p>
             <a:pPr>
               <a:buFont typeface="Arial" panose="020B0604020202020204" pitchFamily="34" charset="0"/>
             </a:pPr>
-            <a:endParaRPr lang="zh-CN" altLang="en-US" sz="2000" dirty="0" smtClean="0">
+            <a:endParaRPr lang="zh-CN" altLang="en-US" sz="2000" dirty="0">
               <a:sym typeface="+mn-ea"/>
             </a:endParaRPr>
           </a:p>
@@ -13026,89 +13024,88 @@
               <a:buFont typeface="Arial" panose="020B0604020202020204" pitchFamily="34" charset="0"/>
             </a:pPr>
             <a:r>
-              <a:rPr lang="zh-CN" altLang="en-US" sz="2000" dirty="0" smtClean="0">
+              <a:rPr lang="zh-CN" altLang="en-US" sz="2000" dirty="0">
                 <a:sym typeface="+mn-ea"/>
               </a:rPr>
               <a:t>。非父子组件通信</a:t>
             </a:r>
-            <a:endParaRPr lang="zh-CN" altLang="en-US" sz="2000" dirty="0" smtClean="0">
-              <a:sym typeface="+mn-ea"/>
-            </a:endParaRPr>
           </a:p>
           <a:p>
             <a:pPr>
               <a:buFont typeface="Arial" panose="020B0604020202020204" pitchFamily="34" charset="0"/>
             </a:pPr>
             <a:r>
-              <a:rPr lang="en-US" altLang="zh-CN" sz="1800" smtClean="0"/>
-              <a:t>     官方推荐使用空的Vue实例作事件总线</a:t>
-            </a:r>
-            <a:endParaRPr lang="en-US" altLang="zh-CN" sz="1800" smtClean="0"/>
-          </a:p>
-          <a:p>
-            <a:endParaRPr lang="en-US" altLang="zh-CN" sz="1800" smtClean="0"/>
-          </a:p>
-          <a:p>
-            <a:endParaRPr lang="en-US" altLang="zh-CN" sz="1800" smtClean="0"/>
-          </a:p>
-          <a:p>
-            <a:endParaRPr lang="en-US" altLang="zh-CN" sz="1800" smtClean="0"/>
-          </a:p>
-          <a:p>
-            <a:endParaRPr lang="en-US" altLang="zh-CN" sz="1800" smtClean="0"/>
-          </a:p>
-          <a:p>
-            <a:r>
-              <a:rPr lang="en-US" altLang="zh-CN" sz="1800" smtClean="0"/>
+              <a:rPr lang="en-US" altLang="zh-CN" sz="1800" dirty="0"/>
+              <a:t>     </a:t>
+            </a:r>
+            <a:r>
+              <a:rPr lang="en-US" altLang="zh-CN" sz="1800" dirty="0" err="1"/>
+              <a:t>官方推荐使用空的Vue实例作事件总线</a:t>
+            </a:r>
+            <a:endParaRPr lang="en-US" altLang="zh-CN" sz="1800" dirty="0"/>
+          </a:p>
+          <a:p>
+            <a:endParaRPr lang="en-US" altLang="zh-CN" sz="1800" dirty="0"/>
+          </a:p>
+          <a:p>
+            <a:endParaRPr lang="en-US" altLang="zh-CN" sz="1800" dirty="0"/>
+          </a:p>
+          <a:p>
+            <a:endParaRPr lang="en-US" altLang="zh-CN" sz="1800" dirty="0"/>
+          </a:p>
+          <a:p>
+            <a:endParaRPr lang="en-US" altLang="zh-CN" sz="1800" dirty="0"/>
+          </a:p>
+          <a:p>
+            <a:r>
+              <a:rPr lang="en-US" altLang="zh-CN" sz="1800" dirty="0"/>
               <a:t>  </a:t>
             </a:r>
-            <a:endParaRPr lang="en-US" altLang="zh-CN" sz="1800" smtClean="0"/>
           </a:p>
           <a:p>
             <a:pPr>
               <a:buFont typeface="Arial" panose="020B0604020202020204" pitchFamily="34" charset="0"/>
             </a:pPr>
-            <a:endParaRPr lang="en-US" altLang="zh-CN" sz="1800" smtClean="0"/>
+            <a:endParaRPr lang="en-US" altLang="zh-CN" sz="1800" dirty="0"/>
           </a:p>
           <a:p>
             <a:pPr>
               <a:buFont typeface="Arial" panose="020B0604020202020204" pitchFamily="34" charset="0"/>
             </a:pPr>
             <a:r>
-              <a:rPr lang="en-US" altLang="zh-CN" sz="1800" smtClean="0"/>
+              <a:rPr lang="en-US" altLang="zh-CN" sz="1800" dirty="0"/>
               <a:t>  </a:t>
             </a:r>
-            <a:endParaRPr lang="en-US" altLang="zh-CN" sz="1800" smtClean="0"/>
           </a:p>
           <a:p>
             <a:pPr algn="l"/>
-            <a:endParaRPr lang="en-US" altLang="zh-CN" sz="1800" smtClean="0"/>
-          </a:p>
-          <a:p>
-            <a:endParaRPr lang="en-US" altLang="zh-CN" sz="1800" smtClean="0"/>
-          </a:p>
-          <a:p>
-            <a:endParaRPr lang="en-US" altLang="zh-CN" sz="1800" smtClean="0"/>
+            <a:endParaRPr lang="en-US" altLang="zh-CN" sz="1800" dirty="0"/>
+          </a:p>
+          <a:p>
+            <a:endParaRPr lang="en-US" altLang="zh-CN" sz="1800" dirty="0"/>
+          </a:p>
+          <a:p>
+            <a:endParaRPr lang="en-US" altLang="zh-CN" sz="1800" dirty="0"/>
           </a:p>
           <a:p>
             <a:pPr>
               <a:buFont typeface="Arial" panose="020B0604020202020204" pitchFamily="34" charset="0"/>
             </a:pPr>
-            <a:endParaRPr lang="en-US" altLang="zh-CN" sz="1800" smtClean="0"/>
+            <a:endParaRPr lang="en-US" altLang="zh-CN" sz="1800" dirty="0"/>
           </a:p>
           <a:p>
             <a:pPr marL="285750" indent="-285750">
               <a:buFont typeface="Arial" panose="020B0604020202020204" pitchFamily="34" charset="0"/>
               <a:buChar char="•"/>
             </a:pPr>
-            <a:endParaRPr lang="en-US" altLang="zh-CN" sz="1800" smtClean="0"/>
+            <a:endParaRPr lang="en-US" altLang="zh-CN" sz="1800" dirty="0"/>
           </a:p>
           <a:p>
             <a:pPr marL="285750" indent="-285750">
               <a:buFont typeface="Arial" panose="020B0604020202020204" pitchFamily="34" charset="0"/>
               <a:buChar char="•"/>
             </a:pPr>
-            <a:endParaRPr lang="en-US" altLang="zh-CN" sz="1800" smtClean="0"/>
+            <a:endParaRPr lang="en-US" altLang="zh-CN" sz="1800" dirty="0"/>
           </a:p>
         </p:txBody>
       </p:sp>
@@ -13121,7 +13118,7 @@
           <p:nvPr/>
         </p:nvPicPr>
         <p:blipFill>
-          <a:blip r:embed="rId1"/>
+          <a:blip r:embed="rId4"/>
           <a:stretch>
             <a:fillRect/>
           </a:stretch>
@@ -13138,7 +13135,7 @@
       </p:pic>
     </p:spTree>
     <p:custDataLst>
-      <p:tags r:id="rId2"/>
+      <p:tags r:id="rId1"/>
     </p:custDataLst>
   </p:cSld>
   <p:clrMapOvr>
@@ -13185,7 +13182,6 @@
               <a:rPr lang="en-US" altLang="zh-CN" dirty="0"/>
               <a:t>状态管理</a:t>
             </a:r>
-            <a:endParaRPr lang="en-US" altLang="zh-CN" dirty="0"/>
           </a:p>
         </p:txBody>
       </p:sp>
@@ -13207,7 +13203,7 @@
         </p:spPr>
         <p:txBody>
           <a:bodyPr vert="horz" lIns="91440" tIns="45720" rIns="91440" bIns="45720" rtlCol="0">
-            <a:normAutofit lnSpcReduction="20000"/>
+            <a:normAutofit/>
           </a:bodyPr>
           <a:lstStyle/>
           <a:p>
@@ -13221,7 +13217,6 @@
               <a:rPr lang="en-US" altLang="zh-CN" sz="2000"/>
               <a:t>组件通信变得复杂时，就要考虑使用全局状态管理，Vue也提供了vuex状态管理库。</a:t>
             </a:r>
-            <a:endParaRPr lang="en-US" altLang="zh-CN" sz="2000"/>
           </a:p>
           <a:p>
             <a:pPr marL="0" indent="0">
@@ -13243,7 +13238,6 @@
               <a:rPr lang="en-US" altLang="zh-CN" sz="2000" dirty="0"/>
               <a:t>Vuex 是一个专门为Vue.js应用程序开发的状态管理模式。它采用集中式存储管理应用的所有组件的状态，并以相应的规则保证状态以一种可预测的方式发生变化。</a:t>
             </a:r>
-            <a:endParaRPr lang="en-US" altLang="zh-CN" sz="2000" dirty="0"/>
           </a:p>
           <a:p>
             <a:pPr marL="0" indent="0">
@@ -13256,7 +13250,6 @@
               <a:rPr lang="en-US" altLang="zh-CN" sz="2000" dirty="0"/>
               <a:t>当然，使用Vuex并不是首选，只有在构建中大型单页面应用时，考虑到全局的状态管理，自然就会想到Vuex。</a:t>
             </a:r>
-            <a:endParaRPr lang="en-US" altLang="zh-CN" sz="2000" dirty="0"/>
           </a:p>
           <a:p>
             <a:pPr marL="0" indent="0">
@@ -13273,7 +13266,6 @@
               <a:rPr lang="zh-CN" altLang="en-US" sz="2000" dirty="0"/>
               <a:t>。</a:t>
             </a:r>
-            <a:endParaRPr lang="zh-CN" altLang="en-US" sz="2000" dirty="0"/>
           </a:p>
           <a:p>
             <a:pPr>
@@ -13389,15 +13381,15 @@
           <p:nvPr/>
         </p:nvPicPr>
         <p:blipFill>
-          <a:blip r:embed="rId1"/>
+          <a:blip r:embed="rId4"/>
           <a:stretch>
             <a:fillRect/>
           </a:stretch>
         </p:blipFill>
         <p:spPr>
           <a:xfrm>
-            <a:off x="6263640" y="3701415"/>
-            <a:ext cx="5951855" cy="3157855"/>
+            <a:off x="6240145" y="3884295"/>
+            <a:ext cx="5951855" cy="2960703"/>
           </a:xfrm>
           <a:prstGeom prst="rect">
             <a:avLst/>
@@ -13443,7 +13435,7 @@
       </p:cxnSp>
     </p:spTree>
     <p:custDataLst>
-      <p:tags r:id="rId2"/>
+      <p:tags r:id="rId1"/>
     </p:custDataLst>
   </p:cSld>
   <p:clrMapOvr>
@@ -13510,7 +13502,7 @@
           <a:p>
             <a:pPr lvl="0" algn="l"/>
             <a:r>
-              <a:rPr lang="en-US" altLang="zh-CN" sz="2400" smtClean="0">
+              <a:rPr lang="en-US" altLang="zh-CN" sz="2400" dirty="0" err="1">
                 <a:ln>
                   <a:noFill/>
                 </a:ln>
@@ -13525,23 +13517,26 @@
                 <a:cs typeface="+mn-cs"/>
                 <a:sym typeface="+mn-ea"/>
               </a:rPr>
-              <a:t>核心概念包括（简单计数器为例）：</a:t>
-            </a:r>
-            <a:endParaRPr lang="en-US" altLang="zh-CN" sz="2400" dirty="0" smtClean="0">
-              <a:ln>
-                <a:noFill/>
-              </a:ln>
-              <a:solidFill>
-                <a:schemeClr val="tx1"/>
-              </a:solidFill>
-              <a:effectLst/>
-              <a:uLnTx/>
-              <a:uFillTx/>
-              <a:latin typeface="Arial" panose="020B0604020202020204"/>
-              <a:ea typeface="黑体" panose="02010609060101010101" pitchFamily="49" charset="-122"/>
-              <a:cs typeface="+mn-cs"/>
-              <a:sym typeface="+mn-ea"/>
-            </a:endParaRPr>
+              <a:t>核心概念包括（简单计数器为例</a:t>
+            </a:r>
+            <a:r>
+              <a:rPr lang="en-US" altLang="zh-CN" sz="2400" dirty="0">
+                <a:ln>
+                  <a:noFill/>
+                </a:ln>
+                <a:solidFill>
+                  <a:schemeClr val="tx1"/>
+                </a:solidFill>
+                <a:effectLst/>
+                <a:uLnTx/>
+                <a:uFillTx/>
+                <a:latin typeface="Arial" panose="020B0604020202020204"/>
+                <a:ea typeface="黑体" panose="02010609060101010101" pitchFamily="49" charset="-122"/>
+                <a:cs typeface="+mn-cs"/>
+                <a:sym typeface="+mn-ea"/>
+              </a:rPr>
+              <a:t>）：</a:t>
+            </a:r>
           </a:p>
         </p:txBody>
       </p:sp>
@@ -13707,95 +13702,108 @@
               <a:buFont typeface="Arial" panose="020B0604020202020204" pitchFamily="34" charset="0"/>
             </a:pPr>
             <a:r>
-              <a:rPr lang="zh-CN" altLang="en-US" sz="1800" smtClean="0"/>
+              <a:rPr lang="zh-CN" altLang="en-US" sz="1800" dirty="0"/>
               <a:t>。</a:t>
             </a:r>
             <a:r>
-              <a:rPr lang="en-US" altLang="zh-CN" sz="1800" smtClean="0"/>
-              <a:t>state: 作为单一状态树，唯一的数据源，并且每个应用仅仅包含一个store实例，一般通过计算属性获取某个状态</a:t>
-            </a:r>
-            <a:endParaRPr lang="en-US" altLang="zh-CN" sz="1800" smtClean="0"/>
-          </a:p>
-          <a:p>
-            <a:endParaRPr lang="en-US" altLang="zh-CN" sz="1800" smtClean="0"/>
-          </a:p>
-          <a:p>
-            <a:endParaRPr lang="zh-CN" altLang="en-US" sz="1800" smtClean="0"/>
-          </a:p>
-          <a:p>
-            <a:r>
-              <a:rPr lang="zh-CN" altLang="en-US" sz="1800" smtClean="0"/>
+              <a:rPr lang="en-US" altLang="zh-CN" sz="1800" dirty="0"/>
+              <a:t>state: </a:t>
+            </a:r>
+            <a:r>
+              <a:rPr lang="en-US" altLang="zh-CN" sz="1800" dirty="0" err="1"/>
+              <a:t>作为单一状态树，唯一的数据源，并且每个应用仅仅包含一个state实例，一般通过计算属性获取某个状态</a:t>
+            </a:r>
+            <a:endParaRPr lang="en-US" altLang="zh-CN" sz="1800" dirty="0"/>
+          </a:p>
+          <a:p>
+            <a:endParaRPr lang="en-US" altLang="zh-CN" sz="1800" dirty="0"/>
+          </a:p>
+          <a:p>
+            <a:endParaRPr lang="zh-CN" altLang="en-US" sz="1800" dirty="0"/>
+          </a:p>
+          <a:p>
+            <a:r>
+              <a:rPr lang="zh-CN" altLang="en-US" sz="1800" dirty="0"/>
               <a:t>。</a:t>
             </a:r>
             <a:r>
-              <a:rPr lang="en-US" altLang="zh-CN" sz="1800" smtClean="0"/>
-              <a:t>getter: 相当于store的计算属性，数据源发生变化时，返回经过处理后的值，</a:t>
-            </a:r>
-            <a:endParaRPr lang="en-US" altLang="zh-CN" sz="1800" smtClean="0"/>
-          </a:p>
-          <a:p>
-            <a:endParaRPr lang="en-US" altLang="zh-CN" sz="1800" smtClean="0"/>
-          </a:p>
-          <a:p>
-            <a:endParaRPr lang="en-US" altLang="zh-CN" sz="1800" smtClean="0"/>
-          </a:p>
-          <a:p>
-            <a:r>
-              <a:rPr lang="en-US" altLang="zh-CN" sz="1800" smtClean="0"/>
+              <a:rPr lang="en-US" altLang="zh-CN" sz="1800" dirty="0"/>
+              <a:t>getter: </a:t>
+            </a:r>
+            <a:r>
+              <a:rPr lang="en-US" altLang="zh-CN" sz="1800" dirty="0" err="1"/>
+              <a:t>相当于store的计算属性，数据源发生变化时，返回经过处理后的值</a:t>
+            </a:r>
+            <a:r>
+              <a:rPr lang="en-US" altLang="zh-CN" sz="1800" dirty="0"/>
+              <a:t>，</a:t>
+            </a:r>
+          </a:p>
+          <a:p>
+            <a:endParaRPr lang="en-US" altLang="zh-CN" sz="1800" dirty="0"/>
+          </a:p>
+          <a:p>
+            <a:endParaRPr lang="en-US" altLang="zh-CN" sz="1800" dirty="0"/>
+          </a:p>
+          <a:p>
+            <a:r>
+              <a:rPr lang="en-US" altLang="zh-CN" sz="1800" dirty="0"/>
               <a:t>  </a:t>
             </a:r>
-            <a:endParaRPr lang="en-US" altLang="zh-CN" sz="1800" smtClean="0"/>
-          </a:p>
-          <a:p>
-            <a:r>
-              <a:rPr lang="zh-CN" altLang="en-US" sz="1800" smtClean="0"/>
+          </a:p>
+          <a:p>
+            <a:r>
+              <a:rPr lang="zh-CN" altLang="en-US" sz="1800" dirty="0"/>
               <a:t>。</a:t>
             </a:r>
             <a:r>
-              <a:rPr lang="en-US" altLang="zh-CN" sz="1800" smtClean="0"/>
-              <a:t>mutation: 类似于事件，对应的回调函数到状态进行处理，必须通过store.commit的方式手动触发</a:t>
-            </a:r>
-            <a:endParaRPr lang="en-US" altLang="zh-CN" sz="1800" smtClean="0"/>
+              <a:rPr lang="en-US" altLang="zh-CN" sz="1800" dirty="0"/>
+              <a:t>mutation: </a:t>
+            </a:r>
+            <a:r>
+              <a:rPr lang="en-US" altLang="zh-CN" sz="1800" dirty="0" err="1"/>
+              <a:t>类似于事件，对应的回调函数到状态进行处理，必须通过store.commit的方式手动触发</a:t>
+            </a:r>
+            <a:endParaRPr lang="en-US" altLang="zh-CN" sz="1800" dirty="0"/>
           </a:p>
           <a:p>
             <a:pPr>
               <a:buFont typeface="Arial" panose="020B0604020202020204" pitchFamily="34" charset="0"/>
             </a:pPr>
             <a:r>
-              <a:rPr lang="en-US" altLang="zh-CN" sz="1800" smtClean="0"/>
+              <a:rPr lang="en-US" altLang="zh-CN" sz="1800" dirty="0"/>
               <a:t>  </a:t>
             </a:r>
-            <a:endParaRPr lang="en-US" altLang="zh-CN" sz="1800" smtClean="0"/>
           </a:p>
           <a:p>
             <a:pPr algn="l"/>
-            <a:endParaRPr lang="en-US" altLang="zh-CN" sz="1800" smtClean="0"/>
-          </a:p>
-          <a:p>
-            <a:endParaRPr lang="en-US" altLang="zh-CN" sz="1800" smtClean="0"/>
-          </a:p>
-          <a:p>
-            <a:endParaRPr lang="en-US" altLang="zh-CN" sz="1800" smtClean="0"/>
+            <a:endParaRPr lang="en-US" altLang="zh-CN" sz="1800" dirty="0"/>
+          </a:p>
+          <a:p>
+            <a:endParaRPr lang="en-US" altLang="zh-CN" sz="1800" dirty="0"/>
+          </a:p>
+          <a:p>
+            <a:endParaRPr lang="en-US" altLang="zh-CN" sz="1800" dirty="0"/>
           </a:p>
           <a:p>
             <a:pPr>
               <a:buFont typeface="Arial" panose="020B0604020202020204" pitchFamily="34" charset="0"/>
             </a:pPr>
-            <a:endParaRPr lang="en-US" altLang="zh-CN" sz="1800" smtClean="0"/>
+            <a:endParaRPr lang="en-US" altLang="zh-CN" sz="1800" dirty="0"/>
           </a:p>
           <a:p>
             <a:pPr marL="285750" indent="-285750">
               <a:buFont typeface="Arial" panose="020B0604020202020204" pitchFamily="34" charset="0"/>
               <a:buChar char="•"/>
             </a:pPr>
-            <a:endParaRPr lang="en-US" altLang="zh-CN" sz="1800" smtClean="0"/>
+            <a:endParaRPr lang="en-US" altLang="zh-CN" sz="1800" dirty="0"/>
           </a:p>
           <a:p>
             <a:pPr marL="285750" indent="-285750">
               <a:buFont typeface="Arial" panose="020B0604020202020204" pitchFamily="34" charset="0"/>
               <a:buChar char="•"/>
             </a:pPr>
-            <a:endParaRPr lang="en-US" altLang="zh-CN" sz="1800" smtClean="0"/>
+            <a:endParaRPr lang="en-US" altLang="zh-CN" sz="1800" dirty="0"/>
           </a:p>
         </p:txBody>
       </p:sp>
@@ -13808,7 +13816,7 @@
           <p:nvPr/>
         </p:nvPicPr>
         <p:blipFill>
-          <a:blip r:embed="rId1"/>
+          <a:blip r:embed="rId4"/>
           <a:stretch>
             <a:fillRect/>
           </a:stretch>
@@ -13832,7 +13840,7 @@
           <p:nvPr/>
         </p:nvPicPr>
         <p:blipFill>
-          <a:blip r:embed="rId2"/>
+          <a:blip r:embed="rId5"/>
           <a:stretch>
             <a:fillRect/>
           </a:stretch>
@@ -13856,7 +13864,7 @@
           <p:nvPr/>
         </p:nvPicPr>
         <p:blipFill>
-          <a:blip r:embed="rId3"/>
+          <a:blip r:embed="rId6"/>
           <a:stretch>
             <a:fillRect/>
           </a:stretch>
@@ -13873,7 +13881,7 @@
       </p:pic>
     </p:spTree>
     <p:custDataLst>
-      <p:tags r:id="rId4"/>
+      <p:tags r:id="rId1"/>
     </p:custDataLst>
   </p:cSld>
   <p:clrMapOvr>
@@ -14060,101 +14068,109 @@
             <a:pPr>
               <a:buFont typeface="Arial" panose="020B0604020202020204" pitchFamily="34" charset="0"/>
             </a:pPr>
-            <a:endParaRPr lang="zh-CN" altLang="en-US" sz="1800" smtClean="0"/>
+            <a:endParaRPr lang="zh-CN" altLang="en-US" sz="1800" dirty="0"/>
           </a:p>
           <a:p>
             <a:pPr>
               <a:buFont typeface="Arial" panose="020B0604020202020204" pitchFamily="34" charset="0"/>
             </a:pPr>
             <a:r>
-              <a:rPr lang="zh-CN" altLang="en-US" sz="1800" smtClean="0"/>
+              <a:rPr lang="zh-CN" altLang="en-US" sz="1800" dirty="0"/>
               <a:t>。</a:t>
             </a:r>
             <a:r>
-              <a:rPr lang="en-US" altLang="zh-CN" sz="1800" smtClean="0"/>
-              <a:t>actions: 利用commit提交mutation,可以执行异步操作，通过 store.dispatch方式触发获取某个状态</a:t>
-            </a:r>
-            <a:endParaRPr lang="en-US" altLang="zh-CN" sz="1800" smtClean="0"/>
-          </a:p>
-          <a:p>
-            <a:endParaRPr lang="en-US" altLang="zh-CN" sz="1800" smtClean="0"/>
-          </a:p>
-          <a:p>
-            <a:endParaRPr lang="en-US" altLang="zh-CN" sz="1800" smtClean="0"/>
-          </a:p>
-          <a:p>
-            <a:endParaRPr lang="en-US" altLang="zh-CN" sz="1800" smtClean="0"/>
-          </a:p>
-          <a:p>
-            <a:endParaRPr lang="en-US" altLang="zh-CN" sz="1800" smtClean="0"/>
-          </a:p>
-          <a:p>
-            <a:r>
-              <a:rPr lang="zh-CN" altLang="en-US" sz="1800" smtClean="0"/>
+              <a:rPr lang="en-US" altLang="zh-CN" sz="1800" dirty="0"/>
+              <a:t>actions: </a:t>
+            </a:r>
+            <a:r>
+              <a:rPr lang="en-US" altLang="zh-CN" sz="1800" dirty="0" err="1"/>
+              <a:t>利用commit提交mutation,可以执行异步操作，通过</a:t>
+            </a:r>
+            <a:r>
+              <a:rPr lang="en-US" altLang="zh-CN" sz="1800" dirty="0"/>
+              <a:t> </a:t>
+            </a:r>
+            <a:r>
+              <a:rPr lang="en-US" altLang="zh-CN" sz="1800" dirty="0" err="1"/>
+              <a:t>store.dispatch方式触发获取某个状态</a:t>
+            </a:r>
+            <a:endParaRPr lang="en-US" altLang="zh-CN" sz="1800" dirty="0"/>
+          </a:p>
+          <a:p>
+            <a:endParaRPr lang="en-US" altLang="zh-CN" sz="1800" dirty="0"/>
+          </a:p>
+          <a:p>
+            <a:endParaRPr lang="en-US" altLang="zh-CN" sz="1800" dirty="0"/>
+          </a:p>
+          <a:p>
+            <a:endParaRPr lang="en-US" altLang="zh-CN" sz="1800" dirty="0"/>
+          </a:p>
+          <a:p>
+            <a:endParaRPr lang="en-US" altLang="zh-CN" sz="1800" dirty="0"/>
+          </a:p>
+          <a:p>
+            <a:r>
+              <a:rPr lang="zh-CN" altLang="en-US" sz="1800" dirty="0"/>
               <a:t>。</a:t>
             </a:r>
             <a:r>
-              <a:rPr lang="en-US" altLang="zh-CN" sz="1800" smtClean="0"/>
+              <a:rPr lang="en-US" altLang="zh-CN" sz="1800" dirty="0"/>
               <a:t>module: </a:t>
             </a:r>
-            <a:endParaRPr lang="en-US" altLang="zh-CN" sz="1800" smtClean="0"/>
-          </a:p>
-          <a:p>
-            <a:r>
-              <a:rPr lang="en-US" altLang="zh-CN" sz="1800" smtClean="0"/>
+          </a:p>
+          <a:p>
+            <a:r>
+              <a:rPr lang="en-US" altLang="zh-CN" sz="1800" dirty="0"/>
               <a:t>       当store对象比较庞大的时候，可以考虑将store分隔成模板。每个模块拥有自己的state、mutation、action、getter。很少情况下使用</a:t>
             </a:r>
-            <a:endParaRPr lang="en-US" altLang="zh-CN" sz="1800" smtClean="0"/>
-          </a:p>
-          <a:p>
-            <a:r>
-              <a:rPr lang="en-US" altLang="zh-CN" sz="1800" smtClean="0"/>
+          </a:p>
+          <a:p>
+            <a:r>
+              <a:rPr lang="en-US" altLang="zh-CN" sz="1800" dirty="0"/>
               <a:t>  </a:t>
             </a:r>
-            <a:endParaRPr lang="en-US" altLang="zh-CN" sz="1800" smtClean="0"/>
-          </a:p>
-          <a:p>
-            <a:endParaRPr lang="en-US" altLang="zh-CN" sz="1800" smtClean="0"/>
+          </a:p>
+          <a:p>
+            <a:endParaRPr lang="en-US" altLang="zh-CN" sz="1800" dirty="0"/>
           </a:p>
           <a:p>
             <a:pPr>
               <a:buFont typeface="Arial" panose="020B0604020202020204" pitchFamily="34" charset="0"/>
             </a:pPr>
             <a:r>
-              <a:rPr lang="en-US" altLang="zh-CN" sz="1800" smtClean="0"/>
+              <a:rPr lang="en-US" altLang="zh-CN" sz="1800" dirty="0"/>
               <a:t>  </a:t>
             </a:r>
-            <a:endParaRPr lang="en-US" altLang="zh-CN" sz="1800" smtClean="0"/>
           </a:p>
           <a:p>
             <a:pPr algn="l"/>
-            <a:endParaRPr lang="en-US" altLang="zh-CN" sz="1800" smtClean="0"/>
-          </a:p>
-          <a:p>
-            <a:endParaRPr lang="en-US" altLang="zh-CN" sz="1800" smtClean="0"/>
-          </a:p>
-          <a:p>
-            <a:endParaRPr lang="en-US" altLang="zh-CN" sz="1800" smtClean="0"/>
+            <a:endParaRPr lang="en-US" altLang="zh-CN" sz="1800" dirty="0"/>
+          </a:p>
+          <a:p>
+            <a:endParaRPr lang="en-US" altLang="zh-CN" sz="1800" dirty="0"/>
+          </a:p>
+          <a:p>
+            <a:endParaRPr lang="en-US" altLang="zh-CN" sz="1800" dirty="0"/>
           </a:p>
           <a:p>
             <a:pPr>
               <a:buFont typeface="Arial" panose="020B0604020202020204" pitchFamily="34" charset="0"/>
             </a:pPr>
-            <a:endParaRPr lang="en-US" altLang="zh-CN" sz="1800" smtClean="0"/>
+            <a:endParaRPr lang="en-US" altLang="zh-CN" sz="1800" dirty="0"/>
           </a:p>
           <a:p>
             <a:pPr marL="285750" indent="-285750">
               <a:buFont typeface="Arial" panose="020B0604020202020204" pitchFamily="34" charset="0"/>
               <a:buChar char="•"/>
             </a:pPr>
-            <a:endParaRPr lang="en-US" altLang="zh-CN" sz="1800" smtClean="0"/>
+            <a:endParaRPr lang="en-US" altLang="zh-CN" sz="1800" dirty="0"/>
           </a:p>
           <a:p>
             <a:pPr marL="285750" indent="-285750">
               <a:buFont typeface="Arial" panose="020B0604020202020204" pitchFamily="34" charset="0"/>
               <a:buChar char="•"/>
             </a:pPr>
-            <a:endParaRPr lang="en-US" altLang="zh-CN" sz="1800" smtClean="0"/>
+            <a:endParaRPr lang="en-US" altLang="zh-CN" sz="1800" dirty="0"/>
           </a:p>
         </p:txBody>
       </p:sp>
@@ -14167,7 +14183,7 @@
           <p:nvPr/>
         </p:nvPicPr>
         <p:blipFill>
-          <a:blip r:embed="rId1"/>
+          <a:blip r:embed="rId4"/>
           <a:stretch>
             <a:fillRect/>
           </a:stretch>
@@ -14184,7 +14200,7 @@
       </p:pic>
     </p:spTree>
     <p:custDataLst>
-      <p:tags r:id="rId2"/>
+      <p:tags r:id="rId1"/>
     </p:custDataLst>
   </p:cSld>
   <p:clrMapOvr>
@@ -14372,85 +14388,89 @@
               <a:buFont typeface="Arial" panose="020B0604020202020204" pitchFamily="34" charset="0"/>
             </a:pPr>
             <a:r>
-              <a:rPr lang="en-US" altLang="zh-CN" sz="1800" smtClean="0"/>
-              <a:t>把所有部分组合起来，就构成一个简单的计数器：</a:t>
-            </a:r>
-            <a:endParaRPr lang="en-US" altLang="zh-CN" sz="1800" smtClean="0"/>
-          </a:p>
-          <a:p>
-            <a:endParaRPr lang="en-US" altLang="zh-CN" sz="1800" smtClean="0"/>
-          </a:p>
-          <a:p>
-            <a:endParaRPr lang="en-US" altLang="zh-CN" sz="1800" smtClean="0"/>
-          </a:p>
-          <a:p>
-            <a:endParaRPr lang="en-US" altLang="zh-CN" sz="1800" smtClean="0"/>
-          </a:p>
-          <a:p>
-            <a:endParaRPr lang="en-US" altLang="zh-CN" sz="1800" smtClean="0"/>
-          </a:p>
-          <a:p>
-            <a:endParaRPr lang="en-US" altLang="zh-CN" sz="1800" smtClean="0"/>
-          </a:p>
-          <a:p>
-            <a:r>
-              <a:rPr lang="en-US" altLang="zh-CN" sz="1800" smtClean="0"/>
+              <a:rPr lang="en-US" altLang="zh-CN" sz="1800" dirty="0" err="1"/>
+              <a:t>把所有部分组合起来，就构成一个简单的计数器</a:t>
+            </a:r>
+            <a:r>
+              <a:rPr lang="en-US" altLang="zh-CN" sz="1800" dirty="0"/>
+              <a:t>：</a:t>
+            </a:r>
+          </a:p>
+          <a:p>
+            <a:endParaRPr lang="en-US" altLang="zh-CN" sz="1800" dirty="0"/>
+          </a:p>
+          <a:p>
+            <a:endParaRPr lang="en-US" altLang="zh-CN" sz="1800" dirty="0"/>
+          </a:p>
+          <a:p>
+            <a:endParaRPr lang="en-US" altLang="zh-CN" sz="1800" dirty="0"/>
+          </a:p>
+          <a:p>
+            <a:endParaRPr lang="en-US" altLang="zh-CN" sz="1800" dirty="0"/>
+          </a:p>
+          <a:p>
+            <a:endParaRPr lang="en-US" altLang="zh-CN" sz="1800" dirty="0"/>
+          </a:p>
+          <a:p>
+            <a:r>
+              <a:rPr lang="en-US" altLang="zh-CN" sz="1800" dirty="0"/>
               <a:t>  </a:t>
             </a:r>
-            <a:endParaRPr lang="en-US" altLang="zh-CN" sz="1800" smtClean="0"/>
-          </a:p>
-          <a:p>
-            <a:endParaRPr lang="en-US" altLang="zh-CN" sz="1800" smtClean="0"/>
+          </a:p>
+          <a:p>
+            <a:endParaRPr lang="en-US" altLang="zh-CN" sz="1800" dirty="0"/>
           </a:p>
           <a:p>
             <a:pPr>
               <a:buFont typeface="Arial" panose="020B0604020202020204" pitchFamily="34" charset="0"/>
             </a:pPr>
             <a:r>
-              <a:rPr lang="en-US" altLang="zh-CN" sz="1800" smtClean="0"/>
+              <a:rPr lang="en-US" altLang="zh-CN" sz="1800" dirty="0"/>
               <a:t> </a:t>
             </a:r>
-            <a:endParaRPr lang="en-US" altLang="zh-CN" sz="1800" smtClean="0"/>
           </a:p>
           <a:p>
             <a:pPr>
               <a:buFont typeface="Arial" panose="020B0604020202020204" pitchFamily="34" charset="0"/>
             </a:pPr>
             <a:r>
-              <a:rPr lang="en-US" altLang="zh-CN" sz="1800" smtClean="0"/>
-              <a:t>然后组件中触发actions,就可以 </a:t>
-            </a:r>
-            <a:endParaRPr lang="en-US" altLang="zh-CN" sz="1800" smtClean="0"/>
+              <a:rPr lang="en-US" altLang="zh-CN" sz="1800" dirty="0" err="1"/>
+              <a:t>然后组件中触发actions,就可以</a:t>
+            </a:r>
+            <a:r>
+              <a:rPr lang="en-US" altLang="zh-CN" sz="1800" dirty="0"/>
+              <a:t> </a:t>
+            </a:r>
           </a:p>
           <a:p>
             <a:pPr algn="l"/>
-            <a:endParaRPr lang="en-US" altLang="zh-CN" sz="1800" smtClean="0"/>
-          </a:p>
-          <a:p>
-            <a:endParaRPr lang="en-US" altLang="zh-CN" sz="1800" smtClean="0"/>
-          </a:p>
-          <a:p>
-            <a:endParaRPr lang="en-US" altLang="zh-CN" sz="1800" smtClean="0"/>
+            <a:endParaRPr lang="en-US" altLang="zh-CN" sz="1800" dirty="0"/>
+          </a:p>
+          <a:p>
+            <a:endParaRPr lang="en-US" altLang="zh-CN" sz="1800" dirty="0"/>
+          </a:p>
+          <a:p>
+            <a:endParaRPr lang="en-US" altLang="zh-CN" sz="1800" dirty="0"/>
           </a:p>
           <a:p>
             <a:pPr>
               <a:buFont typeface="Arial" panose="020B0604020202020204" pitchFamily="34" charset="0"/>
             </a:pPr>
-            <a:endParaRPr lang="en-US" altLang="zh-CN" sz="1800" smtClean="0"/>
+            <a:endParaRPr lang="en-US" altLang="zh-CN" sz="1800" dirty="0"/>
           </a:p>
           <a:p>
             <a:pPr marL="285750" indent="-285750">
               <a:buFont typeface="Arial" panose="020B0604020202020204" pitchFamily="34" charset="0"/>
               <a:buChar char="•"/>
             </a:pPr>
-            <a:endParaRPr lang="en-US" altLang="zh-CN" sz="1800" smtClean="0"/>
+            <a:endParaRPr lang="en-US" altLang="zh-CN" sz="1800" dirty="0"/>
           </a:p>
           <a:p>
             <a:pPr marL="285750" indent="-285750">
               <a:buFont typeface="Arial" panose="020B0604020202020204" pitchFamily="34" charset="0"/>
               <a:buChar char="•"/>
             </a:pPr>
-            <a:endParaRPr lang="en-US" altLang="zh-CN" sz="1800" smtClean="0"/>
+            <a:endParaRPr lang="en-US" altLang="zh-CN" sz="1800" dirty="0"/>
           </a:p>
         </p:txBody>
       </p:sp>
@@ -14463,7 +14483,7 @@
           <p:nvPr/>
         </p:nvPicPr>
         <p:blipFill>
-          <a:blip r:embed="rId1"/>
+          <a:blip r:embed="rId4"/>
           <a:stretch>
             <a:fillRect/>
           </a:stretch>
@@ -14487,7 +14507,7 @@
           <p:nvPr/>
         </p:nvPicPr>
         <p:blipFill>
-          <a:blip r:embed="rId2"/>
+          <a:blip r:embed="rId5"/>
           <a:stretch>
             <a:fillRect/>
           </a:stretch>
@@ -14504,7 +14524,7 @@
       </p:pic>
     </p:spTree>
     <p:custDataLst>
-      <p:tags r:id="rId3"/>
+      <p:tags r:id="rId1"/>
     </p:custDataLst>
   </p:cSld>
   <p:clrMapOvr>
@@ -14536,7 +14556,7 @@
           <p:cNvSpPr txBox="1"/>
           <p:nvPr>
             <p:custDataLst>
-              <p:tags r:id="rId1"/>
+              <p:tags r:id="rId2"/>
             </p:custDataLst>
           </p:nvPr>
         </p:nvSpPr>
@@ -14574,7 +14594,6 @@
               <a:rPr lang="en-US" altLang="zh-CN"/>
               <a:t>CONTENT</a:t>
             </a:r>
-            <a:endParaRPr lang="en-US" altLang="zh-CN"/>
           </a:p>
         </p:txBody>
       </p:sp>
@@ -14584,7 +14603,7 @@
           <p:cNvSpPr txBox="1"/>
           <p:nvPr>
             <p:custDataLst>
-              <p:tags r:id="rId2"/>
+              <p:tags r:id="rId3"/>
             </p:custDataLst>
           </p:nvPr>
         </p:nvSpPr>
@@ -14627,7 +14646,7 @@
           <p:cNvSpPr txBox="1"/>
           <p:nvPr>
             <p:custDataLst>
-              <p:tags r:id="rId3"/>
+              <p:tags r:id="rId4"/>
             </p:custDataLst>
           </p:nvPr>
         </p:nvSpPr>
@@ -14670,7 +14689,7 @@
           <p:cNvSpPr txBox="1"/>
           <p:nvPr>
             <p:custDataLst>
-              <p:tags r:id="rId4"/>
+              <p:tags r:id="rId5"/>
             </p:custDataLst>
           </p:nvPr>
         </p:nvSpPr>
@@ -14700,7 +14719,6 @@
               <a:rPr lang="zh-CN" altLang="en-US" dirty="0"/>
               <a:t>组件通信</a:t>
             </a:r>
-            <a:endParaRPr lang="zh-CN" altLang="en-US" dirty="0"/>
           </a:p>
         </p:txBody>
       </p:sp>
@@ -14710,7 +14728,7 @@
           <p:cNvSpPr txBox="1"/>
           <p:nvPr>
             <p:custDataLst>
-              <p:tags r:id="rId5"/>
+              <p:tags r:id="rId6"/>
             </p:custDataLst>
           </p:nvPr>
         </p:nvSpPr>
@@ -14740,7 +14758,6 @@
               <a:rPr lang="zh-CN" altLang="en-US" dirty="0"/>
               <a:t>常用基础语法</a:t>
             </a:r>
-            <a:endParaRPr lang="zh-CN" altLang="en-US" dirty="0"/>
           </a:p>
         </p:txBody>
       </p:sp>
@@ -14750,7 +14767,7 @@
           <p:cNvSpPr txBox="1"/>
           <p:nvPr>
             <p:custDataLst>
-              <p:tags r:id="rId6"/>
+              <p:tags r:id="rId7"/>
             </p:custDataLst>
           </p:nvPr>
         </p:nvSpPr>
@@ -14793,7 +14810,7 @@
           <p:cNvSpPr txBox="1"/>
           <p:nvPr>
             <p:custDataLst>
-              <p:tags r:id="rId7"/>
+              <p:tags r:id="rId8"/>
             </p:custDataLst>
           </p:nvPr>
         </p:nvSpPr>
@@ -14836,7 +14853,7 @@
           <p:cNvSpPr txBox="1"/>
           <p:nvPr>
             <p:custDataLst>
-              <p:tags r:id="rId8"/>
+              <p:tags r:id="rId9"/>
             </p:custDataLst>
           </p:nvPr>
         </p:nvSpPr>
@@ -14866,7 +14883,6 @@
               <a:rPr lang="zh-CN" altLang="en-US" dirty="0"/>
               <a:t>声明式渲染</a:t>
             </a:r>
-            <a:endParaRPr lang="zh-CN" altLang="en-US" dirty="0"/>
           </a:p>
         </p:txBody>
       </p:sp>
@@ -14876,7 +14892,7 @@
           <p:cNvSpPr txBox="1"/>
           <p:nvPr>
             <p:custDataLst>
-              <p:tags r:id="rId9"/>
+              <p:tags r:id="rId10"/>
             </p:custDataLst>
           </p:nvPr>
         </p:nvSpPr>
@@ -14903,7 +14919,7 @@
           </a:lstStyle>
           <a:p>
             <a:r>
-              <a:rPr lang="en-US" altLang="zh-CN" dirty="0" smtClean="0">
+              <a:rPr lang="en-US" altLang="zh-CN" dirty="0">
                 <a:sym typeface="+mn-ea"/>
               </a:rPr>
               <a:t>渐进式框架</a:t>
@@ -14918,7 +14934,7 @@
           <p:cNvSpPr txBox="1"/>
           <p:nvPr>
             <p:custDataLst>
-              <p:tags r:id="rId10"/>
+              <p:tags r:id="rId11"/>
             </p:custDataLst>
           </p:nvPr>
         </p:nvSpPr>
@@ -14961,7 +14977,7 @@
           <p:cNvSpPr txBox="1"/>
           <p:nvPr>
             <p:custDataLst>
-              <p:tags r:id="rId11"/>
+              <p:tags r:id="rId12"/>
             </p:custDataLst>
           </p:nvPr>
         </p:nvSpPr>
@@ -15004,7 +15020,7 @@
           <p:cNvSpPr txBox="1"/>
           <p:nvPr>
             <p:custDataLst>
-              <p:tags r:id="rId12"/>
+              <p:tags r:id="rId13"/>
             </p:custDataLst>
           </p:nvPr>
         </p:nvSpPr>
@@ -15038,7 +15054,6 @@
               <a:rPr lang="zh-CN" altLang="en-US" dirty="0"/>
               <a:t>入门</a:t>
             </a:r>
-            <a:endParaRPr lang="zh-CN" altLang="en-US" dirty="0"/>
           </a:p>
         </p:txBody>
       </p:sp>
@@ -15048,7 +15063,7 @@
           <p:cNvSpPr txBox="1"/>
           <p:nvPr>
             <p:custDataLst>
-              <p:tags r:id="rId13"/>
+              <p:tags r:id="rId14"/>
             </p:custDataLst>
           </p:nvPr>
         </p:nvSpPr>
@@ -15078,7 +15093,6 @@
               <a:rPr lang="zh-CN" altLang="en-US" dirty="0"/>
               <a:t>状态管理</a:t>
             </a:r>
-            <a:endParaRPr lang="zh-CN" altLang="en-US" dirty="0"/>
           </a:p>
         </p:txBody>
       </p:sp>
@@ -15088,7 +15102,7 @@
           <p:cNvSpPr txBox="1"/>
           <p:nvPr>
             <p:custDataLst>
-              <p:tags r:id="rId14"/>
+              <p:tags r:id="rId15"/>
             </p:custDataLst>
           </p:nvPr>
         </p:nvSpPr>
@@ -15106,6 +15120,7 @@
           <a:bodyPr wrap="square" rtlCol="0" anchor="ctr" anchorCtr="0">
             <a:normAutofit/>
           </a:bodyPr>
+          <a:lstStyle/>
           <a:p>
             <a:pPr algn="ctr"/>
             <a:r>
@@ -15130,7 +15145,7 @@
           <p:cNvSpPr txBox="1"/>
           <p:nvPr>
             <p:custDataLst>
-              <p:tags r:id="rId15"/>
+              <p:tags r:id="rId16"/>
             </p:custDataLst>
           </p:nvPr>
         </p:nvSpPr>
@@ -15160,13 +15175,12 @@
               <a:rPr lang="zh-CN" altLang="en-US" dirty="0"/>
               <a:t>页面路由</a:t>
             </a:r>
-            <a:endParaRPr lang="zh-CN" altLang="en-US" dirty="0"/>
           </a:p>
         </p:txBody>
       </p:sp>
     </p:spTree>
     <p:custDataLst>
-      <p:tags r:id="rId16"/>
+      <p:tags r:id="rId1"/>
     </p:custDataLst>
   </p:cSld>
   <p:clrMapOvr>
@@ -15213,7 +15227,6 @@
               <a:rPr lang="zh-CN" altLang="en-US" dirty="0"/>
               <a:t>页面路由</a:t>
             </a:r>
-            <a:endParaRPr lang="zh-CN" altLang="en-US" dirty="0"/>
           </a:p>
         </p:txBody>
       </p:sp>
@@ -15235,7 +15248,7 @@
         </p:spPr>
         <p:txBody>
           <a:bodyPr vert="horz" lIns="91440" tIns="45720" rIns="91440" bIns="45720" rtlCol="0">
-            <a:normAutofit lnSpcReduction="20000"/>
+            <a:normAutofit fontScale="92500" lnSpcReduction="10000"/>
           </a:bodyPr>
           <a:lstStyle/>
           <a:p>
@@ -15246,10 +15259,9 @@
               <a:buNone/>
             </a:pPr>
             <a:r>
-              <a:rPr lang="en-US" altLang="zh-CN" sz="2000"/>
+              <a:rPr lang="en-US" altLang="zh-CN" sz="2000" dirty="0"/>
               <a:t>      使用Vue.js创建单页面应用，就可以使用vue-router,目前版本是3.0.1，把组件映射到对应的路由，通过改变url来渲染不同的页面</a:t>
             </a:r>
-            <a:endParaRPr lang="en-US" altLang="zh-CN" sz="2000"/>
           </a:p>
           <a:p>
             <a:pPr marL="0" indent="0">
@@ -15262,7 +15274,6 @@
               <a:rPr lang="en-US" altLang="zh-CN" sz="2000" dirty="0"/>
               <a:t>    vue-router 默认hash模式，每次url只会改变#后面对应的值，页面就不会重新加载，并且也不需要服务器端作任何配置。</a:t>
             </a:r>
-            <a:endParaRPr lang="en-US" altLang="zh-CN" sz="2000" dirty="0"/>
           </a:p>
           <a:p>
             <a:pPr marL="0" indent="0">
@@ -15275,7 +15286,6 @@
               <a:rPr lang="en-US" altLang="zh-CN" sz="2000" dirty="0"/>
               <a:t>    如果使用路由的history模式，url就会正常http://yoursite.com/user/id，只需要添加配置mode:'history',同时需要后端配置，不然页面重新刷新，会匹配不到任何资源。</a:t>
             </a:r>
-            <a:endParaRPr lang="en-US" altLang="zh-CN" sz="2000" dirty="0"/>
           </a:p>
           <a:p>
             <a:pPr marL="0" indent="0">
@@ -15288,7 +15298,6 @@
               <a:rPr lang="en-US" altLang="zh-CN" sz="2000" dirty="0"/>
               <a:t>基础概念：</a:t>
             </a:r>
-            <a:endParaRPr lang="en-US" altLang="zh-CN" sz="2000" dirty="0"/>
           </a:p>
           <a:p>
             <a:pPr marL="0" indent="0">
@@ -15305,7 +15314,6 @@
               <a:rPr lang="zh-CN" altLang="en-US" sz="2000" dirty="0"/>
               <a:t>使用router-link 组件导航，通过传入to属性指定链接，相当于原生的a 标签。</a:t>
             </a:r>
-            <a:endParaRPr lang="zh-CN" altLang="en-US" sz="2000" dirty="0"/>
           </a:p>
           <a:p>
             <a:pPr marL="0" indent="0">
@@ -15340,7 +15348,6 @@
               <a:rPr lang="en-US" altLang="zh-CN" sz="2000" dirty="0"/>
               <a:t>&lt;router-view&gt;  路由出口，路由匹配到的组件将渲染在这里</a:t>
             </a:r>
-            <a:endParaRPr lang="en-US" altLang="zh-CN" sz="2000" dirty="0"/>
           </a:p>
         </p:txBody>
       </p:sp>
@@ -15353,14 +15360,14 @@
           <p:nvPr/>
         </p:nvPicPr>
         <p:blipFill>
-          <a:blip r:embed="rId1"/>
+          <a:blip r:embed="rId4"/>
           <a:stretch>
             <a:fillRect/>
           </a:stretch>
         </p:blipFill>
         <p:spPr>
           <a:xfrm>
-            <a:off x="1086485" y="4735830"/>
+            <a:off x="1086485" y="4865689"/>
             <a:ext cx="3123565" cy="569595"/>
           </a:xfrm>
           <a:prstGeom prst="rect">
@@ -15377,7 +15384,7 @@
           <p:nvPr/>
         </p:nvPicPr>
         <p:blipFill>
-          <a:blip r:embed="rId2"/>
+          <a:blip r:embed="rId5"/>
           <a:stretch>
             <a:fillRect/>
           </a:stretch>
@@ -15431,7 +15438,7 @@
       </p:cxnSp>
     </p:spTree>
     <p:custDataLst>
-      <p:tags r:id="rId3"/>
+      <p:tags r:id="rId1"/>
     </p:custDataLst>
   </p:cSld>
   <p:clrMapOvr>
@@ -15496,7 +15503,7 @@
             </a:lvl1pPr>
           </a:lstStyle>
           <a:p>
-            <a:endParaRPr sz="2400" dirty="0" smtClean="0">
+            <a:endParaRPr sz="2400" dirty="0">
               <a:solidFill>
                 <a:schemeClr val="tx1"/>
               </a:solidFill>
@@ -15666,102 +15673,121 @@
               <a:buFont typeface="Arial" panose="020B0604020202020204" pitchFamily="34" charset="0"/>
             </a:pPr>
             <a:r>
-              <a:rPr lang="zh-CN" altLang="en-US" sz="1800" smtClean="0"/>
+              <a:rPr lang="zh-CN" altLang="en-US" sz="1800" dirty="0"/>
               <a:t>。</a:t>
             </a:r>
             <a:r>
-              <a:rPr lang="en-US" altLang="zh-CN" sz="1800" smtClean="0"/>
+              <a:rPr lang="en-US" altLang="zh-CN" sz="1800" dirty="0" err="1"/>
               <a:t>可以在上面添加一些过渡效果</a:t>
             </a:r>
-            <a:endParaRPr lang="en-US" altLang="zh-CN" sz="1800" smtClean="0"/>
-          </a:p>
-          <a:p>
-            <a:endParaRPr lang="en-US" altLang="zh-CN" sz="1800" smtClean="0"/>
-          </a:p>
-          <a:p>
-            <a:endParaRPr lang="en-US" altLang="zh-CN" sz="1800" smtClean="0"/>
-          </a:p>
-          <a:p>
-            <a:r>
-              <a:rPr lang="zh-CN" altLang="en-US" sz="1800" smtClean="0"/>
+            <a:endParaRPr lang="en-US" altLang="zh-CN" sz="1800" dirty="0"/>
+          </a:p>
+          <a:p>
+            <a:endParaRPr lang="en-US" altLang="zh-CN" sz="1800" dirty="0"/>
+          </a:p>
+          <a:p>
+            <a:endParaRPr lang="en-US" altLang="zh-CN" sz="1800" dirty="0"/>
+          </a:p>
+          <a:p>
+            <a:r>
+              <a:rPr lang="zh-CN" altLang="en-US" sz="1800" dirty="0"/>
               <a:t>。</a:t>
             </a:r>
             <a:r>
-              <a:rPr lang="en-US" altLang="zh-CN" sz="1800" smtClean="0"/>
-              <a:t>初始化路由配置;</a:t>
-            </a:r>
-            <a:endParaRPr lang="en-US" altLang="zh-CN" sz="1800" smtClean="0"/>
-          </a:p>
-          <a:p>
-            <a:r>
-              <a:rPr lang="en-US" altLang="zh-CN" sz="1800" smtClean="0"/>
-              <a:t>      如果使用vue-cli脚手架构造项目，在init的时候，会出现选项提示用户安装路由</a:t>
-            </a:r>
-            <a:endParaRPr lang="en-US" altLang="zh-CN" sz="1800" smtClean="0"/>
-          </a:p>
-          <a:p>
-            <a:r>
-              <a:rPr lang="en-US" altLang="zh-CN" sz="1800" smtClean="0"/>
+              <a:rPr lang="en-US" altLang="zh-CN" sz="1800" dirty="0" err="1"/>
+              <a:t>初始化路由配置</a:t>
+            </a:r>
+            <a:r>
+              <a:rPr lang="en-US" altLang="zh-CN" sz="1800" dirty="0"/>
+              <a:t>;</a:t>
+            </a:r>
+          </a:p>
+          <a:p>
+            <a:r>
+              <a:rPr lang="en-US" altLang="zh-CN" sz="1800" dirty="0"/>
+              <a:t>      </a:t>
+            </a:r>
+            <a:r>
+              <a:rPr lang="en-US" altLang="zh-CN" sz="1800" dirty="0" err="1"/>
+              <a:t>如果使用vue-cli脚手架构造项目，在init的时候，会出现选项提示用户安装路由</a:t>
+            </a:r>
+            <a:endParaRPr lang="en-US" altLang="zh-CN" sz="1800" dirty="0"/>
+          </a:p>
+          <a:p>
+            <a:r>
+              <a:rPr lang="en-US" altLang="zh-CN" sz="1800" dirty="0"/>
               <a:t>   </a:t>
             </a:r>
-            <a:endParaRPr lang="en-US" altLang="zh-CN" sz="1800" smtClean="0"/>
-          </a:p>
-          <a:p>
-            <a:r>
-              <a:rPr lang="en-US" altLang="zh-CN" sz="1800" smtClean="0"/>
+          </a:p>
+          <a:p>
+            <a:r>
+              <a:rPr lang="en-US" altLang="zh-CN" sz="1800" dirty="0"/>
               <a:t>  </a:t>
             </a:r>
-            <a:endParaRPr lang="en-US" altLang="zh-CN" sz="1800" smtClean="0"/>
-          </a:p>
-          <a:p>
-            <a:r>
-              <a:rPr lang="en-US" altLang="zh-CN" sz="1800" smtClean="0"/>
-              <a:t>      确认后，自动生成`src/router.js`文件，相关路由配置文件就可以写在里面。</a:t>
-            </a:r>
-            <a:endParaRPr lang="en-US" altLang="zh-CN" sz="1800" smtClean="0"/>
-          </a:p>
-          <a:p>
-            <a:endParaRPr lang="en-US" altLang="zh-CN" sz="1800" smtClean="0"/>
+          </a:p>
+          <a:p>
+            <a:r>
+              <a:rPr lang="en-US" altLang="zh-CN" sz="1800" dirty="0"/>
+              <a:t>      </a:t>
+            </a:r>
+            <a:r>
+              <a:rPr lang="en-US" altLang="zh-CN" sz="1800" dirty="0" err="1"/>
+              <a:t>确认后，自动生成`src</a:t>
+            </a:r>
+            <a:r>
+              <a:rPr lang="en-US" altLang="zh-CN" sz="1800" dirty="0"/>
+              <a:t>/</a:t>
+            </a:r>
+            <a:r>
+              <a:rPr lang="en-US" altLang="zh-CN" sz="1800" dirty="0" err="1"/>
+              <a:t>router.js`文件，相关路由配置文件就可以写在里面</a:t>
+            </a:r>
+            <a:r>
+              <a:rPr lang="en-US" altLang="zh-CN" sz="1800" dirty="0"/>
+              <a:t>。</a:t>
+            </a:r>
+          </a:p>
+          <a:p>
+            <a:endParaRPr lang="en-US" altLang="zh-CN" sz="1800" dirty="0"/>
           </a:p>
           <a:p>
             <a:pPr>
               <a:buFont typeface="Arial" panose="020B0604020202020204" pitchFamily="34" charset="0"/>
             </a:pPr>
             <a:r>
-              <a:rPr lang="en-US" altLang="zh-CN" sz="1800" smtClean="0"/>
+              <a:rPr lang="en-US" altLang="zh-CN" sz="1800" dirty="0"/>
               <a:t>  </a:t>
             </a:r>
-            <a:endParaRPr lang="en-US" altLang="zh-CN" sz="1800" smtClean="0"/>
           </a:p>
           <a:p>
             <a:pPr algn="l"/>
-            <a:endParaRPr lang="en-US" altLang="zh-CN" sz="1800" smtClean="0"/>
-          </a:p>
-          <a:p>
-            <a:endParaRPr lang="en-US" altLang="zh-CN" sz="1800" smtClean="0"/>
-          </a:p>
-          <a:p>
-            <a:endParaRPr lang="en-US" altLang="zh-CN" sz="1800" smtClean="0"/>
+            <a:endParaRPr lang="en-US" altLang="zh-CN" sz="1800" dirty="0"/>
+          </a:p>
+          <a:p>
+            <a:endParaRPr lang="en-US" altLang="zh-CN" sz="1800" dirty="0"/>
+          </a:p>
+          <a:p>
+            <a:endParaRPr lang="en-US" altLang="zh-CN" sz="1800" dirty="0"/>
           </a:p>
           <a:p>
             <a:pPr>
               <a:buFont typeface="Arial" panose="020B0604020202020204" pitchFamily="34" charset="0"/>
             </a:pPr>
-            <a:endParaRPr lang="en-US" altLang="zh-CN" sz="1800" smtClean="0"/>
+            <a:endParaRPr lang="en-US" altLang="zh-CN" sz="1800" dirty="0"/>
           </a:p>
           <a:p>
             <a:pPr marL="285750" indent="-285750">
               <a:buFont typeface="Arial" panose="020B0604020202020204" pitchFamily="34" charset="0"/>
               <a:buChar char="•"/>
             </a:pPr>
-            <a:endParaRPr lang="en-US" altLang="zh-CN" sz="1800" smtClean="0"/>
+            <a:endParaRPr lang="en-US" altLang="zh-CN" sz="1800" dirty="0"/>
           </a:p>
           <a:p>
             <a:pPr marL="285750" indent="-285750">
               <a:buFont typeface="Arial" panose="020B0604020202020204" pitchFamily="34" charset="0"/>
               <a:buChar char="•"/>
             </a:pPr>
-            <a:endParaRPr lang="en-US" altLang="zh-CN" sz="1800" smtClean="0"/>
+            <a:endParaRPr lang="en-US" altLang="zh-CN" sz="1800" dirty="0"/>
           </a:p>
         </p:txBody>
       </p:sp>
@@ -15774,7 +15800,7 @@
           <p:nvPr/>
         </p:nvPicPr>
         <p:blipFill>
-          <a:blip r:embed="rId1"/>
+          <a:blip r:embed="rId4"/>
           <a:stretch>
             <a:fillRect/>
           </a:stretch>
@@ -15798,7 +15824,7 @@
           <p:nvPr/>
         </p:nvPicPr>
         <p:blipFill>
-          <a:blip r:embed="rId2"/>
+          <a:blip r:embed="rId5"/>
           <a:stretch>
             <a:fillRect/>
           </a:stretch>
@@ -15822,7 +15848,7 @@
           <p:nvPr/>
         </p:nvPicPr>
         <p:blipFill>
-          <a:blip r:embed="rId3"/>
+          <a:blip r:embed="rId6"/>
           <a:stretch>
             <a:fillRect/>
           </a:stretch>
@@ -15839,7 +15865,7 @@
       </p:pic>
     </p:spTree>
     <p:custDataLst>
-      <p:tags r:id="rId4"/>
+      <p:tags r:id="rId1"/>
     </p:custDataLst>
   </p:cSld>
   <p:clrMapOvr>
@@ -15904,7 +15930,7 @@
             </a:lvl1pPr>
           </a:lstStyle>
           <a:p>
-            <a:endParaRPr sz="2400" dirty="0" smtClean="0">
+            <a:endParaRPr sz="2400" dirty="0">
               <a:solidFill>
                 <a:schemeClr val="tx1"/>
               </a:solidFill>
@@ -16074,124 +16100,154 @@
               <a:buFont typeface="Arial" panose="020B0604020202020204" pitchFamily="34" charset="0"/>
             </a:pPr>
             <a:r>
-              <a:rPr lang="zh-CN" altLang="en-US" sz="1800" smtClean="0"/>
+              <a:rPr lang="zh-CN" altLang="en-US" sz="1800" dirty="0"/>
               <a:t>。</a:t>
             </a:r>
             <a:r>
-              <a:rPr lang="en-US" altLang="zh-CN" sz="1800" smtClean="0"/>
+              <a:rPr lang="en-US" altLang="zh-CN" sz="1800" dirty="0" err="1"/>
               <a:t>注入到router配置参数里面</a:t>
             </a:r>
-            <a:endParaRPr lang="en-US" altLang="zh-CN" sz="1800" smtClean="0"/>
-          </a:p>
-          <a:p>
-            <a:endParaRPr lang="en-US" altLang="zh-CN" sz="1800" smtClean="0"/>
-          </a:p>
-          <a:p>
-            <a:endParaRPr lang="en-US" altLang="zh-CN" sz="1800" smtClean="0"/>
-          </a:p>
-          <a:p>
-            <a:r>
-              <a:rPr lang="zh-CN" altLang="en-US" sz="1800" smtClean="0"/>
+            <a:endParaRPr lang="en-US" altLang="zh-CN" sz="1800" dirty="0"/>
+          </a:p>
+          <a:p>
+            <a:endParaRPr lang="en-US" altLang="zh-CN" sz="1800" dirty="0"/>
+          </a:p>
+          <a:p>
+            <a:endParaRPr lang="en-US" altLang="zh-CN" sz="1800" dirty="0"/>
+          </a:p>
+          <a:p>
+            <a:r>
+              <a:rPr lang="zh-CN" altLang="en-US" sz="1800" dirty="0"/>
               <a:t>。</a:t>
             </a:r>
             <a:r>
-              <a:rPr lang="en-US" altLang="zh-CN" sz="1800" smtClean="0"/>
-              <a:t>存在嵌套路由的时候，需要使用 children配置,比如上面的components1组件内部包含自己的嵌套&lt;router-view&gt;,就可以使用嵌套路由。</a:t>
-            </a:r>
-            <a:endParaRPr lang="en-US" altLang="zh-CN" sz="1800" smtClean="0"/>
-          </a:p>
-          <a:p>
-            <a:r>
-              <a:rPr lang="en-US" altLang="zh-CN" sz="1800" smtClean="0"/>
+              <a:rPr lang="en-US" altLang="zh-CN" sz="1800" dirty="0" err="1"/>
+              <a:t>存在嵌套路由的时候，需要使用</a:t>
+            </a:r>
+            <a:r>
+              <a:rPr lang="en-US" altLang="zh-CN" sz="1800" dirty="0"/>
+              <a:t> children配置,比如上面的components1组件内部包含自己的嵌套&lt;router-view&gt;,</a:t>
+            </a:r>
+            <a:r>
+              <a:rPr lang="en-US" altLang="zh-CN" sz="1800" dirty="0" err="1"/>
+              <a:t>就可以使用嵌套路由</a:t>
+            </a:r>
+            <a:r>
+              <a:rPr lang="en-US" altLang="zh-CN" sz="1800" dirty="0"/>
+              <a:t>。</a:t>
+            </a:r>
+          </a:p>
+          <a:p>
+            <a:r>
+              <a:rPr lang="en-US" altLang="zh-CN" sz="1800" dirty="0"/>
               <a:t>   </a:t>
             </a:r>
-            <a:endParaRPr lang="en-US" altLang="zh-CN" sz="1800" smtClean="0"/>
-          </a:p>
-          <a:p>
-            <a:r>
-              <a:rPr lang="en-US" altLang="zh-CN" sz="1800" smtClean="0"/>
+          </a:p>
+          <a:p>
+            <a:r>
+              <a:rPr lang="en-US" altLang="zh-CN" sz="1800" dirty="0"/>
               <a:t>  </a:t>
             </a:r>
-            <a:endParaRPr lang="en-US" altLang="zh-CN" sz="1800" smtClean="0"/>
-          </a:p>
-          <a:p>
-            <a:endParaRPr lang="en-US" altLang="zh-CN" sz="1800" smtClean="0"/>
+          </a:p>
+          <a:p>
+            <a:endParaRPr lang="en-US" altLang="zh-CN" sz="1800" dirty="0"/>
           </a:p>
           <a:p>
             <a:pPr>
               <a:buFont typeface="Arial" panose="020B0604020202020204" pitchFamily="34" charset="0"/>
             </a:pPr>
             <a:r>
-              <a:rPr lang="en-US" altLang="zh-CN" sz="1800" smtClean="0"/>
+              <a:rPr lang="en-US" altLang="zh-CN" sz="1800" dirty="0"/>
               <a:t>  </a:t>
             </a:r>
-            <a:endParaRPr lang="en-US" altLang="zh-CN" sz="1800" smtClean="0"/>
           </a:p>
           <a:p>
             <a:pPr algn="l"/>
-            <a:endParaRPr lang="en-US" altLang="zh-CN" sz="1800" smtClean="0"/>
-          </a:p>
-          <a:p>
-            <a:r>
-              <a:rPr lang="zh-CN" altLang="en-US" sz="1800" smtClean="0"/>
+            <a:endParaRPr lang="en-US" altLang="zh-CN" sz="1800" dirty="0"/>
+          </a:p>
+          <a:p>
+            <a:r>
+              <a:rPr lang="zh-CN" altLang="en-US" sz="1800" dirty="0"/>
               <a:t>。</a:t>
             </a:r>
             <a:r>
-              <a:rPr lang="en-US" altLang="zh-CN" sz="1800" smtClean="0"/>
-              <a:t>router 实例方法</a:t>
-            </a:r>
-            <a:r>
-              <a:rPr lang="zh-CN" altLang="en-US" sz="1800" smtClean="0"/>
+              <a:rPr lang="en-US" altLang="zh-CN" sz="1800" dirty="0"/>
+              <a:t>router </a:t>
+            </a:r>
+            <a:r>
+              <a:rPr lang="en-US" altLang="zh-CN" sz="1800" dirty="0" err="1"/>
+              <a:t>实例方法</a:t>
+            </a:r>
+            <a:r>
+              <a:rPr lang="zh-CN" altLang="en-US" sz="1800" dirty="0"/>
               <a:t>： </a:t>
             </a:r>
             <a:r>
-              <a:rPr lang="en-US" altLang="zh-CN" sz="1800" smtClean="0"/>
-              <a:t>在Vue实例内部，可以通过this.$router获取实例对象，</a:t>
-            </a:r>
-            <a:endParaRPr lang="en-US" altLang="zh-CN" sz="1800" smtClean="0"/>
-          </a:p>
-          <a:p>
-            <a:r>
-              <a:rPr lang="en-US" altLang="zh-CN" sz="1800" smtClean="0"/>
+              <a:rPr lang="en-US" altLang="zh-CN" sz="1800" dirty="0" err="1"/>
+              <a:t>在Vue实例内部，可以通过this</a:t>
+            </a:r>
+            <a:r>
+              <a:rPr lang="en-US" altLang="zh-CN" sz="1800" dirty="0"/>
+              <a:t>.$</a:t>
+            </a:r>
+            <a:r>
+              <a:rPr lang="en-US" altLang="zh-CN" sz="1800" dirty="0" err="1"/>
+              <a:t>router获取实例对象</a:t>
+            </a:r>
+            <a:r>
+              <a:rPr lang="en-US" altLang="zh-CN" sz="1800" dirty="0"/>
+              <a:t>，</a:t>
+            </a:r>
+          </a:p>
+          <a:p>
+            <a:r>
+              <a:rPr lang="en-US" altLang="zh-CN" sz="1800" dirty="0"/>
               <a:t>   </a:t>
             </a:r>
             <a:r>
-              <a:rPr lang="zh-CN" altLang="en-US" sz="1800" smtClean="0"/>
+              <a:rPr lang="zh-CN" altLang="en-US" sz="1800" dirty="0"/>
               <a:t>。router.push({path:'/user',params:{id:'123'}}) 跳转</a:t>
             </a:r>
-            <a:endParaRPr lang="zh-CN" altLang="en-US" sz="1800" smtClean="0"/>
           </a:p>
           <a:p>
             <a:pPr>
               <a:buFont typeface="Arial" panose="020B0604020202020204" pitchFamily="34" charset="0"/>
             </a:pPr>
             <a:r>
-              <a:rPr lang="en-US" altLang="zh-CN" sz="1800" smtClean="0"/>
+              <a:rPr lang="en-US" altLang="zh-CN" sz="1800" dirty="0"/>
               <a:t>   </a:t>
             </a:r>
             <a:r>
-              <a:rPr lang="zh-CN" altLang="en-US" sz="1800" smtClean="0"/>
+              <a:rPr lang="zh-CN" altLang="en-US" sz="1800" dirty="0"/>
               <a:t>。</a:t>
             </a:r>
             <a:r>
-              <a:rPr lang="en-US" altLang="zh-CN" sz="1800" smtClean="0"/>
-              <a:t>router.replace(),与上面相同，不会添加新的记录</a:t>
-            </a:r>
-            <a:endParaRPr lang="en-US" altLang="zh-CN" sz="1800" smtClean="0"/>
+              <a:rPr lang="en-US" altLang="zh-CN" sz="1800" dirty="0" err="1"/>
+              <a:t>router.replace</a:t>
+            </a:r>
+            <a:r>
+              <a:rPr lang="en-US" altLang="zh-CN" sz="1800" dirty="0"/>
+              <a:t>(),</a:t>
+            </a:r>
+            <a:r>
+              <a:rPr lang="en-US" altLang="zh-CN" sz="1800" dirty="0" err="1"/>
+              <a:t>与上面相同，不会添加新的记录</a:t>
+            </a:r>
+            <a:endParaRPr lang="en-US" altLang="zh-CN" sz="1800" dirty="0"/>
           </a:p>
           <a:p>
             <a:pPr marL="285750" indent="-285750">
               <a:buFont typeface="Arial" panose="020B0604020202020204" pitchFamily="34" charset="0"/>
               <a:buChar char="•"/>
             </a:pPr>
-            <a:endParaRPr lang="en-US" altLang="zh-CN" sz="1800" smtClean="0"/>
+            <a:endParaRPr lang="en-US" altLang="zh-CN" sz="1800" dirty="0"/>
           </a:p>
           <a:p>
             <a:pPr marL="285750" indent="-285750">
               <a:buFont typeface="Arial" panose="020B0604020202020204" pitchFamily="34" charset="0"/>
               <a:buChar char="•"/>
             </a:pPr>
-            <a:endParaRPr lang="en-US" altLang="zh-CN" sz="1800" smtClean="0"/>
+            <a:endParaRPr lang="en-US" altLang="zh-CN" sz="1800" dirty="0"/>
           </a:p>
         </p:txBody>
       </p:sp>
@@ -16204,7 +16260,7 @@
           <p:nvPr/>
         </p:nvPicPr>
         <p:blipFill>
-          <a:blip r:embed="rId1"/>
+          <a:blip r:embed="rId4"/>
           <a:stretch>
             <a:fillRect/>
           </a:stretch>
@@ -16228,7 +16284,7 @@
           <p:nvPr/>
         </p:nvPicPr>
         <p:blipFill>
-          <a:blip r:embed="rId2"/>
+          <a:blip r:embed="rId5"/>
           <a:stretch>
             <a:fillRect/>
           </a:stretch>
@@ -16245,7 +16301,7 @@
       </p:pic>
     </p:spTree>
     <p:custDataLst>
-      <p:tags r:id="rId3"/>
+      <p:tags r:id="rId1"/>
     </p:custDataLst>
   </p:cSld>
   <p:clrMapOvr>
@@ -16310,7 +16366,7 @@
             </a:lvl1pPr>
           </a:lstStyle>
           <a:p>
-            <a:endParaRPr sz="2400" dirty="0" smtClean="0">
+            <a:endParaRPr sz="2400" dirty="0">
               <a:solidFill>
                 <a:schemeClr val="tx1"/>
               </a:solidFill>
@@ -16480,110 +16536,141 @@
               <a:buFont typeface="Arial" panose="020B0604020202020204" pitchFamily="34" charset="0"/>
             </a:pPr>
             <a:r>
-              <a:rPr lang="en-US" altLang="zh-CN" sz="1800" smtClean="0"/>
+              <a:rPr lang="en-US" altLang="zh-CN" sz="1800" dirty="0"/>
               <a:t>   </a:t>
             </a:r>
             <a:r>
-              <a:rPr lang="zh-CN" altLang="en-US" sz="1800" smtClean="0"/>
+              <a:rPr lang="zh-CN" altLang="en-US" sz="1800" dirty="0"/>
               <a:t>。router.go(-1),表示在路由记录中前进或者后退多少步。</a:t>
             </a:r>
-            <a:endParaRPr lang="zh-CN" altLang="en-US" sz="1800" smtClean="0"/>
           </a:p>
           <a:p>
             <a:pPr>
               <a:buFont typeface="Arial" panose="020B0604020202020204" pitchFamily="34" charset="0"/>
             </a:pPr>
             <a:r>
-              <a:rPr lang="en-US" altLang="zh-CN" sz="1800" smtClean="0"/>
+              <a:rPr lang="en-US" altLang="zh-CN" sz="1800" dirty="0"/>
               <a:t>   </a:t>
             </a:r>
             <a:r>
-              <a:rPr lang="zh-CN" altLang="en-US" sz="1800" smtClean="0"/>
+              <a:rPr lang="zh-CN" altLang="en-US" sz="1800" dirty="0"/>
               <a:t>。</a:t>
             </a:r>
             <a:r>
-              <a:rPr lang="en-US" altLang="zh-CN" sz="1800" smtClean="0"/>
-              <a:t>在html &lt;template&gt;&lt;/template&gt;中，可以通过 {{$route}},获取路由配置的相关信息，从而渲染       DOM。比如： 可以将路由配置信息与页面导航栏对应，列表渲染出导航栏，</a:t>
-            </a:r>
-            <a:endParaRPr lang="en-US" altLang="zh-CN" sz="1800" smtClean="0"/>
+              <a:rPr lang="en-US" altLang="zh-CN" sz="1800" dirty="0" err="1"/>
+              <a:t>在html</a:t>
+            </a:r>
+            <a:r>
+              <a:rPr lang="en-US" altLang="zh-CN" sz="1800" dirty="0"/>
+              <a:t> &lt;template&gt;&lt;/template&gt;</a:t>
+            </a:r>
+            <a:r>
+              <a:rPr lang="en-US" altLang="zh-CN" sz="1800" dirty="0" err="1"/>
+              <a:t>中，可以通过</a:t>
+            </a:r>
+            <a:r>
+              <a:rPr lang="en-US" altLang="zh-CN" sz="1800" dirty="0"/>
+              <a:t> {{$route}},</a:t>
+            </a:r>
+            <a:r>
+              <a:rPr lang="en-US" altLang="zh-CN" sz="1800" dirty="0" err="1"/>
+              <a:t>获取路由配置的相关信息，从而渲染</a:t>
+            </a:r>
+            <a:r>
+              <a:rPr lang="en-US" altLang="zh-CN" sz="1800" dirty="0"/>
+              <a:t>       </a:t>
+            </a:r>
+            <a:r>
+              <a:rPr lang="en-US" altLang="zh-CN" sz="1800" dirty="0" err="1"/>
+              <a:t>DOM。比如</a:t>
+            </a:r>
+            <a:r>
+              <a:rPr lang="en-US" altLang="zh-CN" sz="1800" dirty="0"/>
+              <a:t>： </a:t>
+            </a:r>
+            <a:r>
+              <a:rPr lang="en-US" altLang="zh-CN" sz="1800" dirty="0" err="1"/>
+              <a:t>可以将路由配置信息与页面导航栏对应，列表渲染出导航栏</a:t>
+            </a:r>
+            <a:r>
+              <a:rPr lang="en-US" altLang="zh-CN" sz="1800" dirty="0"/>
+              <a:t>，</a:t>
+            </a:r>
           </a:p>
           <a:p>
             <a:pPr marL="285750" indent="-285750">
               <a:buFont typeface="Arial" panose="020B0604020202020204" pitchFamily="34" charset="0"/>
               <a:buChar char="•"/>
             </a:pPr>
-            <a:endParaRPr lang="en-US" altLang="zh-CN" sz="1800" smtClean="0"/>
+            <a:endParaRPr lang="en-US" altLang="zh-CN" sz="1800" dirty="0"/>
           </a:p>
           <a:p>
             <a:pPr marL="285750" indent="-285750">
               <a:buFont typeface="Arial" panose="020B0604020202020204" pitchFamily="34" charset="0"/>
               <a:buChar char="•"/>
             </a:pPr>
-            <a:endParaRPr lang="en-US" altLang="zh-CN" sz="1800" smtClean="0"/>
+            <a:endParaRPr lang="en-US" altLang="zh-CN" sz="1800" dirty="0"/>
           </a:p>
           <a:p>
             <a:pPr>
               <a:buFont typeface="Arial" panose="020B0604020202020204" pitchFamily="34" charset="0"/>
             </a:pPr>
             <a:r>
-              <a:rPr lang="en-US" altLang="zh-CN" sz="1800" smtClean="0"/>
+              <a:rPr lang="en-US" altLang="zh-CN" sz="1800" dirty="0"/>
               <a:t>  </a:t>
             </a:r>
             <a:r>
-              <a:rPr lang="zh-CN" altLang="en-US" sz="1800" smtClean="0"/>
+              <a:rPr lang="zh-CN" altLang="en-US" sz="1800" dirty="0"/>
               <a:t>。</a:t>
             </a:r>
             <a:r>
-              <a:rPr lang="en-US" altLang="zh-CN" sz="1800" smtClean="0"/>
+              <a:rPr lang="en-US" altLang="zh-CN" sz="1800" dirty="0" err="1"/>
               <a:t>在watch方法中监听$route，可以动态配置组件,不同url复用同一组件</a:t>
             </a:r>
-            <a:endParaRPr lang="en-US" altLang="zh-CN" sz="1800" smtClean="0"/>
+            <a:endParaRPr lang="en-US" altLang="zh-CN" sz="1800" dirty="0"/>
           </a:p>
           <a:p>
             <a:pPr>
               <a:buFont typeface="Arial" panose="020B0604020202020204" pitchFamily="34" charset="0"/>
             </a:pPr>
-            <a:endParaRPr lang="en-US" altLang="zh-CN" sz="1800" smtClean="0"/>
+            <a:endParaRPr lang="en-US" altLang="zh-CN" sz="1800" dirty="0"/>
           </a:p>
           <a:p>
             <a:pPr>
               <a:buFont typeface="Arial" panose="020B0604020202020204" pitchFamily="34" charset="0"/>
             </a:pPr>
-            <a:endParaRPr lang="en-US" altLang="zh-CN" sz="1800" smtClean="0"/>
+            <a:endParaRPr lang="en-US" altLang="zh-CN" sz="1800" dirty="0"/>
           </a:p>
           <a:p>
             <a:pPr>
               <a:buFont typeface="Arial" panose="020B0604020202020204" pitchFamily="34" charset="0"/>
             </a:pPr>
             <a:r>
-              <a:rPr lang="en-US" altLang="zh-CN" sz="1800" smtClean="0"/>
+              <a:rPr lang="en-US" altLang="zh-CN" sz="1800" dirty="0"/>
               <a:t>  </a:t>
             </a:r>
             <a:r>
-              <a:rPr lang="zh-CN" altLang="en-US" sz="1800" smtClean="0"/>
+              <a:rPr lang="zh-CN" altLang="en-US" sz="1800" dirty="0"/>
               <a:t>。导航守卫(路由钩子)</a:t>
             </a:r>
-            <a:endParaRPr lang="zh-CN" altLang="en-US" sz="1800" smtClean="0"/>
           </a:p>
           <a:p>
             <a:pPr>
               <a:buFont typeface="Arial" panose="020B0604020202020204" pitchFamily="34" charset="0"/>
             </a:pPr>
             <a:r>
-              <a:rPr lang="zh-CN" altLang="en-US" sz="1800" smtClean="0"/>
+              <a:rPr lang="zh-CN" altLang="en-US" sz="1800" dirty="0"/>
               <a:t>      通过注册一个全局路由钩子函数，在初始化const router = new VueRouter({})的时候，定义router.beforeEach((to,from,next)=&gt; {...}),在每次进入目标路由之前触发。配合Vuex可以非常方便的进行权限管理</a:t>
             </a:r>
-            <a:endParaRPr lang="zh-CN" altLang="en-US" sz="1800" smtClean="0"/>
           </a:p>
           <a:p>
             <a:pPr>
               <a:buFont typeface="Arial" panose="020B0604020202020204" pitchFamily="34" charset="0"/>
             </a:pPr>
             <a:r>
-              <a:rPr lang="en-US" altLang="zh-CN" sz="1800" smtClean="0"/>
+              <a:rPr lang="en-US" altLang="zh-CN" sz="1800" dirty="0"/>
               <a:t>     </a:t>
             </a:r>
-            <a:endParaRPr lang="en-US" altLang="zh-CN" sz="1800" smtClean="0"/>
           </a:p>
         </p:txBody>
       </p:sp>
@@ -16596,7 +16683,7 @@
           <p:nvPr/>
         </p:nvPicPr>
         <p:blipFill>
-          <a:blip r:embed="rId1"/>
+          <a:blip r:embed="rId4"/>
           <a:stretch>
             <a:fillRect/>
           </a:stretch>
@@ -16620,14 +16707,14 @@
           <p:nvPr/>
         </p:nvPicPr>
         <p:blipFill>
-          <a:blip r:embed="rId2"/>
+          <a:blip r:embed="rId5"/>
           <a:stretch>
             <a:fillRect/>
           </a:stretch>
         </p:blipFill>
         <p:spPr>
           <a:xfrm>
-            <a:off x="1484630" y="3028950"/>
+            <a:off x="1484630" y="3007820"/>
             <a:ext cx="3404870" cy="929640"/>
           </a:xfrm>
           <a:prstGeom prst="rect">
@@ -16644,14 +16731,14 @@
           <p:nvPr/>
         </p:nvPicPr>
         <p:blipFill>
-          <a:blip r:embed="rId3"/>
+          <a:blip r:embed="rId6"/>
           <a:stretch>
             <a:fillRect/>
           </a:stretch>
         </p:blipFill>
         <p:spPr>
           <a:xfrm>
-            <a:off x="2534920" y="5170805"/>
+            <a:off x="2526043" y="5170805"/>
             <a:ext cx="3698875" cy="1675130"/>
           </a:xfrm>
           <a:prstGeom prst="rect">
@@ -16661,7 +16748,7 @@
       </p:pic>
     </p:spTree>
     <p:custDataLst>
-      <p:tags r:id="rId4"/>
+      <p:tags r:id="rId1"/>
     </p:custDataLst>
   </p:cSld>
   <p:clrMapOvr>
@@ -16708,7 +16795,6 @@
               <a:rPr lang="en-US" altLang="zh-CN" dirty="0"/>
               <a:t>Vue-cli入门</a:t>
             </a:r>
-            <a:endParaRPr lang="en-US" altLang="zh-CN" dirty="0"/>
           </a:p>
         </p:txBody>
       </p:sp>
@@ -16741,10 +16827,9 @@
               <a:buNone/>
             </a:pPr>
             <a:r>
-              <a:rPr lang="en-US" altLang="zh-CN" sz="2000"/>
+              <a:rPr lang="en-US" altLang="zh-CN" sz="2000" dirty="0"/>
               <a:t>  </a:t>
             </a:r>
-            <a:endParaRPr lang="en-US" altLang="zh-CN" sz="2000"/>
           </a:p>
           <a:p>
             <a:pPr marL="0" indent="0">
@@ -16754,14 +16839,21 @@
               <a:buNone/>
             </a:pPr>
             <a:r>
-              <a:rPr lang="en-US" altLang="zh-CN" sz="2000"/>
-              <a:t>Vue 提供一个官方命令行工具,可用于快速搭建大型单页面应用</a:t>
-            </a:r>
-            <a:r>
-              <a:rPr lang="zh-CN" altLang="en-US" sz="2000"/>
+              <a:rPr lang="en-US" altLang="zh-CN" sz="2000" dirty="0" err="1"/>
+              <a:t>Vue</a:t>
+            </a:r>
+            <a:r>
+              <a:rPr lang="en-US" altLang="zh-CN" sz="2000" dirty="0"/>
+              <a:t> </a:t>
+            </a:r>
+            <a:r>
+              <a:rPr lang="en-US" altLang="zh-CN" sz="2000" dirty="0" err="1"/>
+              <a:t>提供一个官方命令行工具,可用于快速搭建大型单页面应用</a:t>
+            </a:r>
+            <a:r>
+              <a:rPr lang="zh-CN" altLang="en-US" sz="2000" dirty="0"/>
               <a:t>，目前已经发布到了V3.0.0-alpha.5</a:t>
             </a:r>
-            <a:endParaRPr lang="zh-CN" altLang="en-US" sz="2000"/>
           </a:p>
           <a:p>
             <a:pPr marL="0" indent="0">
@@ -16774,7 +16866,6 @@
               <a:rPr lang="zh-CN" altLang="en-US" sz="2000" dirty="0"/>
               <a:t>  </a:t>
             </a:r>
-            <a:endParaRPr lang="zh-CN" altLang="en-US" sz="2000" dirty="0"/>
           </a:p>
           <a:p>
             <a:pPr marL="0" indent="0">
@@ -16787,7 +16878,6 @@
               <a:rPr lang="zh-CN" altLang="en-US" sz="2000" dirty="0"/>
               <a:t>   </a:t>
             </a:r>
-            <a:endParaRPr lang="zh-CN" altLang="en-US" sz="2000" dirty="0"/>
           </a:p>
           <a:p>
             <a:pPr>
@@ -16799,7 +16889,6 @@
               <a:rPr lang="en-US" altLang="zh-CN" sz="2000" dirty="0"/>
               <a:t>基础配置：</a:t>
             </a:r>
-            <a:endParaRPr lang="en-US" altLang="zh-CN" sz="2000" dirty="0"/>
           </a:p>
           <a:p>
             <a:pPr marL="0" indent="0">
@@ -16844,7 +16933,6 @@
               <a:rPr lang="en-US" altLang="zh-CN" sz="2000" dirty="0"/>
               <a:t>`</a:t>
             </a:r>
-            <a:endParaRPr lang="en-US" altLang="zh-CN" sz="2000" dirty="0"/>
           </a:p>
           <a:p>
             <a:pPr marL="0" indent="0">
@@ -16857,7 +16945,6 @@
               <a:rPr lang="en-US" altLang="zh-CN" sz="2000" dirty="0"/>
               <a:t>     2.配置代理, `/config/index.js`目录下,(以代理3000端口上数据请求为例)</a:t>
             </a:r>
-            <a:endParaRPr lang="en-US" altLang="zh-CN" sz="2000" dirty="0"/>
           </a:p>
           <a:p>
             <a:pPr marL="0" indent="0">
@@ -16870,7 +16957,6 @@
               <a:rPr lang="en-US" altLang="zh-CN" sz="2000" dirty="0"/>
               <a:t>    </a:t>
             </a:r>
-            <a:endParaRPr lang="en-US" altLang="zh-CN" sz="2000" dirty="0"/>
           </a:p>
           <a:p>
             <a:pPr marL="0" indent="0">
@@ -16901,7 +16987,6 @@
               <a:rPr lang="en-US" altLang="zh-CN" sz="2000" dirty="0"/>
               <a:t>     </a:t>
             </a:r>
-            <a:endParaRPr lang="en-US" altLang="zh-CN" sz="2000" dirty="0"/>
           </a:p>
           <a:p>
             <a:pPr marL="0" indent="0">
@@ -16914,7 +16999,6 @@
               <a:rPr lang="en-US" altLang="zh-CN" sz="2000" dirty="0"/>
               <a:t>    3.生产环境关闭sourcemap,`/config/index.js`目录下,build:{} 中的`productionSourceMap`改为false</a:t>
             </a:r>
-            <a:endParaRPr lang="en-US" altLang="zh-CN" sz="2000" dirty="0"/>
           </a:p>
         </p:txBody>
       </p:sp>
@@ -16927,14 +17011,14 @@
           <p:nvPr/>
         </p:nvPicPr>
         <p:blipFill>
-          <a:blip r:embed="rId1"/>
+          <a:blip r:embed="rId4"/>
           <a:stretch>
             <a:fillRect/>
           </a:stretch>
         </p:blipFill>
         <p:spPr>
           <a:xfrm>
-            <a:off x="940435" y="2345690"/>
+            <a:off x="1296670" y="2269016"/>
             <a:ext cx="3140075" cy="525780"/>
           </a:xfrm>
           <a:prstGeom prst="rect">
@@ -16951,7 +17035,7 @@
           <p:nvPr/>
         </p:nvPicPr>
         <p:blipFill>
-          <a:blip r:embed="rId2"/>
+          <a:blip r:embed="rId5"/>
           <a:stretch>
             <a:fillRect/>
           </a:stretch>
@@ -17005,7 +17089,7 @@
       </p:cxnSp>
     </p:spTree>
     <p:custDataLst>
-      <p:tags r:id="rId3"/>
+      <p:tags r:id="rId1"/>
     </p:custDataLst>
   </p:cSld>
   <p:clrMapOvr>
@@ -17049,7 +17133,7 @@
         </p:spPr>
         <p:txBody>
           <a:bodyPr vert="horz" lIns="91440" tIns="45720" rIns="91440" bIns="45720" rtlCol="0">
-            <a:normAutofit lnSpcReduction="20000"/>
+            <a:normAutofit/>
           </a:bodyPr>
           <a:lstStyle/>
           <a:p>
@@ -17078,9 +17162,6 @@
               </a:rPr>
               <a:t>配置路径别名(alias),通常在项目中会看到诸如这样的 import Cookie from "@/util/cookie.js"的引入,@就是vue-cli中默认设置的alias</a:t>
             </a:r>
-            <a:endParaRPr lang="en-US" altLang="zh-CN" sz="2000" dirty="0">
-              <a:sym typeface="+mn-ea"/>
-            </a:endParaRPr>
           </a:p>
           <a:p>
             <a:pPr marL="0" indent="0">
@@ -17095,9 +17176,6 @@
               </a:rPr>
               <a:t>在 /build/webpack.base.conf.js/文件中,resolve对象下添加属性，指向对应的路径</a:t>
             </a:r>
-            <a:endParaRPr lang="en-US" altLang="zh-CN" sz="2000" dirty="0">
-              <a:sym typeface="+mn-ea"/>
-            </a:endParaRPr>
           </a:p>
           <a:p>
             <a:pPr marL="0" indent="0">
@@ -17110,7 +17188,6 @@
               <a:rPr lang="en-US" altLang="zh-CN" sz="2000" dirty="0"/>
               <a:t>    </a:t>
             </a:r>
-            <a:endParaRPr lang="en-US" altLang="zh-CN" sz="2000" dirty="0"/>
           </a:p>
           <a:p>
             <a:pPr marL="0" indent="0">
@@ -17123,7 +17200,6 @@
               <a:rPr lang="en-US" altLang="zh-CN" sz="2000" dirty="0"/>
               <a:t>    </a:t>
             </a:r>
-            <a:endParaRPr lang="en-US" altLang="zh-CN" sz="2000" dirty="0"/>
           </a:p>
           <a:p>
             <a:pPr marL="0" indent="0">
@@ -17136,7 +17212,6 @@
               <a:rPr lang="en-US" altLang="zh-CN" sz="2000" dirty="0"/>
               <a:t>    5.区分不同环境</a:t>
             </a:r>
-            <a:endParaRPr lang="en-US" altLang="zh-CN" sz="2000" dirty="0"/>
           </a:p>
           <a:p>
             <a:pPr marL="0" indent="0">
@@ -17157,7 +17232,6 @@
               <a:rPr lang="en-US" altLang="zh-CN" sz="2000" dirty="0"/>
               <a:t>通过process.env.NODE_ENV值区分,在 `/build/webpack.dev.conf.js` 和 `/build/webpack.prod.conf.js`中，通过</a:t>
             </a:r>
-            <a:endParaRPr lang="en-US" altLang="zh-CN" sz="2000" dirty="0"/>
           </a:p>
           <a:p>
             <a:pPr marL="0" indent="0">
@@ -17192,7 +17266,6 @@
               <a:rPr lang="en-US" altLang="zh-CN" sz="1800" dirty="0"/>
               <a:t>创建了编译时可以配置的全局常量,用来区分开发/发布/测试环境，env对应的值，可以在/config/目录下的，*.dev.js文件下配置的。然后，在其它业务代码里面，直接使用这个全局变量，比如在 main.js里面：</a:t>
             </a:r>
-            <a:endParaRPr lang="en-US" altLang="zh-CN" sz="1800" dirty="0"/>
           </a:p>
         </p:txBody>
       </p:sp>
@@ -17205,14 +17278,14 @@
           <p:nvPr/>
         </p:nvPicPr>
         <p:blipFill>
-          <a:blip r:embed="rId1"/>
+          <a:blip r:embed="rId4"/>
           <a:stretch>
             <a:fillRect/>
           </a:stretch>
         </p:blipFill>
         <p:spPr>
           <a:xfrm>
-            <a:off x="1372235" y="1919605"/>
+            <a:off x="1372235" y="2218372"/>
             <a:ext cx="3157855" cy="869315"/>
           </a:xfrm>
           <a:prstGeom prst="rect">
@@ -17229,14 +17302,14 @@
           <p:nvPr/>
         </p:nvPicPr>
         <p:blipFill>
-          <a:blip r:embed="rId2"/>
+          <a:blip r:embed="rId5"/>
           <a:stretch>
             <a:fillRect/>
           </a:stretch>
         </p:blipFill>
         <p:spPr>
           <a:xfrm>
-            <a:off x="1372235" y="4010660"/>
+            <a:off x="1372235" y="4502308"/>
             <a:ext cx="2344420" cy="609600"/>
           </a:xfrm>
           <a:prstGeom prst="rect">
@@ -17253,14 +17326,14 @@
           <p:nvPr/>
         </p:nvPicPr>
         <p:blipFill>
-          <a:blip r:embed="rId3"/>
+          <a:blip r:embed="rId6"/>
           <a:stretch>
             <a:fillRect/>
           </a:stretch>
         </p:blipFill>
         <p:spPr>
           <a:xfrm>
-            <a:off x="1372235" y="5808980"/>
+            <a:off x="1565435" y="6244589"/>
             <a:ext cx="2956560" cy="563880"/>
           </a:xfrm>
           <a:prstGeom prst="rect">
@@ -17270,7 +17343,7 @@
       </p:pic>
     </p:spTree>
     <p:custDataLst>
-      <p:tags r:id="rId4"/>
+      <p:tags r:id="rId1"/>
     </p:custDataLst>
   </p:cSld>
   <p:clrMapOvr>
@@ -17314,7 +17387,7 @@
         </p:spPr>
         <p:txBody>
           <a:bodyPr vert="horz" lIns="91440" tIns="45720" rIns="91440" bIns="45720" rtlCol="0">
-            <a:normAutofit lnSpcReduction="20000"/>
+            <a:normAutofit/>
           </a:bodyPr>
           <a:lstStyle/>
           <a:p>
@@ -17328,7 +17401,6 @@
               <a:rPr lang="en-US" altLang="zh-CN" sz="2000" dirty="0"/>
               <a:t>     </a:t>
             </a:r>
-            <a:endParaRPr lang="en-US" altLang="zh-CN" sz="2000" dirty="0"/>
           </a:p>
           <a:p>
             <a:pPr marL="0" indent="0">
@@ -17350,7 +17422,6 @@
               <a:rPr lang="zh-CN" altLang="en-US" sz="2000" dirty="0"/>
               <a:t>   </a:t>
             </a:r>
-            <a:endParaRPr lang="zh-CN" altLang="en-US" sz="2000" dirty="0"/>
           </a:p>
           <a:p>
             <a:pPr marL="0" indent="0">
@@ -17367,7 +17438,6 @@
               <a:rPr lang="en-US" altLang="zh-CN" sz="2000" dirty="0"/>
               <a:t>通过命令行区分不同环境</a:t>
             </a:r>
-            <a:endParaRPr lang="en-US" altLang="zh-CN" sz="2000" dirty="0"/>
           </a:p>
           <a:p>
             <a:pPr marL="0" indent="0">
@@ -17380,7 +17450,6 @@
               <a:rPr lang="en-US" altLang="zh-CN" sz="2000" dirty="0"/>
               <a:t>          同样使用上面的方法，添加一个全局变量，不同的是从命令行中获取参数。</a:t>
             </a:r>
-            <a:endParaRPr lang="en-US" altLang="zh-CN" sz="2000" dirty="0"/>
           </a:p>
           <a:p>
             <a:pPr marL="0" indent="0">
@@ -17391,9 +17460,20 @@
             </a:pPr>
             <a:r>
               <a:rPr lang="en-US" altLang="zh-CN" sz="2000" dirty="0"/>
-              <a:t>比如，打包时还区分 发布环境 和 预发环境，就可以修改如下，</a:t>
-            </a:r>
-            <a:endParaRPr lang="en-US" altLang="zh-CN" sz="2000" dirty="0"/>
+              <a:t>比如，打包时还区分 发布环境 和 </a:t>
+            </a:r>
+            <a:r>
+              <a:rPr lang="zh-CN" altLang="en-US" sz="2000" dirty="0"/>
+              <a:t>测试</a:t>
+            </a:r>
+            <a:r>
+              <a:rPr lang="en-US" altLang="zh-CN" sz="2000" dirty="0" err="1"/>
+              <a:t>环境，就可以修改如下</a:t>
+            </a:r>
+            <a:r>
+              <a:rPr lang="en-US" altLang="zh-CN" sz="2000" dirty="0"/>
+              <a:t>，</a:t>
+            </a:r>
           </a:p>
           <a:p>
             <a:pPr marL="0" indent="0">
@@ -17431,9 +17511,24 @@
             </a:pPr>
             <a:r>
               <a:rPr lang="en-US" altLang="zh-CN" sz="2000" dirty="0"/>
-              <a:t>         在命令行中打包时，可以使用 npm run build --env sit,在业务代码中，通过全局变量VERSION,同样可以区分不同环境。</a:t>
-            </a:r>
-            <a:endParaRPr lang="en-US" altLang="zh-CN" sz="2000" dirty="0"/>
+              <a:t>         在命令行中打包时，可以使用 npm run build --</a:t>
+            </a:r>
+            <a:r>
+              <a:rPr lang="en-US" altLang="zh-CN" sz="2000" dirty="0" err="1"/>
+              <a:t>env</a:t>
+            </a:r>
+            <a:r>
+              <a:rPr lang="en-US" altLang="zh-CN" sz="2000" dirty="0"/>
+              <a:t> </a:t>
+            </a:r>
+            <a:r>
+              <a:rPr lang="en-US" altLang="zh-CN" sz="2000" dirty="0" err="1"/>
+              <a:t>test,在业务代码中，通过全局变量VERSION,同样可以区分不同环境</a:t>
+            </a:r>
+            <a:r>
+              <a:rPr lang="en-US" altLang="zh-CN" sz="2000" dirty="0"/>
+              <a:t>。</a:t>
+            </a:r>
           </a:p>
           <a:p>
             <a:pPr marL="0" indent="0">
@@ -17477,14 +17572,14 @@
           <p:nvPr/>
         </p:nvPicPr>
         <p:blipFill>
-          <a:blip r:embed="rId1"/>
+          <a:blip r:embed="rId4"/>
           <a:stretch>
             <a:fillRect/>
           </a:stretch>
         </p:blipFill>
         <p:spPr>
           <a:xfrm>
-            <a:off x="1645285" y="3074670"/>
+            <a:off x="1636407" y="3429000"/>
             <a:ext cx="3078480" cy="708660"/>
           </a:xfrm>
           <a:prstGeom prst="rect">
@@ -17494,7 +17589,7 @@
       </p:pic>
     </p:spTree>
     <p:custDataLst>
-      <p:tags r:id="rId2"/>
+      <p:tags r:id="rId1"/>
     </p:custDataLst>
   </p:cSld>
   <p:clrMapOvr>
@@ -17533,7 +17628,7 @@
         <p:spPr/>
         <p:txBody>
           <a:bodyPr>
-            <a:normAutofit fontScale="90000"/>
+            <a:normAutofit/>
           </a:bodyPr>
           <a:lstStyle/>
           <a:p>
@@ -17553,13 +17648,6 @@
   <p:clrMapOvr>
     <a:masterClrMapping/>
   </p:clrMapOvr>
-  <p:timing>
-    <p:tnLst>
-      <p:par>
-        <p:cTn id="1" dur="indefinite" restart="never" nodeType="tmRoot"/>
-      </p:par>
-    </p:tnLst>
-  </p:timing>
 </p:sld>
 </file>
 
@@ -17598,17 +17686,16 @@
           <a:lstStyle/>
           <a:p>
             <a:r>
-              <a:rPr lang="en-US" altLang="zh-CN" dirty="0" smtClean="0"/>
+              <a:rPr lang="en-US" altLang="zh-CN" dirty="0"/>
               <a:t>A Progressive Framework </a:t>
             </a:r>
             <a:br>
-              <a:rPr lang="en-US" altLang="zh-CN" dirty="0" smtClean="0"/>
+              <a:rPr lang="en-US" altLang="zh-CN" dirty="0"/>
             </a:br>
             <a:r>
-              <a:rPr lang="en-US" altLang="zh-CN" sz="2800" dirty="0" smtClean="0"/>
+              <a:rPr lang="en-US" altLang="zh-CN" sz="2800" dirty="0"/>
               <a:t>渐进式框架</a:t>
             </a:r>
-            <a:endParaRPr lang="en-US" altLang="zh-CN" sz="2800" dirty="0" smtClean="0"/>
           </a:p>
         </p:txBody>
       </p:sp>
@@ -17642,7 +17729,6 @@
               <a:rPr lang="en-US" altLang="zh-CN" sz="2000" dirty="0"/>
               <a:t> 这就要得益于Vue主张的 渐进式。</a:t>
             </a:r>
-            <a:endParaRPr lang="en-US" altLang="zh-CN" sz="2000" dirty="0"/>
           </a:p>
           <a:p>
             <a:pPr marL="0" indent="0">
@@ -17676,7 +17762,6 @@
               <a:rPr lang="en-US" altLang="zh-CN" sz="2000" dirty="0"/>
               <a:t>就是框架做分层设计，每层都可选，可以单独引入，为不同的业务需求制定灵活的方案。主张最少，不会多做职责以外的事。</a:t>
             </a:r>
-            <a:endParaRPr lang="en-US" altLang="zh-CN" sz="2000" dirty="0"/>
           </a:p>
           <a:p>
             <a:pPr algn="just"/>
@@ -17688,7 +17773,6 @@
               <a:rPr lang="en-US" altLang="zh-CN" sz="2000"/>
               <a:t>Vue设计上包括的解决方案很多，但是使用者完全不需要一上手，就把所有东西全都用上，因为完全没有必要，一般都是根据项目的复杂度，在核心的基础上任意选用其他的部件，不一定要全部整合在一起。</a:t>
             </a:r>
-            <a:endParaRPr lang="en-US" altLang="zh-CN" sz="2000"/>
           </a:p>
         </p:txBody>
       </p:sp>
@@ -17701,7 +17785,7 @@
           <p:nvPr/>
         </p:nvPicPr>
         <p:blipFill>
-          <a:blip r:embed="rId1"/>
+          <a:blip r:embed="rId4"/>
           <a:stretch>
             <a:fillRect/>
           </a:stretch>
@@ -17755,7 +17839,7 @@
       </p:cxnSp>
     </p:spTree>
     <p:custDataLst>
-      <p:tags r:id="rId2"/>
+      <p:tags r:id="rId1"/>
     </p:custDataLst>
   </p:cSld>
   <p:clrMapOvr>
@@ -17802,7 +17886,6 @@
               <a:rPr lang="en-US" altLang="zh-CN" dirty="0"/>
               <a:t>声明式渲染</a:t>
             </a:r>
-            <a:endParaRPr lang="en-US" altLang="zh-CN" dirty="0"/>
           </a:p>
         </p:txBody>
       </p:sp>
@@ -17832,7 +17915,6 @@
               <a:rPr lang="en-US" altLang="zh-CN" sz="2000"/>
               <a:t>DOM状态只是数据状态的一个映射，基本所有的框架都已经认同了这个看法，Vue也是主张 数据驱动状态。</a:t>
             </a:r>
-            <a:endParaRPr lang="en-US" altLang="zh-CN" sz="2000"/>
           </a:p>
           <a:p>
             <a:pPr>
@@ -17852,7 +17934,6 @@
               <a:rPr lang="en-US" altLang="zh-CN" sz="2000"/>
               <a:t>采用了双向数据绑定的思想，基本可以分为三层：</a:t>
             </a:r>
-            <a:endParaRPr lang="en-US" altLang="zh-CN" sz="2000"/>
           </a:p>
           <a:p>
             <a:pPr marL="0" indent="0">
@@ -17865,7 +17946,6 @@
               <a:rPr lang="en-US" altLang="zh-CN" sz="2000"/>
               <a:t>        1.M(Model,模型层)，负责业务数据相关。</a:t>
             </a:r>
-            <a:endParaRPr lang="en-US" altLang="zh-CN" sz="2000"/>
           </a:p>
           <a:p>
             <a:pPr marL="0" indent="0">
@@ -17878,7 +17958,6 @@
               <a:rPr lang="en-US" altLang="zh-CN" sz="2000"/>
               <a:t>        2.V(View,视图层)，视图相关，展示给用户的交互界面，同时捕获用户的操作</a:t>
             </a:r>
-            <a:endParaRPr lang="en-US" altLang="zh-CN" sz="2000"/>
           </a:p>
           <a:p>
             <a:pPr marL="0" indent="0">
@@ -17891,7 +17970,6 @@
               <a:rPr lang="en-US" altLang="zh-CN" sz="2000"/>
               <a:t>        3. VM(ViewModel, V与M连接的桥梁，也可以看做控制器)。</a:t>
             </a:r>
-            <a:endParaRPr lang="en-US" altLang="zh-CN" sz="2000"/>
           </a:p>
           <a:p>
             <a:pPr>
@@ -18007,7 +18085,7 @@
           <p:nvPr/>
         </p:nvPicPr>
         <p:blipFill>
-          <a:blip r:embed="rId1"/>
+          <a:blip r:embed="rId4"/>
           <a:stretch>
             <a:fillRect/>
           </a:stretch>
@@ -18061,7 +18139,7 @@
       </p:cxnSp>
     </p:spTree>
     <p:custDataLst>
-      <p:tags r:id="rId2"/>
+      <p:tags r:id="rId1"/>
     </p:custDataLst>
   </p:cSld>
   <p:clrMapOvr>
@@ -18093,7 +18171,7 @@
           <p:cNvGrpSpPr/>
           <p:nvPr>
             <p:custDataLst>
-              <p:tags r:id="rId1"/>
+              <p:tags r:id="rId2"/>
             </p:custDataLst>
           </p:nvPr>
         </p:nvGrpSpPr>
@@ -18111,7 +18189,7 @@
             <p:cNvSpPr/>
             <p:nvPr>
               <p:custDataLst>
-                <p:tags r:id="rId2"/>
+                <p:tags r:id="rId12"/>
               </p:custDataLst>
             </p:nvPr>
           </p:nvSpPr>
@@ -18208,7 +18286,7 @@
             <p:cNvSpPr/>
             <p:nvPr>
               <p:custDataLst>
-                <p:tags r:id="rId3"/>
+                <p:tags r:id="rId13"/>
               </p:custDataLst>
             </p:nvPr>
           </p:nvSpPr>
@@ -18324,7 +18402,7 @@
             <p:cNvSpPr txBox="1"/>
             <p:nvPr>
               <p:custDataLst>
-                <p:tags r:id="rId4"/>
+                <p:tags r:id="rId14"/>
               </p:custDataLst>
             </p:nvPr>
           </p:nvSpPr>
@@ -18357,11 +18435,6 @@
                 </a:rPr>
                 <a:t>ViewModel  是Vue.js的核心，它是一个Vue实例，作用在某个HTML元素上，一般都是指定 id= app的元素，图中 的DOM listeners 和Data Bindings可以看做两个工具，它们是实现双向数据绑定的关键。</a:t>
               </a:r>
-              <a:endParaRPr lang="en-US" altLang="zh-CN" sz="1600" dirty="0">
-                <a:solidFill>
-                  <a:schemeClr val="tx1"/>
-                </a:solidFill>
-              </a:endParaRPr>
             </a:p>
           </p:txBody>
         </p:sp>
@@ -18372,7 +18445,7 @@
           <p:cNvGrpSpPr/>
           <p:nvPr>
             <p:custDataLst>
-              <p:tags r:id="rId5"/>
+              <p:tags r:id="rId3"/>
             </p:custDataLst>
           </p:nvPr>
         </p:nvGrpSpPr>
@@ -18390,7 +18463,7 @@
             <p:cNvSpPr/>
             <p:nvPr>
               <p:custDataLst>
-                <p:tags r:id="rId6"/>
+                <p:tags r:id="rId9"/>
               </p:custDataLst>
             </p:nvPr>
           </p:nvSpPr>
@@ -18487,7 +18560,7 @@
             <p:cNvSpPr/>
             <p:nvPr>
               <p:custDataLst>
-                <p:tags r:id="rId7"/>
+                <p:tags r:id="rId10"/>
               </p:custDataLst>
             </p:nvPr>
           </p:nvSpPr>
@@ -18603,7 +18676,7 @@
             <p:cNvSpPr txBox="1"/>
             <p:nvPr>
               <p:custDataLst>
-                <p:tags r:id="rId8"/>
+                <p:tags r:id="rId11"/>
               </p:custDataLst>
             </p:nvPr>
           </p:nvSpPr>
@@ -18636,11 +18709,6 @@
                 </a:rPr>
                 <a:t>从用户(View)角度看，DOM Listeners利用在相应的元素上添加事件绑定，捕获用户的点击，滑动等手势动作，在事件流中改变对应的Model。比如 常用的 v-model 指令，就是捕获表单元素的input，change等事件，改变相应的绑定值。</a:t>
               </a:r>
-              <a:endParaRPr lang="en-US" altLang="zh-CN" sz="1600" dirty="0">
-                <a:solidFill>
-                  <a:schemeClr val="tx1"/>
-                </a:solidFill>
-              </a:endParaRPr>
             </a:p>
           </p:txBody>
         </p:sp>
@@ -18651,7 +18719,7 @@
           <p:cNvGrpSpPr/>
           <p:nvPr>
             <p:custDataLst>
-              <p:tags r:id="rId9"/>
+              <p:tags r:id="rId4"/>
             </p:custDataLst>
           </p:nvPr>
         </p:nvGrpSpPr>
@@ -18669,7 +18737,7 @@
             <p:cNvSpPr/>
             <p:nvPr>
               <p:custDataLst>
-                <p:tags r:id="rId10"/>
+                <p:tags r:id="rId6"/>
               </p:custDataLst>
             </p:nvPr>
           </p:nvSpPr>
@@ -18766,7 +18834,7 @@
             <p:cNvSpPr/>
             <p:nvPr>
               <p:custDataLst>
-                <p:tags r:id="rId11"/>
+                <p:tags r:id="rId7"/>
               </p:custDataLst>
             </p:nvPr>
           </p:nvSpPr>
@@ -18882,7 +18950,7 @@
             <p:cNvSpPr txBox="1"/>
             <p:nvPr>
               <p:custDataLst>
-                <p:tags r:id="rId12"/>
+                <p:tags r:id="rId8"/>
               </p:custDataLst>
             </p:nvPr>
           </p:nvSpPr>
@@ -18915,11 +18983,6 @@
                 </a:rPr>
                 <a:t>从Model方向看，Data Bindings则将操作的数据变化，反应到view上。比如通过ajax 从后台获取的数据，可以刷新数据列表，反应到用户界面。这也是实现双向数据绑定的关键。</a:t>
               </a:r>
-              <a:endParaRPr lang="en-US" altLang="zh-CN" sz="1600" dirty="0">
-                <a:solidFill>
-                  <a:schemeClr val="tx1"/>
-                </a:solidFill>
-              </a:endParaRPr>
             </a:p>
           </p:txBody>
         </p:sp>
@@ -18930,7 +18993,7 @@
           <p:cNvCxnSpPr/>
           <p:nvPr>
             <p:custDataLst>
-              <p:tags r:id="rId13"/>
+              <p:tags r:id="rId5"/>
             </p:custDataLst>
           </p:nvPr>
         </p:nvCxnSpPr>
@@ -18967,7 +19030,7 @@
           <p:nvPr/>
         </p:nvPicPr>
         <p:blipFill>
-          <a:blip r:embed="rId14"/>
+          <a:blip r:embed="rId17"/>
           <a:stretch>
             <a:fillRect/>
           </a:stretch>
@@ -18984,19 +19047,12 @@
       </p:pic>
     </p:spTree>
     <p:custDataLst>
-      <p:tags r:id="rId15"/>
+      <p:tags r:id="rId1"/>
     </p:custDataLst>
   </p:cSld>
   <p:clrMapOvr>
     <a:masterClrMapping/>
   </p:clrMapOvr>
-  <p:timing>
-    <p:tnLst>
-      <p:par>
-        <p:cTn id="1" dur="indefinite" restart="never" nodeType="tmRoot"/>
-      </p:par>
-    </p:tnLst>
-  </p:timing>
 </p:sld>
 </file>
 
@@ -19036,7 +19092,6 @@
               <a:rPr lang="en-US" altLang="zh-CN" dirty="0"/>
               <a:t>常用基础语法</a:t>
             </a:r>
-            <a:endParaRPr lang="en-US" altLang="zh-CN" dirty="0"/>
           </a:p>
         </p:txBody>
       </p:sp>
@@ -19064,7 +19119,6 @@
               <a:rPr lang="en-US" altLang="zh-CN" sz="2000"/>
               <a:t>hello world </a:t>
             </a:r>
-            <a:endParaRPr lang="en-US" altLang="zh-CN" sz="2000"/>
           </a:p>
           <a:p>
             <a:pPr>
@@ -19080,7 +19134,6 @@
               <a:rPr lang="en-US" altLang="zh-CN" sz="1800" dirty="0"/>
               <a:t>这样就简单创建了一个Vue 应用，数据message 和DOM页面产生了关联，类似html模板引擎，把相应的数据渲染到页面中。</a:t>
             </a:r>
-            <a:endParaRPr lang="en-US" altLang="zh-CN" sz="1800" dirty="0"/>
           </a:p>
         </p:txBody>
       </p:sp>
@@ -19088,14 +19141,14 @@
         <p:nvPicPr>
           <p:cNvPr id="3" name="图片占位符 2" descr="hello"/>
           <p:cNvPicPr>
-            <a:picLocks noChangeAspect="1"/>
+            <a:picLocks noGrp="1" noChangeAspect="1"/>
           </p:cNvPicPr>
           <p:nvPr>
             <p:ph type="pic" idx="1"/>
           </p:nvPr>
         </p:nvPicPr>
         <p:blipFill>
-          <a:blip r:embed="rId1"/>
+          <a:blip r:embed="rId4"/>
           <a:stretch>
             <a:fillRect/>
           </a:stretch>
@@ -19149,7 +19202,7 @@
       </p:cxnSp>
     </p:spTree>
     <p:custDataLst>
-      <p:tags r:id="rId2"/>
+      <p:tags r:id="rId1"/>
     </p:custDataLst>
   </p:cSld>
   <p:clrMapOvr>
@@ -19214,7 +19267,7 @@
             </a:lvl1pPr>
           </a:lstStyle>
           <a:p>
-            <a:endParaRPr lang="en-US" altLang="zh-CN" sz="2400" dirty="0" smtClean="0">
+            <a:endParaRPr lang="en-US" altLang="zh-CN" sz="2400" dirty="0">
               <a:solidFill>
                 <a:schemeClr val="tx1"/>
               </a:solidFill>
@@ -19222,18 +19275,13 @@
           </a:p>
           <a:p>
             <a:r>
-              <a:rPr lang="en-US" altLang="zh-CN" sz="2400" dirty="0" smtClean="0">
+              <a:rPr lang="en-US" altLang="zh-CN" sz="2400" dirty="0">
                 <a:solidFill>
                   <a:schemeClr val="tx1"/>
                 </a:solidFill>
               </a:rPr>
               <a:t>指令</a:t>
             </a:r>
-            <a:endParaRPr lang="en-US" altLang="zh-CN" sz="2400" dirty="0" smtClean="0">
-              <a:solidFill>
-                <a:schemeClr val="tx1"/>
-              </a:solidFill>
-            </a:endParaRPr>
           </a:p>
         </p:txBody>
       </p:sp>
@@ -19396,13 +19444,32 @@
           </a:lstStyle>
           <a:p>
             <a:r>
-              <a:rPr lang="en-US" altLang="zh-CN" sz="1800" smtClean="0"/>
-              <a:t>指令 (Directives) 是带有 v- 前缀的特殊属性，这些特殊属性可以响应式的作用域DOM,</a:t>
-            </a:r>
-            <a:endParaRPr lang="en-US" altLang="zh-CN" sz="1800" smtClean="0"/>
-          </a:p>
-          <a:p>
-            <a:endParaRPr lang="en-US" altLang="zh-CN" sz="1800" smtClean="0"/>
+              <a:rPr lang="en-US" altLang="zh-CN" sz="1800" dirty="0" err="1"/>
+              <a:t>指令</a:t>
+            </a:r>
+            <a:r>
+              <a:rPr lang="en-US" altLang="zh-CN" sz="1800" dirty="0"/>
+              <a:t> (Directives) </a:t>
+            </a:r>
+            <a:r>
+              <a:rPr lang="en-US" altLang="zh-CN" sz="1800" dirty="0" err="1"/>
+              <a:t>是带有</a:t>
+            </a:r>
+            <a:r>
+              <a:rPr lang="en-US" altLang="zh-CN" sz="1800" dirty="0"/>
+              <a:t> v- </a:t>
+            </a:r>
+            <a:r>
+              <a:rPr lang="en-US" altLang="zh-CN" sz="1800" dirty="0" err="1"/>
+              <a:t>前缀的特殊属性，这些特殊属性可以响应式的作用域DOM</a:t>
+            </a:r>
+            <a:r>
+              <a:rPr lang="en-US" altLang="zh-CN" sz="1800" dirty="0"/>
+              <a:t>,</a:t>
+            </a:r>
+          </a:p>
+          <a:p>
+            <a:endParaRPr lang="en-US" altLang="zh-CN" sz="1800" dirty="0"/>
           </a:p>
           <a:p>
             <a:pPr marL="285750" indent="-285750">
@@ -19410,18 +19477,90 @@
               <a:buChar char="•"/>
             </a:pPr>
             <a:r>
-              <a:rPr lang="en-US" altLang="zh-CN" sz="1800" smtClean="0"/>
+              <a:rPr lang="en-US" altLang="zh-CN" sz="1800" dirty="0"/>
               <a:t> v-if </a:t>
             </a:r>
             <a:r>
-              <a:rPr lang="zh-CN" altLang="en-US" sz="1800" smtClean="0"/>
+              <a:rPr lang="zh-CN" altLang="en-US" sz="1800" dirty="0"/>
               <a:t>，</a:t>
             </a:r>
             <a:r>
-              <a:rPr lang="en-US" altLang="zh-CN" sz="1800" smtClean="0"/>
-              <a:t>接受Boolean 类型, 比如： &lt;p v-if = "seen"&gt;现在你看到我了&lt;/p&gt; ，通过seen的真假来插入/移除&lt; p&gt;元素。 这里判断的时候使用 === 全等，seen = “false” 的时候，也会插入</a:t>
-            </a:r>
-            <a:endParaRPr lang="en-US" altLang="zh-CN" sz="1800" smtClean="0"/>
+              <a:rPr lang="en-US" altLang="zh-CN" sz="1800" dirty="0" err="1"/>
+              <a:t>接受Boolean</a:t>
+            </a:r>
+            <a:r>
+              <a:rPr lang="en-US" altLang="zh-CN" sz="1800" dirty="0"/>
+              <a:t> </a:t>
+            </a:r>
+            <a:r>
+              <a:rPr lang="en-US" altLang="zh-CN" sz="1800" dirty="0" err="1"/>
+              <a:t>类型</a:t>
+            </a:r>
+            <a:r>
+              <a:rPr lang="en-US" altLang="zh-CN" sz="1800" dirty="0"/>
+              <a:t>, </a:t>
+            </a:r>
+            <a:r>
+              <a:rPr lang="en-US" altLang="zh-CN" sz="1800" dirty="0" err="1"/>
+              <a:t>比如</a:t>
+            </a:r>
+            <a:r>
+              <a:rPr lang="en-US" altLang="zh-CN" sz="1800" dirty="0"/>
+              <a:t>： &lt;p v-if = "seen"&gt;</a:t>
+            </a:r>
+            <a:r>
+              <a:rPr lang="en-US" altLang="zh-CN" sz="1800" dirty="0" err="1"/>
+              <a:t>现在你看到我了</a:t>
+            </a:r>
+            <a:r>
+              <a:rPr lang="en-US" altLang="zh-CN" sz="1800" dirty="0"/>
+              <a:t>&lt;/p&gt; ，</a:t>
+            </a:r>
+            <a:r>
+              <a:rPr lang="en-US" altLang="zh-CN" sz="1800" dirty="0" err="1"/>
+              <a:t>通过seen的真假来插入</a:t>
+            </a:r>
+            <a:r>
+              <a:rPr lang="en-US" altLang="zh-CN" sz="1800" dirty="0"/>
+              <a:t>/</a:t>
+            </a:r>
+            <a:r>
+              <a:rPr lang="en-US" altLang="zh-CN" sz="1800" dirty="0" err="1"/>
+              <a:t>移除</a:t>
+            </a:r>
+            <a:r>
+              <a:rPr lang="en-US" altLang="zh-CN" sz="1800" dirty="0"/>
+              <a:t>&lt; p&gt;</a:t>
+            </a:r>
+            <a:r>
+              <a:rPr lang="en-US" altLang="zh-CN" sz="1800" dirty="0" err="1"/>
+              <a:t>元素</a:t>
+            </a:r>
+            <a:r>
+              <a:rPr lang="en-US" altLang="zh-CN" sz="1800" dirty="0"/>
+              <a:t>。 </a:t>
+            </a:r>
+            <a:r>
+              <a:rPr lang="en-US" altLang="zh-CN" sz="1800" dirty="0" err="1"/>
+              <a:t>这里判断的时候使用</a:t>
+            </a:r>
+            <a:r>
+              <a:rPr lang="en-US" altLang="zh-CN" sz="1800" dirty="0"/>
+              <a:t> === </a:t>
+            </a:r>
+            <a:r>
+              <a:rPr lang="en-US" altLang="zh-CN" sz="1800" dirty="0" err="1"/>
+              <a:t>全等，seen</a:t>
+            </a:r>
+            <a:r>
+              <a:rPr lang="en-US" altLang="zh-CN" sz="1800" dirty="0"/>
+              <a:t> = “false” </a:t>
+            </a:r>
+            <a:r>
+              <a:rPr lang="en-US" altLang="zh-CN" sz="1800" dirty="0" err="1"/>
+              <a:t>的时候，也会插入</a:t>
+            </a:r>
+            <a:endParaRPr lang="en-US" altLang="zh-CN" sz="1800" dirty="0"/>
           </a:p>
           <a:p>
             <a:pPr marL="285750" indent="-285750">
@@ -19429,10 +19568,113 @@
               <a:buChar char="•"/>
             </a:pPr>
             <a:r>
-              <a:rPr lang="en-US" altLang="zh-CN" sz="1800" smtClean="0"/>
-              <a:t> v-bind,响应式的更新HTM属性。完整形式&lt;a v-bind:href="url"&gt;...&lt;/a&gt; 。 缩写形式&lt;a :href="url"&gt;...&lt;/a&gt;。 常用于改变dom的style, class ,href ,src 等属性。 动态绑定的属性可以写成 :属性名="属性值"</a:t>
-            </a:r>
-            <a:endParaRPr lang="en-US" altLang="zh-CN" sz="1800" smtClean="0"/>
+              <a:rPr lang="en-US" altLang="zh-CN" sz="1800" dirty="0"/>
+              <a:t> </a:t>
+            </a:r>
+            <a:r>
+              <a:rPr lang="en-US" altLang="zh-CN" sz="1800" dirty="0" err="1"/>
+              <a:t>v-bind,响应式的更新HTM属性。完整形式</a:t>
+            </a:r>
+            <a:r>
+              <a:rPr lang="en-US" altLang="zh-CN" sz="1800" dirty="0"/>
+              <a:t>&lt;a </a:t>
+            </a:r>
+            <a:r>
+              <a:rPr lang="en-US" altLang="zh-CN" sz="1800" dirty="0" err="1"/>
+              <a:t>v-bind:href</a:t>
+            </a:r>
+            <a:r>
+              <a:rPr lang="en-US" altLang="zh-CN" sz="1800" dirty="0"/>
+              <a:t>="</a:t>
+            </a:r>
+            <a:r>
+              <a:rPr lang="en-US" altLang="zh-CN" sz="1800" dirty="0" err="1"/>
+              <a:t>url</a:t>
+            </a:r>
+            <a:r>
+              <a:rPr lang="en-US" altLang="zh-CN" sz="1800" dirty="0"/>
+              <a:t>"&gt;...&lt;/a&gt; 。 </a:t>
+            </a:r>
+            <a:r>
+              <a:rPr lang="en-US" altLang="zh-CN" sz="1800" dirty="0" err="1"/>
+              <a:t>缩写形式</a:t>
+            </a:r>
+            <a:r>
+              <a:rPr lang="en-US" altLang="zh-CN" sz="1800" dirty="0"/>
+              <a:t>&lt;a :</a:t>
+            </a:r>
+            <a:r>
+              <a:rPr lang="en-US" altLang="zh-CN" sz="1800" dirty="0" err="1"/>
+              <a:t>href</a:t>
+            </a:r>
+            <a:r>
+              <a:rPr lang="en-US" altLang="zh-CN" sz="1800" dirty="0"/>
+              <a:t>="</a:t>
+            </a:r>
+            <a:r>
+              <a:rPr lang="en-US" altLang="zh-CN" sz="1800" dirty="0" err="1"/>
+              <a:t>url</a:t>
+            </a:r>
+            <a:r>
+              <a:rPr lang="en-US" altLang="zh-CN" sz="1800" dirty="0"/>
+              <a:t>"&gt;...&lt;/a&gt;。 </a:t>
+            </a:r>
+            <a:r>
+              <a:rPr lang="en-US" altLang="zh-CN" sz="1800" dirty="0" err="1"/>
+              <a:t>常用于改变dom的style</a:t>
+            </a:r>
+            <a:r>
+              <a:rPr lang="en-US" altLang="zh-CN" sz="1800" dirty="0"/>
+              <a:t>, class ,</a:t>
+            </a:r>
+            <a:r>
+              <a:rPr lang="en-US" altLang="zh-CN" sz="1800" dirty="0" err="1"/>
+              <a:t>href</a:t>
+            </a:r>
+            <a:r>
+              <a:rPr lang="en-US" altLang="zh-CN" sz="1800" dirty="0"/>
+              <a:t> ,</a:t>
+            </a:r>
+            <a:r>
+              <a:rPr lang="en-US" altLang="zh-CN" sz="1800" dirty="0" err="1"/>
+              <a:t>src</a:t>
+            </a:r>
+            <a:r>
+              <a:rPr lang="en-US" altLang="zh-CN" sz="1800" dirty="0"/>
+              <a:t> </a:t>
+            </a:r>
+            <a:r>
+              <a:rPr lang="en-US" altLang="zh-CN" sz="1800" dirty="0" err="1"/>
+              <a:t>等属性</a:t>
+            </a:r>
+            <a:r>
+              <a:rPr lang="en-US" altLang="zh-CN" sz="1800" dirty="0"/>
+              <a:t>。 </a:t>
+            </a:r>
+            <a:r>
+              <a:rPr lang="en-US" altLang="zh-CN" sz="1800" dirty="0" err="1"/>
+              <a:t>动态绑定的属性可以写成</a:t>
+            </a:r>
+            <a:r>
+              <a:rPr lang="en-US" altLang="zh-CN" sz="1800" dirty="0"/>
+              <a:t> :</a:t>
+            </a:r>
+            <a:r>
+              <a:rPr lang="en-US" altLang="zh-CN" sz="1800" dirty="0" err="1"/>
+              <a:t>属性名</a:t>
+            </a:r>
+            <a:r>
+              <a:rPr lang="en-US" altLang="zh-CN" sz="1800" dirty="0"/>
+              <a:t>="</a:t>
+            </a:r>
+            <a:r>
+              <a:rPr lang="en-US" altLang="zh-CN" sz="1800" dirty="0" err="1"/>
+              <a:t>属性值</a:t>
+            </a:r>
+            <a:r>
+              <a:rPr lang="en-US" altLang="zh-CN" sz="1800" dirty="0"/>
+              <a:t>"</a:t>
+            </a:r>
           </a:p>
           <a:p>
             <a:pPr marL="285750" indent="-285750">
@@ -19440,10 +19682,78 @@
               <a:buChar char="•"/>
             </a:pPr>
             <a:r>
-              <a:rPr lang="en-US" altLang="zh-CN" sz="1800" smtClean="0"/>
-              <a:t> v-on，绑定点击事件,比如完整形式&lt;a v-on:click="doSomething"&gt;...&lt;/a&gt;，简写形式 &lt;a @click="doSomething"&gt;...&lt;/a&gt;, doSomething对应的指向methods里面定义的函数。 注意，除非在需要传递参数的时候，写成 @click = "doSomething($event,args1,args2)",$event代表事件对象，args代表自定义参数</a:t>
-            </a:r>
-            <a:endParaRPr lang="en-US" altLang="zh-CN" sz="1800" smtClean="0"/>
+              <a:rPr lang="en-US" altLang="zh-CN" sz="1800" dirty="0"/>
+              <a:t> </a:t>
+            </a:r>
+            <a:r>
+              <a:rPr lang="en-US" altLang="zh-CN" sz="1800" dirty="0" err="1"/>
+              <a:t>v-on，绑定事件,比如完整形式</a:t>
+            </a:r>
+            <a:r>
+              <a:rPr lang="en-US" altLang="zh-CN" sz="1800" dirty="0"/>
+              <a:t>&lt;a </a:t>
+            </a:r>
+            <a:r>
+              <a:rPr lang="en-US" altLang="zh-CN" sz="1800" dirty="0" err="1"/>
+              <a:t>v-on:click</a:t>
+            </a:r>
+            <a:r>
+              <a:rPr lang="en-US" altLang="zh-CN" sz="1800" dirty="0"/>
+              <a:t>="</a:t>
+            </a:r>
+            <a:r>
+              <a:rPr lang="en-US" altLang="zh-CN" sz="1800" dirty="0" err="1"/>
+              <a:t>doSomething</a:t>
+            </a:r>
+            <a:r>
+              <a:rPr lang="en-US" altLang="zh-CN" sz="1800" dirty="0"/>
+              <a:t>"&gt;...&lt;/a&gt;，</a:t>
+            </a:r>
+            <a:r>
+              <a:rPr lang="en-US" altLang="zh-CN" sz="1800" dirty="0" err="1"/>
+              <a:t>简写形式</a:t>
+            </a:r>
+            <a:r>
+              <a:rPr lang="en-US" altLang="zh-CN" sz="1800" dirty="0"/>
+              <a:t> &lt;a @click="</a:t>
+            </a:r>
+            <a:r>
+              <a:rPr lang="en-US" altLang="zh-CN" sz="1800" dirty="0" err="1"/>
+              <a:t>doSomething</a:t>
+            </a:r>
+            <a:r>
+              <a:rPr lang="en-US" altLang="zh-CN" sz="1800" dirty="0"/>
+              <a:t>"&gt;...&lt;/a&gt;, </a:t>
+            </a:r>
+            <a:r>
+              <a:rPr lang="en-US" altLang="zh-CN" sz="1800" dirty="0" err="1"/>
+              <a:t>doSomething对应的指向methods里面定义的函数</a:t>
+            </a:r>
+            <a:r>
+              <a:rPr lang="en-US" altLang="zh-CN" sz="1800" dirty="0"/>
+              <a:t>。 </a:t>
+            </a:r>
+            <a:r>
+              <a:rPr lang="en-US" altLang="zh-CN" sz="1800" dirty="0" err="1"/>
+              <a:t>注意，除非在需要传递参数的时候，写成</a:t>
+            </a:r>
+            <a:r>
+              <a:rPr lang="en-US" altLang="zh-CN" sz="1800" dirty="0"/>
+              <a:t> @click = "</a:t>
+            </a:r>
+            <a:r>
+              <a:rPr lang="en-US" altLang="zh-CN" sz="1800" dirty="0" err="1"/>
+              <a:t>doSomething</a:t>
+            </a:r>
+            <a:r>
+              <a:rPr lang="en-US" altLang="zh-CN" sz="1800" dirty="0"/>
+              <a:t>($event,args1,args2)",$</a:t>
+            </a:r>
+            <a:r>
+              <a:rPr lang="en-US" altLang="zh-CN" sz="1800" dirty="0" err="1"/>
+              <a:t>event代表事件对象，args代表自定义参数</a:t>
+            </a:r>
+            <a:endParaRPr lang="en-US" altLang="zh-CN" sz="1800" dirty="0"/>
           </a:p>
         </p:txBody>
       </p:sp>
@@ -19514,7 +19824,7 @@
             </a:lvl1pPr>
           </a:lstStyle>
           <a:p>
-            <a:endParaRPr lang="en-US" altLang="zh-CN" sz="2400" dirty="0" smtClean="0">
+            <a:endParaRPr lang="en-US" altLang="zh-CN" sz="2400" dirty="0">
               <a:solidFill>
                 <a:schemeClr val="tx1"/>
               </a:solidFill>
@@ -19522,18 +19832,13 @@
           </a:p>
           <a:p>
             <a:r>
-              <a:rPr lang="en-US" altLang="zh-CN" sz="2400" dirty="0" smtClean="0">
+              <a:rPr lang="en-US" altLang="zh-CN" sz="2400" dirty="0">
                 <a:solidFill>
                   <a:schemeClr val="tx1"/>
                 </a:solidFill>
               </a:rPr>
               <a:t>style or class</a:t>
             </a:r>
-            <a:endParaRPr lang="en-US" altLang="zh-CN" sz="2400" dirty="0" smtClean="0">
-              <a:solidFill>
-                <a:schemeClr val="tx1"/>
-              </a:solidFill>
-            </a:endParaRPr>
           </a:p>
         </p:txBody>
       </p:sp>
@@ -19554,7 +19859,7 @@
         </p:spPr>
         <p:txBody>
           <a:bodyPr vert="horz" lIns="91440" tIns="45720" rIns="91440" bIns="45720" rtlCol="0">
-            <a:normAutofit fontScale="90000"/>
+            <a:normAutofit fontScale="97500" lnSpcReduction="10000"/>
           </a:bodyPr>
           <a:lstStyle>
             <a:defPPr>
@@ -19696,13 +20001,12 @@
           </a:lstStyle>
           <a:p>
             <a:r>
-              <a:rPr lang="en-US" altLang="zh-CN" sz="1800" smtClean="0"/>
+              <a:rPr lang="en-US" altLang="zh-CN" sz="1800"/>
               <a:t>将v-bind用于class和style时，Vue.js做了专门的增强，表达式结果的类型除了字符串之外，还可以是对象或数组。</a:t>
             </a:r>
-            <a:endParaRPr lang="en-US" altLang="zh-CN" sz="1800" smtClean="0"/>
-          </a:p>
-          <a:p>
-            <a:endParaRPr lang="en-US" altLang="zh-CN" sz="1800" smtClean="0"/>
+          </a:p>
+          <a:p>
+            <a:endParaRPr lang="en-US" altLang="zh-CN" sz="1800"/>
           </a:p>
           <a:p>
             <a:pPr marL="285750" indent="-285750">
@@ -19710,33 +20014,31 @@
               <a:buChar char="•"/>
             </a:pPr>
             <a:r>
-              <a:rPr lang="en-US" altLang="zh-CN" sz="1800" smtClean="0"/>
+              <a:rPr lang="en-US" altLang="zh-CN" sz="1800"/>
               <a:t>直接赋值</a:t>
             </a:r>
-            <a:endParaRPr lang="en-US" altLang="zh-CN" sz="1800" smtClean="0"/>
           </a:p>
           <a:p>
             <a:pPr>
               <a:buFont typeface="Arial" panose="020B0604020202020204" pitchFamily="34" charset="0"/>
             </a:pPr>
             <a:r>
-              <a:rPr lang="en-US" altLang="zh-CN" sz="1800" smtClean="0"/>
+              <a:rPr lang="en-US" altLang="zh-CN" sz="1800"/>
               <a:t>  </a:t>
             </a:r>
-            <a:endParaRPr lang="en-US" altLang="zh-CN" sz="1800" smtClean="0"/>
           </a:p>
           <a:p>
             <a:pPr marL="285750" indent="-285750">
               <a:buFont typeface="Arial" panose="020B0604020202020204" pitchFamily="34" charset="0"/>
               <a:buChar char="•"/>
             </a:pPr>
-            <a:endParaRPr lang="en-US" altLang="zh-CN" sz="1800" smtClean="0"/>
+            <a:endParaRPr lang="en-US" altLang="zh-CN" sz="1800"/>
           </a:p>
           <a:p>
             <a:pPr>
               <a:buFont typeface="Arial" panose="020B0604020202020204" pitchFamily="34" charset="0"/>
             </a:pPr>
-            <a:endParaRPr lang="en-US" altLang="zh-CN" sz="1800" smtClean="0"/>
+            <a:endParaRPr lang="en-US" altLang="zh-CN" sz="1800"/>
           </a:p>
           <a:p>
             <a:pPr marL="285750" indent="-285750">
@@ -19744,30 +20046,29 @@
               <a:buChar char="•"/>
             </a:pPr>
             <a:r>
-              <a:rPr lang="en-US" altLang="zh-CN" sz="1800" smtClean="0"/>
+              <a:rPr lang="en-US" altLang="zh-CN" sz="1800"/>
               <a:t>对象语法</a:t>
             </a:r>
-            <a:endParaRPr lang="en-US" altLang="zh-CN" sz="1800" smtClean="0"/>
           </a:p>
           <a:p>
             <a:pPr marL="285750" indent="-285750">
               <a:buFont typeface="Arial" panose="020B0604020202020204" pitchFamily="34" charset="0"/>
               <a:buChar char="•"/>
             </a:pPr>
-            <a:endParaRPr lang="en-US" altLang="zh-CN" sz="1800" smtClean="0"/>
+            <a:endParaRPr lang="en-US" altLang="zh-CN" sz="1800"/>
           </a:p>
           <a:p>
             <a:pPr>
               <a:buFont typeface="Arial" panose="020B0604020202020204" pitchFamily="34" charset="0"/>
             </a:pPr>
-            <a:endParaRPr lang="en-US" altLang="zh-CN" sz="1800" smtClean="0"/>
+            <a:endParaRPr lang="en-US" altLang="zh-CN" sz="1800"/>
           </a:p>
           <a:p>
             <a:pPr marL="285750" indent="-285750">
               <a:buFont typeface="Arial" panose="020B0604020202020204" pitchFamily="34" charset="0"/>
               <a:buChar char="•"/>
             </a:pPr>
-            <a:endParaRPr lang="en-US" altLang="zh-CN" sz="1800" smtClean="0"/>
+            <a:endParaRPr lang="en-US" altLang="zh-CN" sz="1800"/>
           </a:p>
           <a:p>
             <a:pPr marL="285750" indent="-285750">
@@ -19775,24 +20076,23 @@
               <a:buChar char="•"/>
             </a:pPr>
             <a:r>
-              <a:rPr lang="en-US" altLang="zh-CN" sz="1800" smtClean="0"/>
+              <a:rPr lang="en-US" altLang="zh-CN" sz="1800"/>
               <a:t>数组语法 </a:t>
             </a:r>
-            <a:endParaRPr lang="en-US" altLang="zh-CN" sz="1800" smtClean="0"/>
           </a:p>
           <a:p>
             <a:pPr marL="285750" indent="-285750">
               <a:buFont typeface="Arial" panose="020B0604020202020204" pitchFamily="34" charset="0"/>
               <a:buChar char="•"/>
             </a:pPr>
-            <a:endParaRPr lang="en-US" altLang="zh-CN" sz="1800" smtClean="0"/>
+            <a:endParaRPr lang="en-US" altLang="zh-CN" sz="1800"/>
           </a:p>
           <a:p>
             <a:pPr marL="285750" indent="-285750">
               <a:buFont typeface="Arial" panose="020B0604020202020204" pitchFamily="34" charset="0"/>
               <a:buChar char="•"/>
             </a:pPr>
-            <a:endParaRPr lang="en-US" altLang="zh-CN" sz="1800" smtClean="0"/>
+            <a:endParaRPr lang="en-US" altLang="zh-CN" sz="1800"/>
           </a:p>
         </p:txBody>
       </p:sp>
@@ -19805,7 +20105,7 @@
           <p:nvPr/>
         </p:nvPicPr>
         <p:blipFill>
-          <a:blip r:embed="rId1"/>
+          <a:blip r:embed="rId4"/>
           <a:stretch>
             <a:fillRect/>
           </a:stretch>
@@ -19829,7 +20129,7 @@
           <p:nvPr/>
         </p:nvPicPr>
         <p:blipFill>
-          <a:blip r:embed="rId2"/>
+          <a:blip r:embed="rId5"/>
           <a:stretch>
             <a:fillRect/>
           </a:stretch>
@@ -19853,7 +20153,7 @@
           <p:nvPr/>
         </p:nvPicPr>
         <p:blipFill>
-          <a:blip r:embed="rId3"/>
+          <a:blip r:embed="rId6"/>
           <a:stretch>
             <a:fillRect/>
           </a:stretch>
@@ -19877,7 +20177,7 @@
           <p:nvPr/>
         </p:nvPicPr>
         <p:blipFill>
-          <a:blip r:embed="rId4"/>
+          <a:blip r:embed="rId7"/>
           <a:stretch>
             <a:fillRect/>
           </a:stretch>
@@ -19901,7 +20201,7 @@
           <p:nvPr/>
         </p:nvPicPr>
         <p:blipFill>
-          <a:blip r:embed="rId5"/>
+          <a:blip r:embed="rId8"/>
           <a:stretch>
             <a:fillRect/>
           </a:stretch>
@@ -19925,7 +20225,7 @@
           <p:nvPr/>
         </p:nvPicPr>
         <p:blipFill>
-          <a:blip r:embed="rId6"/>
+          <a:blip r:embed="rId9"/>
           <a:stretch>
             <a:fillRect/>
           </a:stretch>
@@ -19942,7 +20242,7 @@
       </p:pic>
     </p:spTree>
     <p:custDataLst>
-      <p:tags r:id="rId7"/>
+      <p:tags r:id="rId1"/>
     </p:custDataLst>
   </p:cSld>
   <p:clrMapOvr>
@@ -20210,7 +20510,7 @@
             </a:lvl1pPr>
           </a:lstStyle>
           <a:p>
-            <a:endParaRPr lang="en-US" altLang="zh-CN" sz="2400" dirty="0" smtClean="0">
+            <a:endParaRPr lang="en-US" altLang="zh-CN" sz="2400" dirty="0">
               <a:solidFill>
                 <a:schemeClr val="tx1"/>
               </a:solidFill>
@@ -20218,18 +20518,13 @@
           </a:p>
           <a:p>
             <a:r>
-              <a:rPr lang="en-US" altLang="zh-CN" sz="2400" dirty="0" smtClean="0">
+              <a:rPr lang="en-US" altLang="zh-CN" sz="2400" dirty="0">
                 <a:solidFill>
                   <a:schemeClr val="tx1"/>
                 </a:solidFill>
               </a:rPr>
               <a:t>绑定内联样式</a:t>
             </a:r>
-            <a:endParaRPr lang="en-US" altLang="zh-CN" sz="2400" dirty="0" smtClean="0">
-              <a:solidFill>
-                <a:schemeClr val="tx1"/>
-              </a:solidFill>
-            </a:endParaRPr>
           </a:p>
         </p:txBody>
       </p:sp>
@@ -20391,10 +20686,10 @@
             </a:lvl9pPr>
           </a:lstStyle>
           <a:p>
-            <a:endParaRPr lang="en-US" altLang="zh-CN" sz="1800" smtClean="0"/>
-          </a:p>
-          <a:p>
-            <a:endParaRPr lang="en-US" altLang="zh-CN" sz="1800" smtClean="0"/>
+            <a:endParaRPr lang="en-US" altLang="zh-CN" sz="1800"/>
+          </a:p>
+          <a:p>
+            <a:endParaRPr lang="en-US" altLang="zh-CN" sz="1800"/>
           </a:p>
           <a:p>
             <a:pPr marL="285750" indent="-285750">
@@ -20402,33 +20697,31 @@
               <a:buChar char="•"/>
             </a:pPr>
             <a:r>
-              <a:rPr lang="en-US" altLang="zh-CN" sz="1800" smtClean="0"/>
+              <a:rPr lang="en-US" altLang="zh-CN" sz="1800"/>
               <a:t>对象语法</a:t>
             </a:r>
-            <a:endParaRPr lang="en-US" altLang="zh-CN" sz="1800" smtClean="0"/>
           </a:p>
           <a:p>
             <a:pPr>
               <a:buFont typeface="Arial" panose="020B0604020202020204" pitchFamily="34" charset="0"/>
             </a:pPr>
             <a:r>
-              <a:rPr lang="en-US" altLang="zh-CN" sz="1800" smtClean="0"/>
+              <a:rPr lang="en-US" altLang="zh-CN" sz="1800"/>
               <a:t>  </a:t>
             </a:r>
-            <a:endParaRPr lang="en-US" altLang="zh-CN" sz="1800" smtClean="0"/>
           </a:p>
           <a:p>
             <a:pPr marL="285750" indent="-285750">
               <a:buFont typeface="Arial" panose="020B0604020202020204" pitchFamily="34" charset="0"/>
               <a:buChar char="•"/>
             </a:pPr>
-            <a:endParaRPr lang="en-US" altLang="zh-CN" sz="1800" smtClean="0"/>
+            <a:endParaRPr lang="en-US" altLang="zh-CN" sz="1800"/>
           </a:p>
           <a:p>
             <a:pPr>
               <a:buFont typeface="Arial" panose="020B0604020202020204" pitchFamily="34" charset="0"/>
             </a:pPr>
-            <a:endParaRPr lang="en-US" altLang="zh-CN" sz="1800" smtClean="0"/>
+            <a:endParaRPr lang="en-US" altLang="zh-CN" sz="1800"/>
           </a:p>
           <a:p>
             <a:pPr marL="285750" indent="-285750">
@@ -20436,50 +20729,49 @@
               <a:buChar char="•"/>
             </a:pPr>
             <a:r>
-              <a:rPr lang="en-US" altLang="zh-CN" sz="1800" smtClean="0"/>
+              <a:rPr lang="en-US" altLang="zh-CN" sz="1800"/>
               <a:t>数组语法</a:t>
             </a:r>
-            <a:endParaRPr lang="en-US" altLang="zh-CN" sz="1800" smtClean="0"/>
           </a:p>
           <a:p>
             <a:pPr marL="285750" indent="-285750">
               <a:buFont typeface="Arial" panose="020B0604020202020204" pitchFamily="34" charset="0"/>
               <a:buChar char="•"/>
             </a:pPr>
-            <a:endParaRPr lang="en-US" altLang="zh-CN" sz="1800" smtClean="0"/>
+            <a:endParaRPr lang="en-US" altLang="zh-CN" sz="1800"/>
           </a:p>
           <a:p>
             <a:pPr>
               <a:buFont typeface="Arial" panose="020B0604020202020204" pitchFamily="34" charset="0"/>
             </a:pPr>
-            <a:endParaRPr lang="en-US" altLang="zh-CN" sz="1800" smtClean="0"/>
+            <a:endParaRPr lang="en-US" altLang="zh-CN" sz="1800"/>
           </a:p>
           <a:p>
             <a:pPr marL="285750" indent="-285750">
               <a:buFont typeface="Arial" panose="020B0604020202020204" pitchFamily="34" charset="0"/>
               <a:buChar char="•"/>
             </a:pPr>
-            <a:endParaRPr lang="en-US" altLang="zh-CN" sz="1800" smtClean="0"/>
+            <a:endParaRPr lang="en-US" altLang="zh-CN" sz="1800"/>
           </a:p>
           <a:p>
             <a:pPr>
               <a:buFont typeface="Arial" panose="020B0604020202020204" pitchFamily="34" charset="0"/>
             </a:pPr>
-            <a:endParaRPr lang="en-US" altLang="zh-CN" sz="1800" smtClean="0"/>
+            <a:endParaRPr lang="en-US" altLang="zh-CN" sz="1800"/>
           </a:p>
           <a:p>
             <a:pPr marL="285750" indent="-285750">
               <a:buFont typeface="Arial" panose="020B0604020202020204" pitchFamily="34" charset="0"/>
               <a:buChar char="•"/>
             </a:pPr>
-            <a:endParaRPr lang="en-US" altLang="zh-CN" sz="1800" smtClean="0"/>
+            <a:endParaRPr lang="en-US" altLang="zh-CN" sz="1800"/>
           </a:p>
           <a:p>
             <a:pPr marL="285750" indent="-285750">
               <a:buFont typeface="Arial" panose="020B0604020202020204" pitchFamily="34" charset="0"/>
               <a:buChar char="•"/>
             </a:pPr>
-            <a:endParaRPr lang="en-US" altLang="zh-CN" sz="1800" smtClean="0"/>
+            <a:endParaRPr lang="en-US" altLang="zh-CN" sz="1800"/>
           </a:p>
         </p:txBody>
       </p:sp>
@@ -20492,7 +20784,7 @@
           <p:nvPr/>
         </p:nvPicPr>
         <p:blipFill>
-          <a:blip r:embed="rId1"/>
+          <a:blip r:embed="rId3"/>
           <a:stretch>
             <a:fillRect/>
           </a:stretch>
@@ -20516,7 +20808,7 @@
           <p:nvPr/>
         </p:nvPicPr>
         <p:blipFill>
-          <a:blip r:embed="rId2"/>
+          <a:blip r:embed="rId4"/>
           <a:stretch>
             <a:fillRect/>
           </a:stretch>
@@ -20540,7 +20832,7 @@
           <p:nvPr/>
         </p:nvPicPr>
         <p:blipFill>
-          <a:blip r:embed="rId3"/>
+          <a:blip r:embed="rId5"/>
           <a:stretch>
             <a:fillRect/>
           </a:stretch>
@@ -20564,7 +20856,7 @@
           <p:nvPr/>
         </p:nvPicPr>
         <p:blipFill>
-          <a:blip r:embed="rId4"/>
+          <a:blip r:embed="rId6"/>
           <a:stretch>
             <a:fillRect/>
           </a:stretch>
@@ -20581,34 +20873,25 @@
       </p:pic>
     </p:spTree>
     <p:custDataLst>
-      <p:tags r:id="rId5"/>
+      <p:tags r:id="rId1"/>
     </p:custDataLst>
   </p:cSld>
   <p:clrMapOvr>
     <a:masterClrMapping/>
   </p:clrMapOvr>
-  <p:timing>
-    <p:tnLst>
-      <p:par>
-        <p:cTn id="1" dur="indefinite" restart="never" nodeType="tmRoot"/>
-      </p:par>
-    </p:tnLst>
-  </p:timing>
 </p:sld>
 </file>
 
 <file path=ppt/tags/tag1.xml><?xml version="1.0" encoding="utf-8"?>
-<p:tagLst xmlns:p="http://schemas.openxmlformats.org/presentationml/2006/main">
-  <p:tag name="MH" val="20170809124154"/>
-  <p:tag name="MH_LIBRARY" val="CONTENTS"/>
-  <p:tag name="MH_TYPE" val="NUMBER"/>
-  <p:tag name="ID" val="547147"/>
-  <p:tag name="MH_ORDER" val="1"/>
+<p:tagLst xmlns:a="http://schemas.openxmlformats.org/drawingml/2006/main" xmlns:r="http://schemas.openxmlformats.org/officeDocument/2006/relationships" xmlns:p="http://schemas.openxmlformats.org/presentationml/2006/main">
+  <p:tag name="KSO_WM_TAG_VERSION" val="1.0"/>
+  <p:tag name="KSO_WM_TEMPLATE_CATEGORY" val="custom"/>
+  <p:tag name="KSO_WM_TEMPLATE_INDEX" val="20181612"/>
 </p:tagLst>
 </file>
 
 <file path=ppt/tags/tag10.xml><?xml version="1.0" encoding="utf-8"?>
-<p:tagLst xmlns:p="http://schemas.openxmlformats.org/presentationml/2006/main">
+<p:tagLst xmlns:a="http://schemas.openxmlformats.org/drawingml/2006/main" xmlns:r="http://schemas.openxmlformats.org/officeDocument/2006/relationships" xmlns:p="http://schemas.openxmlformats.org/presentationml/2006/main">
   <p:tag name="KSO_WM_TEMPLATE_CATEGORY" val="basetag"/>
   <p:tag name="KSO_WM_TEMPLATE_INDEX" val="20163611"/>
   <p:tag name="KSO_WM_TAG_VERSION" val="1.0"/>
@@ -20618,7 +20901,7 @@
 </file>
 
 <file path=ppt/tags/tag11.xml><?xml version="1.0" encoding="utf-8"?>
-<p:tagLst xmlns:p="http://schemas.openxmlformats.org/presentationml/2006/main">
+<p:tagLst xmlns:a="http://schemas.openxmlformats.org/drawingml/2006/main" xmlns:r="http://schemas.openxmlformats.org/officeDocument/2006/relationships" xmlns:p="http://schemas.openxmlformats.org/presentationml/2006/main">
   <p:tag name="KSO_WM_TEMPLATE_CATEGORY" val="basetag"/>
   <p:tag name="KSO_WM_TEMPLATE_INDEX" val="20163611"/>
   <p:tag name="KSO_WM_TAG_VERSION" val="1.0"/>
@@ -20632,7 +20915,25 @@
 </file>
 
 <file path=ppt/tags/tag12.xml><?xml version="1.0" encoding="utf-8"?>
-<p:tagLst xmlns:p="http://schemas.openxmlformats.org/presentationml/2006/main">
+<p:tagLst xmlns:a="http://schemas.openxmlformats.org/drawingml/2006/main" xmlns:r="http://schemas.openxmlformats.org/officeDocument/2006/relationships" xmlns:p="http://schemas.openxmlformats.org/presentationml/2006/main">
+  <p:tag name="KSO_WM_TAG_VERSION" val="1.0"/>
+  <p:tag name="KSO_WM_SLIDE_ITEM_CNT" val="6"/>
+  <p:tag name="KSO_WM_SLIDE_LAYOUT" val="a_l"/>
+  <p:tag name="KSO_WM_SLIDE_LAYOUT_CNT" val="1_1"/>
+  <p:tag name="KSO_WM_SLIDE_TYPE" val="contents"/>
+  <p:tag name="KSO_WM_BEAUTIFY_FLAG" val="#wm#"/>
+  <p:tag name="KSO_WM_COMBINE_RELATE_SLIDE_ID" val="custom20181351_11"/>
+  <p:tag name="KSO_WM_TEMPLATE_CATEGORY" val="custom"/>
+  <p:tag name="KSO_WM_TEMPLATE_INDEX" val="20181612"/>
+  <p:tag name="KSO_WM_SLIDE_ID" val="custom20181612_11"/>
+  <p:tag name="KSO_WM_SLIDE_INDEX" val="11"/>
+  <p:tag name="KSO_WM_DIAGRAM_GROUP_CODE" val="l1-1"/>
+  <p:tag name="KSO_WM_TEMPLATE_SUBCATEGORY" val="combine"/>
+</p:tagLst>
+</file>
+
+<file path=ppt/tags/tag13.xml><?xml version="1.0" encoding="utf-8"?>
+<p:tagLst xmlns:a="http://schemas.openxmlformats.org/drawingml/2006/main" xmlns:r="http://schemas.openxmlformats.org/officeDocument/2006/relationships" xmlns:p="http://schemas.openxmlformats.org/presentationml/2006/main">
   <p:tag name="KSO_WM_TAG_VERSION" val="1.0"/>
   <p:tag name="KSO_WM_BEAUTIFY_FLAG" val="#wm#"/>
   <p:tag name="KSO_WM_UNIT_TYPE" val="a"/>
@@ -20654,8 +20955,8 @@
 </p:tagLst>
 </file>
 
-<file path=ppt/tags/tag13.xml><?xml version="1.0" encoding="utf-8"?>
-<p:tagLst xmlns:p="http://schemas.openxmlformats.org/presentationml/2006/main">
+<file path=ppt/tags/tag14.xml><?xml version="1.0" encoding="utf-8"?>
+<p:tagLst xmlns:a="http://schemas.openxmlformats.org/drawingml/2006/main" xmlns:r="http://schemas.openxmlformats.org/officeDocument/2006/relationships" xmlns:p="http://schemas.openxmlformats.org/presentationml/2006/main">
   <p:tag name="KSO_WM_TAG_VERSION" val="1.0"/>
   <p:tag name="KSO_WM_BEAUTIFY_FLAG" val="#wm#"/>
   <p:tag name="KSO_WM_UNIT_TYPE" val="l_h_i"/>
@@ -20671,8 +20972,8 @@
 </p:tagLst>
 </file>
 
-<file path=ppt/tags/tag14.xml><?xml version="1.0" encoding="utf-8"?>
-<p:tagLst xmlns:p="http://schemas.openxmlformats.org/presentationml/2006/main">
+<file path=ppt/tags/tag15.xml><?xml version="1.0" encoding="utf-8"?>
+<p:tagLst xmlns:a="http://schemas.openxmlformats.org/drawingml/2006/main" xmlns:r="http://schemas.openxmlformats.org/officeDocument/2006/relationships" xmlns:p="http://schemas.openxmlformats.org/presentationml/2006/main">
   <p:tag name="KSO_WM_TAG_VERSION" val="1.0"/>
   <p:tag name="KSO_WM_BEAUTIFY_FLAG" val="#wm#"/>
   <p:tag name="KSO_WM_UNIT_TYPE" val="l_h_i"/>
@@ -20688,8 +20989,8 @@
 </p:tagLst>
 </file>
 
-<file path=ppt/tags/tag15.xml><?xml version="1.0" encoding="utf-8"?>
-<p:tagLst xmlns:p="http://schemas.openxmlformats.org/presentationml/2006/main">
+<file path=ppt/tags/tag16.xml><?xml version="1.0" encoding="utf-8"?>
+<p:tagLst xmlns:a="http://schemas.openxmlformats.org/drawingml/2006/main" xmlns:r="http://schemas.openxmlformats.org/officeDocument/2006/relationships" xmlns:p="http://schemas.openxmlformats.org/presentationml/2006/main">
   <p:tag name="KSO_WM_TAG_VERSION" val="1.0"/>
   <p:tag name="KSO_WM_BEAUTIFY_FLAG" val="#wm#"/>
   <p:tag name="KSO_WM_UNIT_TYPE" val="l_h_f"/>
@@ -20711,8 +21012,8 @@
 </p:tagLst>
 </file>
 
-<file path=ppt/tags/tag16.xml><?xml version="1.0" encoding="utf-8"?>
-<p:tagLst xmlns:p="http://schemas.openxmlformats.org/presentationml/2006/main">
+<file path=ppt/tags/tag17.xml><?xml version="1.0" encoding="utf-8"?>
+<p:tagLst xmlns:a="http://schemas.openxmlformats.org/drawingml/2006/main" xmlns:r="http://schemas.openxmlformats.org/officeDocument/2006/relationships" xmlns:p="http://schemas.openxmlformats.org/presentationml/2006/main">
   <p:tag name="KSO_WM_TAG_VERSION" val="1.0"/>
   <p:tag name="KSO_WM_BEAUTIFY_FLAG" val="#wm#"/>
   <p:tag name="KSO_WM_UNIT_TYPE" val="l_h_f"/>
@@ -20734,8 +21035,8 @@
 </p:tagLst>
 </file>
 
-<file path=ppt/tags/tag17.xml><?xml version="1.0" encoding="utf-8"?>
-<p:tagLst xmlns:p="http://schemas.openxmlformats.org/presentationml/2006/main">
+<file path=ppt/tags/tag18.xml><?xml version="1.0" encoding="utf-8"?>
+<p:tagLst xmlns:a="http://schemas.openxmlformats.org/drawingml/2006/main" xmlns:r="http://schemas.openxmlformats.org/officeDocument/2006/relationships" xmlns:p="http://schemas.openxmlformats.org/presentationml/2006/main">
   <p:tag name="KSO_WM_TAG_VERSION" val="1.0"/>
   <p:tag name="KSO_WM_BEAUTIFY_FLAG" val="#wm#"/>
   <p:tag name="KSO_WM_UNIT_TYPE" val="l_h_i"/>
@@ -20751,8 +21052,8 @@
 </p:tagLst>
 </file>
 
-<file path=ppt/tags/tag18.xml><?xml version="1.0" encoding="utf-8"?>
-<p:tagLst xmlns:p="http://schemas.openxmlformats.org/presentationml/2006/main">
+<file path=ppt/tags/tag19.xml><?xml version="1.0" encoding="utf-8"?>
+<p:tagLst xmlns:a="http://schemas.openxmlformats.org/drawingml/2006/main" xmlns:r="http://schemas.openxmlformats.org/officeDocument/2006/relationships" xmlns:p="http://schemas.openxmlformats.org/presentationml/2006/main">
   <p:tag name="KSO_WM_TAG_VERSION" val="1.0"/>
   <p:tag name="KSO_WM_BEAUTIFY_FLAG" val="#wm#"/>
   <p:tag name="KSO_WM_UNIT_TYPE" val="l_h_i"/>
@@ -20768,8 +21069,16 @@
 </p:tagLst>
 </file>
 
-<file path=ppt/tags/tag19.xml><?xml version="1.0" encoding="utf-8"?>
-<p:tagLst xmlns:p="http://schemas.openxmlformats.org/presentationml/2006/main">
+<file path=ppt/tags/tag2.xml><?xml version="1.0" encoding="utf-8"?>
+<p:tagLst xmlns:a="http://schemas.openxmlformats.org/drawingml/2006/main" xmlns:r="http://schemas.openxmlformats.org/officeDocument/2006/relationships" xmlns:p="http://schemas.openxmlformats.org/presentationml/2006/main">
+  <p:tag name="KSO_WM_TAG_VERSION" val="1.0"/>
+  <p:tag name="KSO_WM_TEMPLATE_CATEGORY" val="custom"/>
+  <p:tag name="KSO_WM_TEMPLATE_INDEX" val="20181612"/>
+</p:tagLst>
+</file>
+
+<file path=ppt/tags/tag20.xml><?xml version="1.0" encoding="utf-8"?>
+<p:tagLst xmlns:a="http://schemas.openxmlformats.org/drawingml/2006/main" xmlns:r="http://schemas.openxmlformats.org/officeDocument/2006/relationships" xmlns:p="http://schemas.openxmlformats.org/presentationml/2006/main">
   <p:tag name="KSO_WM_TAG_VERSION" val="1.0"/>
   <p:tag name="KSO_WM_BEAUTIFY_FLAG" val="#wm#"/>
   <p:tag name="KSO_WM_UNIT_TYPE" val="l_h_f"/>
@@ -20791,18 +21100,8 @@
 </p:tagLst>
 </file>
 
-<file path=ppt/tags/tag2.xml><?xml version="1.0" encoding="utf-8"?>
-<p:tagLst xmlns:p="http://schemas.openxmlformats.org/presentationml/2006/main">
-  <p:tag name="MH" val="20170809124154"/>
-  <p:tag name="MH_LIBRARY" val="CONTENTS"/>
-  <p:tag name="MH_TYPE" val="NUMBER"/>
-  <p:tag name="ID" val="547147"/>
-  <p:tag name="MH_ORDER" val="1"/>
-</p:tagLst>
-</file>
-
-<file path=ppt/tags/tag20.xml><?xml version="1.0" encoding="utf-8"?>
-<p:tagLst xmlns:p="http://schemas.openxmlformats.org/presentationml/2006/main">
+<file path=ppt/tags/tag21.xml><?xml version="1.0" encoding="utf-8"?>
+<p:tagLst xmlns:a="http://schemas.openxmlformats.org/drawingml/2006/main" xmlns:r="http://schemas.openxmlformats.org/officeDocument/2006/relationships" xmlns:p="http://schemas.openxmlformats.org/presentationml/2006/main">
   <p:tag name="KSO_WM_TAG_VERSION" val="1.0"/>
   <p:tag name="KSO_WM_BEAUTIFY_FLAG" val="#wm#"/>
   <p:tag name="KSO_WM_UNIT_TYPE" val="l_h_f"/>
@@ -20824,8 +21123,8 @@
 </p:tagLst>
 </file>
 
-<file path=ppt/tags/tag21.xml><?xml version="1.0" encoding="utf-8"?>
-<p:tagLst xmlns:p="http://schemas.openxmlformats.org/presentationml/2006/main">
+<file path=ppt/tags/tag22.xml><?xml version="1.0" encoding="utf-8"?>
+<p:tagLst xmlns:a="http://schemas.openxmlformats.org/drawingml/2006/main" xmlns:r="http://schemas.openxmlformats.org/officeDocument/2006/relationships" xmlns:p="http://schemas.openxmlformats.org/presentationml/2006/main">
   <p:tag name="KSO_WM_TAG_VERSION" val="1.0"/>
   <p:tag name="KSO_WM_BEAUTIFY_FLAG" val="#wm#"/>
   <p:tag name="KSO_WM_UNIT_TYPE" val="l_h_i"/>
@@ -20841,8 +21140,8 @@
 </p:tagLst>
 </file>
 
-<file path=ppt/tags/tag22.xml><?xml version="1.0" encoding="utf-8"?>
-<p:tagLst xmlns:p="http://schemas.openxmlformats.org/presentationml/2006/main">
+<file path=ppt/tags/tag23.xml><?xml version="1.0" encoding="utf-8"?>
+<p:tagLst xmlns:a="http://schemas.openxmlformats.org/drawingml/2006/main" xmlns:r="http://schemas.openxmlformats.org/officeDocument/2006/relationships" xmlns:p="http://schemas.openxmlformats.org/presentationml/2006/main">
   <p:tag name="KSO_WM_TAG_VERSION" val="1.0"/>
   <p:tag name="KSO_WM_BEAUTIFY_FLAG" val="#wm#"/>
   <p:tag name="KSO_WM_UNIT_TYPE" val="l_h_i"/>
@@ -20858,8 +21157,8 @@
 </p:tagLst>
 </file>
 
-<file path=ppt/tags/tag23.xml><?xml version="1.0" encoding="utf-8"?>
-<p:tagLst xmlns:p="http://schemas.openxmlformats.org/presentationml/2006/main">
+<file path=ppt/tags/tag24.xml><?xml version="1.0" encoding="utf-8"?>
+<p:tagLst xmlns:a="http://schemas.openxmlformats.org/drawingml/2006/main" xmlns:r="http://schemas.openxmlformats.org/officeDocument/2006/relationships" xmlns:p="http://schemas.openxmlformats.org/presentationml/2006/main">
   <p:tag name="KSO_WM_TAG_VERSION" val="1.0"/>
   <p:tag name="KSO_WM_BEAUTIFY_FLAG" val="#wm#"/>
   <p:tag name="KSO_WM_UNIT_TYPE" val="l_h_f"/>
@@ -20881,8 +21180,8 @@
 </p:tagLst>
 </file>
 
-<file path=ppt/tags/tag24.xml><?xml version="1.0" encoding="utf-8"?>
-<p:tagLst xmlns:p="http://schemas.openxmlformats.org/presentationml/2006/main">
+<file path=ppt/tags/tag25.xml><?xml version="1.0" encoding="utf-8"?>
+<p:tagLst xmlns:a="http://schemas.openxmlformats.org/drawingml/2006/main" xmlns:r="http://schemas.openxmlformats.org/officeDocument/2006/relationships" xmlns:p="http://schemas.openxmlformats.org/presentationml/2006/main">
   <p:tag name="KSO_WM_TAG_VERSION" val="1.0"/>
   <p:tag name="KSO_WM_BEAUTIFY_FLAG" val="#wm#"/>
   <p:tag name="KSO_WM_UNIT_TYPE" val="l_h_f"/>
@@ -20904,8 +21203,8 @@
 </p:tagLst>
 </file>
 
-<file path=ppt/tags/tag25.xml><?xml version="1.0" encoding="utf-8"?>
-<p:tagLst xmlns:p="http://schemas.openxmlformats.org/presentationml/2006/main">
+<file path=ppt/tags/tag26.xml><?xml version="1.0" encoding="utf-8"?>
+<p:tagLst xmlns:a="http://schemas.openxmlformats.org/drawingml/2006/main" xmlns:r="http://schemas.openxmlformats.org/officeDocument/2006/relationships" xmlns:p="http://schemas.openxmlformats.org/presentationml/2006/main">
   <p:tag name="KSO_WM_TAG_VERSION" val="1.0"/>
   <p:tag name="KSO_WM_BEAUTIFY_FLAG" val="#wm#"/>
   <p:tag name="KSO_WM_UNIT_TYPE" val="l_h_i"/>
@@ -20921,8 +21220,8 @@
 </p:tagLst>
 </file>
 
-<file path=ppt/tags/tag26.xml><?xml version="1.0" encoding="utf-8"?>
-<p:tagLst xmlns:p="http://schemas.openxmlformats.org/presentationml/2006/main">
+<file path=ppt/tags/tag27.xml><?xml version="1.0" encoding="utf-8"?>
+<p:tagLst xmlns:a="http://schemas.openxmlformats.org/drawingml/2006/main" xmlns:r="http://schemas.openxmlformats.org/officeDocument/2006/relationships" xmlns:p="http://schemas.openxmlformats.org/presentationml/2006/main">
   <p:tag name="KSO_WM_TAG_VERSION" val="1.0"/>
   <p:tag name="KSO_WM_BEAUTIFY_FLAG" val="#wm#"/>
   <p:tag name="KSO_WM_UNIT_TYPE" val="l_h_f"/>
@@ -20944,26 +21243,8 @@
 </p:tagLst>
 </file>
 
-<file path=ppt/tags/tag27.xml><?xml version="1.0" encoding="utf-8"?>
-<p:tagLst xmlns:p="http://schemas.openxmlformats.org/presentationml/2006/main">
-  <p:tag name="KSO_WM_TAG_VERSION" val="1.0"/>
-  <p:tag name="KSO_WM_SLIDE_ITEM_CNT" val="6"/>
-  <p:tag name="KSO_WM_SLIDE_LAYOUT" val="a_l"/>
-  <p:tag name="KSO_WM_SLIDE_LAYOUT_CNT" val="1_1"/>
-  <p:tag name="KSO_WM_SLIDE_TYPE" val="contents"/>
-  <p:tag name="KSO_WM_BEAUTIFY_FLAG" val="#wm#"/>
-  <p:tag name="KSO_WM_COMBINE_RELATE_SLIDE_ID" val="custom20181351_11"/>
-  <p:tag name="KSO_WM_TEMPLATE_CATEGORY" val="custom"/>
-  <p:tag name="KSO_WM_TEMPLATE_INDEX" val="20181612"/>
-  <p:tag name="KSO_WM_SLIDE_ID" val="custom20181612_11"/>
-  <p:tag name="KSO_WM_SLIDE_INDEX" val="11"/>
-  <p:tag name="KSO_WM_DIAGRAM_GROUP_CODE" val="l1-1"/>
-  <p:tag name="KSO_WM_TEMPLATE_SUBCATEGORY" val="combine"/>
-</p:tagLst>
-</file>
-
 <file path=ppt/tags/tag28.xml><?xml version="1.0" encoding="utf-8"?>
-<p:tagLst xmlns:p="http://schemas.openxmlformats.org/presentationml/2006/main">
+<p:tagLst xmlns:a="http://schemas.openxmlformats.org/drawingml/2006/main" xmlns:r="http://schemas.openxmlformats.org/officeDocument/2006/relationships" xmlns:p="http://schemas.openxmlformats.org/presentationml/2006/main">
   <p:tag name="KSO_WM_TEMPLATE_CATEGORY" val="basetag"/>
   <p:tag name="KSO_WM_TEMPLATE_INDEX" val="20163611"/>
   <p:tag name="KSO_WM_TAG_VERSION" val="1.0"/>
@@ -20976,7 +21257,7 @@
 </file>
 
 <file path=ppt/tags/tag29.xml><?xml version="1.0" encoding="utf-8"?>
-<p:tagLst xmlns:p="http://schemas.openxmlformats.org/presentationml/2006/main">
+<p:tagLst xmlns:a="http://schemas.openxmlformats.org/drawingml/2006/main" xmlns:r="http://schemas.openxmlformats.org/officeDocument/2006/relationships" xmlns:p="http://schemas.openxmlformats.org/presentationml/2006/main">
   <p:tag name="KSO_WM_TEMPLATE_CATEGORY" val="basetag"/>
   <p:tag name="KSO_WM_TEMPLATE_INDEX" val="20163611"/>
   <p:tag name="KSO_WM_TAG_VERSION" val="1.0"/>
@@ -20989,17 +21270,37 @@
 </file>
 
 <file path=ppt/tags/tag3.xml><?xml version="1.0" encoding="utf-8"?>
-<p:tagLst xmlns:p="http://schemas.openxmlformats.org/presentationml/2006/main">
-  <p:tag name="MH" val="20170809124154"/>
-  <p:tag name="MH_LIBRARY" val="CONTENTS"/>
-  <p:tag name="MH_TYPE" val="NUMBER"/>
-  <p:tag name="ID" val="547147"/>
-  <p:tag name="MH_ORDER" val="1"/>
+<p:tagLst xmlns:a="http://schemas.openxmlformats.org/drawingml/2006/main" xmlns:r="http://schemas.openxmlformats.org/officeDocument/2006/relationships" xmlns:p="http://schemas.openxmlformats.org/presentationml/2006/main">
+  <p:tag name="KSO_WM_TAG_VERSION" val="1.0"/>
+  <p:tag name="KSO_WM_BEAUTIFY_FLAG" val="#wm#"/>
+  <p:tag name="KSO_WM_COMBINE_RELATE_SLIDE_ID" val="background20180960_1"/>
+  <p:tag name="KSO_WM_TEMPLATE_CATEGORY" val="custom"/>
+  <p:tag name="KSO_WM_TEMPLATE_INDEX" val="20181612"/>
+  <p:tag name="KSO_WM_TEMPLATE_SUBCATEGORY" val="combine"/>
+  <p:tag name="KSO_WM_TEMPLATE_THUMBS_INDEX" val="1、4、5、6、12、13、21、24"/>
 </p:tagLst>
 </file>
 
 <file path=ppt/tags/tag30.xml><?xml version="1.0" encoding="utf-8"?>
-<p:tagLst xmlns:p="http://schemas.openxmlformats.org/presentationml/2006/main">
+<p:tagLst xmlns:a="http://schemas.openxmlformats.org/drawingml/2006/main" xmlns:r="http://schemas.openxmlformats.org/officeDocument/2006/relationships" xmlns:p="http://schemas.openxmlformats.org/presentationml/2006/main">
+  <p:tag name="KSO_WM_SLIDE_ID" val="diagram160404_3"/>
+  <p:tag name="KSO_WM_SLIDE_INDEX" val="3"/>
+  <p:tag name="KSO_WM_SLIDE_ITEM_CNT" val="3"/>
+  <p:tag name="KSO_WM_SLIDE_LAYOUT" val="l_a"/>
+  <p:tag name="KSO_WM_SLIDE_LAYOUT_CNT" val="1_1"/>
+  <p:tag name="KSO_WM_SLIDE_TYPE" val="text"/>
+  <p:tag name="KSO_WM_BEAUTIFY_FLAG" val="#wm#"/>
+  <p:tag name="KSO_WM_SLIDE_POSITION" val="225*128"/>
+  <p:tag name="KSO_WM_SLIDE_SIZE" val="510*364"/>
+  <p:tag name="KSO_WM_TEMPLATE_CATEGORY" val="diagram"/>
+  <p:tag name="KSO_WM_TEMPLATE_INDEX" val="160404"/>
+  <p:tag name="KSO_WM_TAG_VERSION" val="1.0"/>
+  <p:tag name="KSO_WM_DIAGRAM_GROUP_CODE" val="l1-1"/>
+</p:tagLst>
+</file>
+
+<file path=ppt/tags/tag31.xml><?xml version="1.0" encoding="utf-8"?>
+<p:tagLst xmlns:a="http://schemas.openxmlformats.org/drawingml/2006/main" xmlns:r="http://schemas.openxmlformats.org/officeDocument/2006/relationships" xmlns:p="http://schemas.openxmlformats.org/presentationml/2006/main">
   <p:tag name="KSO_WM_TAG_VERSION" val="1.0"/>
   <p:tag name="KSO_WM_BEAUTIFY_FLAG" val="#wm#"/>
   <p:tag name="KSO_WM_UNIT_TYPE" val="i"/>
@@ -21010,8 +21311,186 @@
 </p:tagLst>
 </file>
 
-<file path=ppt/tags/tag31.xml><?xml version="1.0" encoding="utf-8"?>
-<p:tagLst xmlns:p="http://schemas.openxmlformats.org/presentationml/2006/main">
+<file path=ppt/tags/tag32.xml><?xml version="1.0" encoding="utf-8"?>
+<p:tagLst xmlns:a="http://schemas.openxmlformats.org/drawingml/2006/main" xmlns:r="http://schemas.openxmlformats.org/officeDocument/2006/relationships" xmlns:p="http://schemas.openxmlformats.org/presentationml/2006/main">
+  <p:tag name="KSO_WM_TAG_VERSION" val="1.0"/>
+  <p:tag name="KSO_WM_BEAUTIFY_FLAG" val="#wm#"/>
+  <p:tag name="KSO_WM_UNIT_TYPE" val="i"/>
+  <p:tag name="KSO_WM_UNIT_ID" val="diagram160404_3*i*8"/>
+  <p:tag name="KSO_WM_TEMPLATE_CATEGORY" val="diagram"/>
+  <p:tag name="KSO_WM_TEMPLATE_INDEX" val="160404"/>
+  <p:tag name="KSO_WM_UNIT_INDEX" val="8"/>
+</p:tagLst>
+</file>
+
+<file path=ppt/tags/tag33.xml><?xml version="1.0" encoding="utf-8"?>
+<p:tagLst xmlns:a="http://schemas.openxmlformats.org/drawingml/2006/main" xmlns:r="http://schemas.openxmlformats.org/officeDocument/2006/relationships" xmlns:p="http://schemas.openxmlformats.org/presentationml/2006/main">
+  <p:tag name="KSO_WM_TAG_VERSION" val="1.0"/>
+  <p:tag name="KSO_WM_BEAUTIFY_FLAG" val="#wm#"/>
+  <p:tag name="KSO_WM_UNIT_TYPE" val="i"/>
+  <p:tag name="KSO_WM_UNIT_ID" val="diagram160404_3*i*15"/>
+  <p:tag name="KSO_WM_TEMPLATE_CATEGORY" val="diagram"/>
+  <p:tag name="KSO_WM_TEMPLATE_INDEX" val="160404"/>
+  <p:tag name="KSO_WM_UNIT_INDEX" val="15"/>
+</p:tagLst>
+</file>
+
+<file path=ppt/tags/tag34.xml><?xml version="1.0" encoding="utf-8"?>
+<p:tagLst xmlns:a="http://schemas.openxmlformats.org/drawingml/2006/main" xmlns:r="http://schemas.openxmlformats.org/officeDocument/2006/relationships" xmlns:p="http://schemas.openxmlformats.org/presentationml/2006/main">
+  <p:tag name="KSO_WM_TEMPLATE_CATEGORY" val="diagram"/>
+  <p:tag name="KSO_WM_TEMPLATE_INDEX" val="160404"/>
+  <p:tag name="KSO_WM_UNIT_TYPE" val="l_i"/>
+  <p:tag name="KSO_WM_UNIT_INDEX" val="1_7"/>
+  <p:tag name="KSO_WM_UNIT_ID" val="diagram160404_3*l_i*1_7"/>
+  <p:tag name="KSO_WM_UNIT_CLEAR" val="1"/>
+  <p:tag name="KSO_WM_UNIT_LAYERLEVEL" val="1_1"/>
+  <p:tag name="KSO_WM_BEAUTIFY_FLAG" val="#wm#"/>
+  <p:tag name="KSO_WM_TAG_VERSION" val="1.0"/>
+  <p:tag name="KSO_WM_DIAGRAM_GROUP_CODE" val="l1-1"/>
+  <p:tag name="KSO_WM_UNIT_LINE_FORE_SCHEMECOLOR_INDEX" val="5"/>
+  <p:tag name="KSO_WM_UNIT_LINE_FILL_TYPE" val="2"/>
+  <p:tag name="KSO_WM_UNIT_USESOURCEFORMAT_APPLY" val="0"/>
+</p:tagLst>
+</file>
+
+<file path=ppt/tags/tag35.xml><?xml version="1.0" encoding="utf-8"?>
+<p:tagLst xmlns:a="http://schemas.openxmlformats.org/drawingml/2006/main" xmlns:r="http://schemas.openxmlformats.org/officeDocument/2006/relationships" xmlns:p="http://schemas.openxmlformats.org/presentationml/2006/main">
+  <p:tag name="KSO_WM_TEMPLATE_CATEGORY" val="diagram"/>
+  <p:tag name="KSO_WM_TEMPLATE_INDEX" val="160404"/>
+  <p:tag name="KSO_WM_UNIT_TYPE" val="l_i"/>
+  <p:tag name="KSO_WM_UNIT_INDEX" val="1_5"/>
+  <p:tag name="KSO_WM_UNIT_ID" val="diagram160404_3*l_i*1_5"/>
+  <p:tag name="KSO_WM_UNIT_CLEAR" val="1"/>
+  <p:tag name="KSO_WM_UNIT_LAYERLEVEL" val="1_1"/>
+  <p:tag name="KSO_WM_BEAUTIFY_FLAG" val="#wm#"/>
+  <p:tag name="KSO_WM_TAG_VERSION" val="1.0"/>
+  <p:tag name="KSO_WM_DIAGRAM_GROUP_CODE" val="l1-1"/>
+  <p:tag name="KSO_WM_UNIT_FILL_FORE_SCHEMECOLOR_INDEX" val="5"/>
+  <p:tag name="KSO_WM_UNIT_FILL_TYPE" val="1"/>
+  <p:tag name="KSO_WM_UNIT_TEXT_FILL_FORE_SCHEMECOLOR_INDEX" val="2"/>
+  <p:tag name="KSO_WM_UNIT_TEXT_FILL_TYPE" val="1"/>
+  <p:tag name="KSO_WM_UNIT_USESOURCEFORMAT_APPLY" val="0"/>
+</p:tagLst>
+</file>
+
+<file path=ppt/tags/tag36.xml><?xml version="1.0" encoding="utf-8"?>
+<p:tagLst xmlns:a="http://schemas.openxmlformats.org/drawingml/2006/main" xmlns:r="http://schemas.openxmlformats.org/officeDocument/2006/relationships" xmlns:p="http://schemas.openxmlformats.org/presentationml/2006/main">
+  <p:tag name="KSO_WM_TEMPLATE_CATEGORY" val="diagram"/>
+  <p:tag name="KSO_WM_TEMPLATE_INDEX" val="160404"/>
+  <p:tag name="KSO_WM_UNIT_TYPE" val="l_i"/>
+  <p:tag name="KSO_WM_UNIT_INDEX" val="1_6"/>
+  <p:tag name="KSO_WM_UNIT_ID" val="diagram160404_3*l_i*1_6"/>
+  <p:tag name="KSO_WM_UNIT_CLEAR" val="1"/>
+  <p:tag name="KSO_WM_UNIT_LAYERLEVEL" val="1_1"/>
+  <p:tag name="KSO_WM_BEAUTIFY_FLAG" val="#wm#"/>
+  <p:tag name="KSO_WM_TAG_VERSION" val="1.0"/>
+  <p:tag name="KSO_WM_DIAGRAM_GROUP_CODE" val="l1-1"/>
+  <p:tag name="KSO_WM_UNIT_FILL_FORE_SCHEMECOLOR_INDEX" val="5"/>
+  <p:tag name="KSO_WM_UNIT_FILL_TYPE" val="1"/>
+  <p:tag name="KSO_WM_UNIT_TEXT_FILL_FORE_SCHEMECOLOR_INDEX" val="14"/>
+  <p:tag name="KSO_WM_UNIT_TEXT_FILL_TYPE" val="1"/>
+  <p:tag name="KSO_WM_UNIT_USESOURCEFORMAT_APPLY" val="0"/>
+</p:tagLst>
+</file>
+
+<file path=ppt/tags/tag37.xml><?xml version="1.0" encoding="utf-8"?>
+<p:tagLst xmlns:a="http://schemas.openxmlformats.org/drawingml/2006/main" xmlns:r="http://schemas.openxmlformats.org/officeDocument/2006/relationships" xmlns:p="http://schemas.openxmlformats.org/presentationml/2006/main">
+  <p:tag name="KSO_WM_TEMPLATE_CATEGORY" val="diagram"/>
+  <p:tag name="KSO_WM_TEMPLATE_INDEX" val="160404"/>
+  <p:tag name="KSO_WM_UNIT_TYPE" val="l_h_f"/>
+  <p:tag name="KSO_WM_UNIT_INDEX" val="1_3_1"/>
+  <p:tag name="KSO_WM_UNIT_ID" val="diagram160404_3*l_h_f*1_3_1"/>
+  <p:tag name="KSO_WM_UNIT_CLEAR" val="1"/>
+  <p:tag name="KSO_WM_UNIT_LAYERLEVEL" val="1_1_1"/>
+  <p:tag name="KSO_WM_UNIT_VALUE" val="42"/>
+  <p:tag name="KSO_WM_UNIT_HIGHLIGHT" val="0"/>
+  <p:tag name="KSO_WM_UNIT_COMPATIBLE" val="0"/>
+  <p:tag name="KSO_WM_BEAUTIFY_FLAG" val="#wm#"/>
+  <p:tag name="KSO_WM_UNIT_PRESET_TEXT_INDEX" val="4"/>
+  <p:tag name="KSO_WM_UNIT_PRESET_TEXT_LEN" val="57"/>
+  <p:tag name="KSO_WM_TAG_VERSION" val="1.0"/>
+  <p:tag name="KSO_WM_DIAGRAM_GROUP_CODE" val="l1-1"/>
+  <p:tag name="KSO_WM_UNIT_TEXT_FILL_FORE_SCHEMECOLOR_INDEX" val="5"/>
+  <p:tag name="KSO_WM_UNIT_TEXT_FILL_TYPE" val="1"/>
+  <p:tag name="KSO_WM_UNIT_USESOURCEFORMAT_APPLY" val="0"/>
+</p:tagLst>
+</file>
+
+<file path=ppt/tags/tag38.xml><?xml version="1.0" encoding="utf-8"?>
+<p:tagLst xmlns:a="http://schemas.openxmlformats.org/drawingml/2006/main" xmlns:r="http://schemas.openxmlformats.org/officeDocument/2006/relationships" xmlns:p="http://schemas.openxmlformats.org/presentationml/2006/main">
+  <p:tag name="KSO_WM_TEMPLATE_CATEGORY" val="diagram"/>
+  <p:tag name="KSO_WM_TEMPLATE_INDEX" val="160404"/>
+  <p:tag name="KSO_WM_UNIT_TYPE" val="l_i"/>
+  <p:tag name="KSO_WM_UNIT_INDEX" val="1_3"/>
+  <p:tag name="KSO_WM_UNIT_ID" val="diagram160404_3*l_i*1_3"/>
+  <p:tag name="KSO_WM_UNIT_CLEAR" val="1"/>
+  <p:tag name="KSO_WM_UNIT_LAYERLEVEL" val="1_1"/>
+  <p:tag name="KSO_WM_BEAUTIFY_FLAG" val="#wm#"/>
+  <p:tag name="KSO_WM_TAG_VERSION" val="1.0"/>
+  <p:tag name="KSO_WM_DIAGRAM_GROUP_CODE" val="l1-1"/>
+  <p:tag name="KSO_WM_UNIT_FILL_FORE_SCHEMECOLOR_INDEX" val="5"/>
+  <p:tag name="KSO_WM_UNIT_FILL_TYPE" val="1"/>
+  <p:tag name="KSO_WM_UNIT_TEXT_FILL_FORE_SCHEMECOLOR_INDEX" val="2"/>
+  <p:tag name="KSO_WM_UNIT_TEXT_FILL_TYPE" val="1"/>
+  <p:tag name="KSO_WM_UNIT_USESOURCEFORMAT_APPLY" val="0"/>
+</p:tagLst>
+</file>
+
+<file path=ppt/tags/tag39.xml><?xml version="1.0" encoding="utf-8"?>
+<p:tagLst xmlns:a="http://schemas.openxmlformats.org/drawingml/2006/main" xmlns:r="http://schemas.openxmlformats.org/officeDocument/2006/relationships" xmlns:p="http://schemas.openxmlformats.org/presentationml/2006/main">
+  <p:tag name="KSO_WM_TEMPLATE_CATEGORY" val="diagram"/>
+  <p:tag name="KSO_WM_TEMPLATE_INDEX" val="160404"/>
+  <p:tag name="KSO_WM_UNIT_TYPE" val="l_i"/>
+  <p:tag name="KSO_WM_UNIT_INDEX" val="1_4"/>
+  <p:tag name="KSO_WM_UNIT_ID" val="diagram160404_3*l_i*1_4"/>
+  <p:tag name="KSO_WM_UNIT_CLEAR" val="1"/>
+  <p:tag name="KSO_WM_UNIT_LAYERLEVEL" val="1_1"/>
+  <p:tag name="KSO_WM_BEAUTIFY_FLAG" val="#wm#"/>
+  <p:tag name="KSO_WM_TAG_VERSION" val="1.0"/>
+  <p:tag name="KSO_WM_DIAGRAM_GROUP_CODE" val="l1-1"/>
+  <p:tag name="KSO_WM_UNIT_FILL_FORE_SCHEMECOLOR_INDEX" val="5"/>
+  <p:tag name="KSO_WM_UNIT_FILL_TYPE" val="1"/>
+  <p:tag name="KSO_WM_UNIT_TEXT_FILL_FORE_SCHEMECOLOR_INDEX" val="14"/>
+  <p:tag name="KSO_WM_UNIT_TEXT_FILL_TYPE" val="1"/>
+  <p:tag name="KSO_WM_UNIT_USESOURCEFORMAT_APPLY" val="0"/>
+</p:tagLst>
+</file>
+
+<file path=ppt/tags/tag4.xml><?xml version="1.0" encoding="utf-8"?>
+<p:tagLst xmlns:a="http://schemas.openxmlformats.org/drawingml/2006/main" xmlns:r="http://schemas.openxmlformats.org/officeDocument/2006/relationships" xmlns:p="http://schemas.openxmlformats.org/presentationml/2006/main">
+  <p:tag name="MH" val="20170809124154"/>
+  <p:tag name="MH_LIBRARY" val="CONTENTS"/>
+  <p:tag name="MH_TYPE" val="NUMBER"/>
+  <p:tag name="ID" val="547147"/>
+  <p:tag name="MH_ORDER" val="1"/>
+</p:tagLst>
+</file>
+
+<file path=ppt/tags/tag40.xml><?xml version="1.0" encoding="utf-8"?>
+<p:tagLst xmlns:a="http://schemas.openxmlformats.org/drawingml/2006/main" xmlns:r="http://schemas.openxmlformats.org/officeDocument/2006/relationships" xmlns:p="http://schemas.openxmlformats.org/presentationml/2006/main">
+  <p:tag name="KSO_WM_TEMPLATE_CATEGORY" val="diagram"/>
+  <p:tag name="KSO_WM_TEMPLATE_INDEX" val="160404"/>
+  <p:tag name="KSO_WM_UNIT_TYPE" val="l_h_f"/>
+  <p:tag name="KSO_WM_UNIT_INDEX" val="1_2_1"/>
+  <p:tag name="KSO_WM_UNIT_ID" val="diagram160404_3*l_h_f*1_2_1"/>
+  <p:tag name="KSO_WM_UNIT_CLEAR" val="1"/>
+  <p:tag name="KSO_WM_UNIT_LAYERLEVEL" val="1_1_1"/>
+  <p:tag name="KSO_WM_UNIT_VALUE" val="42"/>
+  <p:tag name="KSO_WM_UNIT_HIGHLIGHT" val="0"/>
+  <p:tag name="KSO_WM_UNIT_COMPATIBLE" val="0"/>
+  <p:tag name="KSO_WM_BEAUTIFY_FLAG" val="#wm#"/>
+  <p:tag name="KSO_WM_UNIT_PRESET_TEXT_INDEX" val="4"/>
+  <p:tag name="KSO_WM_UNIT_PRESET_TEXT_LEN" val="57"/>
+  <p:tag name="KSO_WM_TAG_VERSION" val="1.0"/>
+  <p:tag name="KSO_WM_DIAGRAM_GROUP_CODE" val="l1-1"/>
+  <p:tag name="KSO_WM_UNIT_TEXT_FILL_FORE_SCHEMECOLOR_INDEX" val="5"/>
+  <p:tag name="KSO_WM_UNIT_TEXT_FILL_TYPE" val="1"/>
+  <p:tag name="KSO_WM_UNIT_USESOURCEFORMAT_APPLY" val="0"/>
+</p:tagLst>
+</file>
+
+<file path=ppt/tags/tag41.xml><?xml version="1.0" encoding="utf-8"?>
+<p:tagLst xmlns:a="http://schemas.openxmlformats.org/drawingml/2006/main" xmlns:r="http://schemas.openxmlformats.org/officeDocument/2006/relationships" xmlns:p="http://schemas.openxmlformats.org/presentationml/2006/main">
   <p:tag name="KSO_WM_TEMPLATE_CATEGORY" val="diagram"/>
   <p:tag name="KSO_WM_TEMPLATE_INDEX" val="160404"/>
   <p:tag name="KSO_WM_UNIT_TYPE" val="l_i"/>
@@ -21030,8 +21509,8 @@
 </p:tagLst>
 </file>
 
-<file path=ppt/tags/tag32.xml><?xml version="1.0" encoding="utf-8"?>
-<p:tagLst xmlns:p="http://schemas.openxmlformats.org/presentationml/2006/main">
+<file path=ppt/tags/tag42.xml><?xml version="1.0" encoding="utf-8"?>
+<p:tagLst xmlns:a="http://schemas.openxmlformats.org/drawingml/2006/main" xmlns:r="http://schemas.openxmlformats.org/officeDocument/2006/relationships" xmlns:p="http://schemas.openxmlformats.org/presentationml/2006/main">
   <p:tag name="KSO_WM_TEMPLATE_CATEGORY" val="diagram"/>
   <p:tag name="KSO_WM_TEMPLATE_INDEX" val="160404"/>
   <p:tag name="KSO_WM_UNIT_TYPE" val="l_i"/>
@@ -21050,8 +21529,8 @@
 </p:tagLst>
 </file>
 
-<file path=ppt/tags/tag33.xml><?xml version="1.0" encoding="utf-8"?>
-<p:tagLst xmlns:p="http://schemas.openxmlformats.org/presentationml/2006/main">
+<file path=ppt/tags/tag43.xml><?xml version="1.0" encoding="utf-8"?>
+<p:tagLst xmlns:a="http://schemas.openxmlformats.org/drawingml/2006/main" xmlns:r="http://schemas.openxmlformats.org/officeDocument/2006/relationships" xmlns:p="http://schemas.openxmlformats.org/presentationml/2006/main">
   <p:tag name="KSO_WM_TEMPLATE_CATEGORY" val="diagram"/>
   <p:tag name="KSO_WM_TEMPLATE_INDEX" val="160404"/>
   <p:tag name="KSO_WM_UNIT_TYPE" val="l_h_f"/>
@@ -21073,204 +21552,8 @@
 </p:tagLst>
 </file>
 
-<file path=ppt/tags/tag34.xml><?xml version="1.0" encoding="utf-8"?>
-<p:tagLst xmlns:p="http://schemas.openxmlformats.org/presentationml/2006/main">
-  <p:tag name="KSO_WM_TAG_VERSION" val="1.0"/>
-  <p:tag name="KSO_WM_BEAUTIFY_FLAG" val="#wm#"/>
-  <p:tag name="KSO_WM_UNIT_TYPE" val="i"/>
-  <p:tag name="KSO_WM_UNIT_ID" val="diagram160404_3*i*8"/>
-  <p:tag name="KSO_WM_TEMPLATE_CATEGORY" val="diagram"/>
-  <p:tag name="KSO_WM_TEMPLATE_INDEX" val="160404"/>
-  <p:tag name="KSO_WM_UNIT_INDEX" val="8"/>
-</p:tagLst>
-</file>
-
-<file path=ppt/tags/tag35.xml><?xml version="1.0" encoding="utf-8"?>
-<p:tagLst xmlns:p="http://schemas.openxmlformats.org/presentationml/2006/main">
-  <p:tag name="KSO_WM_TEMPLATE_CATEGORY" val="diagram"/>
-  <p:tag name="KSO_WM_TEMPLATE_INDEX" val="160404"/>
-  <p:tag name="KSO_WM_UNIT_TYPE" val="l_i"/>
-  <p:tag name="KSO_WM_UNIT_INDEX" val="1_3"/>
-  <p:tag name="KSO_WM_UNIT_ID" val="diagram160404_3*l_i*1_3"/>
-  <p:tag name="KSO_WM_UNIT_CLEAR" val="1"/>
-  <p:tag name="KSO_WM_UNIT_LAYERLEVEL" val="1_1"/>
-  <p:tag name="KSO_WM_BEAUTIFY_FLAG" val="#wm#"/>
-  <p:tag name="KSO_WM_TAG_VERSION" val="1.0"/>
-  <p:tag name="KSO_WM_DIAGRAM_GROUP_CODE" val="l1-1"/>
-  <p:tag name="KSO_WM_UNIT_FILL_FORE_SCHEMECOLOR_INDEX" val="5"/>
-  <p:tag name="KSO_WM_UNIT_FILL_TYPE" val="1"/>
-  <p:tag name="KSO_WM_UNIT_TEXT_FILL_FORE_SCHEMECOLOR_INDEX" val="2"/>
-  <p:tag name="KSO_WM_UNIT_TEXT_FILL_TYPE" val="1"/>
-  <p:tag name="KSO_WM_UNIT_USESOURCEFORMAT_APPLY" val="0"/>
-</p:tagLst>
-</file>
-
-<file path=ppt/tags/tag36.xml><?xml version="1.0" encoding="utf-8"?>
-<p:tagLst xmlns:p="http://schemas.openxmlformats.org/presentationml/2006/main">
-  <p:tag name="KSO_WM_TEMPLATE_CATEGORY" val="diagram"/>
-  <p:tag name="KSO_WM_TEMPLATE_INDEX" val="160404"/>
-  <p:tag name="KSO_WM_UNIT_TYPE" val="l_i"/>
-  <p:tag name="KSO_WM_UNIT_INDEX" val="1_4"/>
-  <p:tag name="KSO_WM_UNIT_ID" val="diagram160404_3*l_i*1_4"/>
-  <p:tag name="KSO_WM_UNIT_CLEAR" val="1"/>
-  <p:tag name="KSO_WM_UNIT_LAYERLEVEL" val="1_1"/>
-  <p:tag name="KSO_WM_BEAUTIFY_FLAG" val="#wm#"/>
-  <p:tag name="KSO_WM_TAG_VERSION" val="1.0"/>
-  <p:tag name="KSO_WM_DIAGRAM_GROUP_CODE" val="l1-1"/>
-  <p:tag name="KSO_WM_UNIT_FILL_FORE_SCHEMECOLOR_INDEX" val="5"/>
-  <p:tag name="KSO_WM_UNIT_FILL_TYPE" val="1"/>
-  <p:tag name="KSO_WM_UNIT_TEXT_FILL_FORE_SCHEMECOLOR_INDEX" val="14"/>
-  <p:tag name="KSO_WM_UNIT_TEXT_FILL_TYPE" val="1"/>
-  <p:tag name="KSO_WM_UNIT_USESOURCEFORMAT_APPLY" val="0"/>
-</p:tagLst>
-</file>
-
-<file path=ppt/tags/tag37.xml><?xml version="1.0" encoding="utf-8"?>
-<p:tagLst xmlns:p="http://schemas.openxmlformats.org/presentationml/2006/main">
-  <p:tag name="KSO_WM_TEMPLATE_CATEGORY" val="diagram"/>
-  <p:tag name="KSO_WM_TEMPLATE_INDEX" val="160404"/>
-  <p:tag name="KSO_WM_UNIT_TYPE" val="l_h_f"/>
-  <p:tag name="KSO_WM_UNIT_INDEX" val="1_2_1"/>
-  <p:tag name="KSO_WM_UNIT_ID" val="diagram160404_3*l_h_f*1_2_1"/>
-  <p:tag name="KSO_WM_UNIT_CLEAR" val="1"/>
-  <p:tag name="KSO_WM_UNIT_LAYERLEVEL" val="1_1_1"/>
-  <p:tag name="KSO_WM_UNIT_VALUE" val="42"/>
-  <p:tag name="KSO_WM_UNIT_HIGHLIGHT" val="0"/>
-  <p:tag name="KSO_WM_UNIT_COMPATIBLE" val="0"/>
-  <p:tag name="KSO_WM_BEAUTIFY_FLAG" val="#wm#"/>
-  <p:tag name="KSO_WM_UNIT_PRESET_TEXT_INDEX" val="4"/>
-  <p:tag name="KSO_WM_UNIT_PRESET_TEXT_LEN" val="57"/>
-  <p:tag name="KSO_WM_TAG_VERSION" val="1.0"/>
-  <p:tag name="KSO_WM_DIAGRAM_GROUP_CODE" val="l1-1"/>
-  <p:tag name="KSO_WM_UNIT_TEXT_FILL_FORE_SCHEMECOLOR_INDEX" val="5"/>
-  <p:tag name="KSO_WM_UNIT_TEXT_FILL_TYPE" val="1"/>
-  <p:tag name="KSO_WM_UNIT_USESOURCEFORMAT_APPLY" val="0"/>
-</p:tagLst>
-</file>
-
-<file path=ppt/tags/tag38.xml><?xml version="1.0" encoding="utf-8"?>
-<p:tagLst xmlns:p="http://schemas.openxmlformats.org/presentationml/2006/main">
-  <p:tag name="KSO_WM_TAG_VERSION" val="1.0"/>
-  <p:tag name="KSO_WM_BEAUTIFY_FLAG" val="#wm#"/>
-  <p:tag name="KSO_WM_UNIT_TYPE" val="i"/>
-  <p:tag name="KSO_WM_UNIT_ID" val="diagram160404_3*i*15"/>
-  <p:tag name="KSO_WM_TEMPLATE_CATEGORY" val="diagram"/>
-  <p:tag name="KSO_WM_TEMPLATE_INDEX" val="160404"/>
-  <p:tag name="KSO_WM_UNIT_INDEX" val="15"/>
-</p:tagLst>
-</file>
-
-<file path=ppt/tags/tag39.xml><?xml version="1.0" encoding="utf-8"?>
-<p:tagLst xmlns:p="http://schemas.openxmlformats.org/presentationml/2006/main">
-  <p:tag name="KSO_WM_TEMPLATE_CATEGORY" val="diagram"/>
-  <p:tag name="KSO_WM_TEMPLATE_INDEX" val="160404"/>
-  <p:tag name="KSO_WM_UNIT_TYPE" val="l_i"/>
-  <p:tag name="KSO_WM_UNIT_INDEX" val="1_5"/>
-  <p:tag name="KSO_WM_UNIT_ID" val="diagram160404_3*l_i*1_5"/>
-  <p:tag name="KSO_WM_UNIT_CLEAR" val="1"/>
-  <p:tag name="KSO_WM_UNIT_LAYERLEVEL" val="1_1"/>
-  <p:tag name="KSO_WM_BEAUTIFY_FLAG" val="#wm#"/>
-  <p:tag name="KSO_WM_TAG_VERSION" val="1.0"/>
-  <p:tag name="KSO_WM_DIAGRAM_GROUP_CODE" val="l1-1"/>
-  <p:tag name="KSO_WM_UNIT_FILL_FORE_SCHEMECOLOR_INDEX" val="5"/>
-  <p:tag name="KSO_WM_UNIT_FILL_TYPE" val="1"/>
-  <p:tag name="KSO_WM_UNIT_TEXT_FILL_FORE_SCHEMECOLOR_INDEX" val="2"/>
-  <p:tag name="KSO_WM_UNIT_TEXT_FILL_TYPE" val="1"/>
-  <p:tag name="KSO_WM_UNIT_USESOURCEFORMAT_APPLY" val="0"/>
-</p:tagLst>
-</file>
-
-<file path=ppt/tags/tag4.xml><?xml version="1.0" encoding="utf-8"?>
-<p:tagLst xmlns:p="http://schemas.openxmlformats.org/presentationml/2006/main">
-  <p:tag name="MH" val="20170809124154"/>
-  <p:tag name="MH_LIBRARY" val="CONTENTS"/>
-  <p:tag name="MH_TYPE" val="NUMBER"/>
-  <p:tag name="ID" val="547147"/>
-  <p:tag name="MH_ORDER" val="1"/>
-</p:tagLst>
-</file>
-
-<file path=ppt/tags/tag40.xml><?xml version="1.0" encoding="utf-8"?>
-<p:tagLst xmlns:p="http://schemas.openxmlformats.org/presentationml/2006/main">
-  <p:tag name="KSO_WM_TEMPLATE_CATEGORY" val="diagram"/>
-  <p:tag name="KSO_WM_TEMPLATE_INDEX" val="160404"/>
-  <p:tag name="KSO_WM_UNIT_TYPE" val="l_i"/>
-  <p:tag name="KSO_WM_UNIT_INDEX" val="1_6"/>
-  <p:tag name="KSO_WM_UNIT_ID" val="diagram160404_3*l_i*1_6"/>
-  <p:tag name="KSO_WM_UNIT_CLEAR" val="1"/>
-  <p:tag name="KSO_WM_UNIT_LAYERLEVEL" val="1_1"/>
-  <p:tag name="KSO_WM_BEAUTIFY_FLAG" val="#wm#"/>
-  <p:tag name="KSO_WM_TAG_VERSION" val="1.0"/>
-  <p:tag name="KSO_WM_DIAGRAM_GROUP_CODE" val="l1-1"/>
-  <p:tag name="KSO_WM_UNIT_FILL_FORE_SCHEMECOLOR_INDEX" val="5"/>
-  <p:tag name="KSO_WM_UNIT_FILL_TYPE" val="1"/>
-  <p:tag name="KSO_WM_UNIT_TEXT_FILL_FORE_SCHEMECOLOR_INDEX" val="14"/>
-  <p:tag name="KSO_WM_UNIT_TEXT_FILL_TYPE" val="1"/>
-  <p:tag name="KSO_WM_UNIT_USESOURCEFORMAT_APPLY" val="0"/>
-</p:tagLst>
-</file>
-
-<file path=ppt/tags/tag41.xml><?xml version="1.0" encoding="utf-8"?>
-<p:tagLst xmlns:p="http://schemas.openxmlformats.org/presentationml/2006/main">
-  <p:tag name="KSO_WM_TEMPLATE_CATEGORY" val="diagram"/>
-  <p:tag name="KSO_WM_TEMPLATE_INDEX" val="160404"/>
-  <p:tag name="KSO_WM_UNIT_TYPE" val="l_h_f"/>
-  <p:tag name="KSO_WM_UNIT_INDEX" val="1_3_1"/>
-  <p:tag name="KSO_WM_UNIT_ID" val="diagram160404_3*l_h_f*1_3_1"/>
-  <p:tag name="KSO_WM_UNIT_CLEAR" val="1"/>
-  <p:tag name="KSO_WM_UNIT_LAYERLEVEL" val="1_1_1"/>
-  <p:tag name="KSO_WM_UNIT_VALUE" val="42"/>
-  <p:tag name="KSO_WM_UNIT_HIGHLIGHT" val="0"/>
-  <p:tag name="KSO_WM_UNIT_COMPATIBLE" val="0"/>
-  <p:tag name="KSO_WM_BEAUTIFY_FLAG" val="#wm#"/>
-  <p:tag name="KSO_WM_UNIT_PRESET_TEXT_INDEX" val="4"/>
-  <p:tag name="KSO_WM_UNIT_PRESET_TEXT_LEN" val="57"/>
-  <p:tag name="KSO_WM_TAG_VERSION" val="1.0"/>
-  <p:tag name="KSO_WM_DIAGRAM_GROUP_CODE" val="l1-1"/>
-  <p:tag name="KSO_WM_UNIT_TEXT_FILL_FORE_SCHEMECOLOR_INDEX" val="5"/>
-  <p:tag name="KSO_WM_UNIT_TEXT_FILL_TYPE" val="1"/>
-  <p:tag name="KSO_WM_UNIT_USESOURCEFORMAT_APPLY" val="0"/>
-</p:tagLst>
-</file>
-
-<file path=ppt/tags/tag42.xml><?xml version="1.0" encoding="utf-8"?>
-<p:tagLst xmlns:p="http://schemas.openxmlformats.org/presentationml/2006/main">
-  <p:tag name="KSO_WM_TEMPLATE_CATEGORY" val="diagram"/>
-  <p:tag name="KSO_WM_TEMPLATE_INDEX" val="160404"/>
-  <p:tag name="KSO_WM_UNIT_TYPE" val="l_i"/>
-  <p:tag name="KSO_WM_UNIT_INDEX" val="1_7"/>
-  <p:tag name="KSO_WM_UNIT_ID" val="diagram160404_3*l_i*1_7"/>
-  <p:tag name="KSO_WM_UNIT_CLEAR" val="1"/>
-  <p:tag name="KSO_WM_UNIT_LAYERLEVEL" val="1_1"/>
-  <p:tag name="KSO_WM_BEAUTIFY_FLAG" val="#wm#"/>
-  <p:tag name="KSO_WM_TAG_VERSION" val="1.0"/>
-  <p:tag name="KSO_WM_DIAGRAM_GROUP_CODE" val="l1-1"/>
-  <p:tag name="KSO_WM_UNIT_LINE_FORE_SCHEMECOLOR_INDEX" val="5"/>
-  <p:tag name="KSO_WM_UNIT_LINE_FILL_TYPE" val="2"/>
-  <p:tag name="KSO_WM_UNIT_USESOURCEFORMAT_APPLY" val="0"/>
-</p:tagLst>
-</file>
-
-<file path=ppt/tags/tag43.xml><?xml version="1.0" encoding="utf-8"?>
-<p:tagLst xmlns:p="http://schemas.openxmlformats.org/presentationml/2006/main">
-  <p:tag name="KSO_WM_SLIDE_ID" val="diagram160404_3"/>
-  <p:tag name="KSO_WM_SLIDE_INDEX" val="3"/>
-  <p:tag name="KSO_WM_SLIDE_ITEM_CNT" val="3"/>
-  <p:tag name="KSO_WM_SLIDE_LAYOUT" val="l_a"/>
-  <p:tag name="KSO_WM_SLIDE_LAYOUT_CNT" val="1_1"/>
-  <p:tag name="KSO_WM_SLIDE_TYPE" val="text"/>
-  <p:tag name="KSO_WM_BEAUTIFY_FLAG" val="#wm#"/>
-  <p:tag name="KSO_WM_SLIDE_POSITION" val="225*128"/>
-  <p:tag name="KSO_WM_SLIDE_SIZE" val="510*364"/>
-  <p:tag name="KSO_WM_TEMPLATE_CATEGORY" val="diagram"/>
-  <p:tag name="KSO_WM_TEMPLATE_INDEX" val="160404"/>
-  <p:tag name="KSO_WM_TAG_VERSION" val="1.0"/>
-  <p:tag name="KSO_WM_DIAGRAM_GROUP_CODE" val="l1-1"/>
-</p:tagLst>
-</file>
-
 <file path=ppt/tags/tag44.xml><?xml version="1.0" encoding="utf-8"?>
-<p:tagLst xmlns:p="http://schemas.openxmlformats.org/presentationml/2006/main">
+<p:tagLst xmlns:a="http://schemas.openxmlformats.org/drawingml/2006/main" xmlns:r="http://schemas.openxmlformats.org/officeDocument/2006/relationships" xmlns:p="http://schemas.openxmlformats.org/presentationml/2006/main">
   <p:tag name="KSO_WM_TEMPLATE_CATEGORY" val="basetag"/>
   <p:tag name="KSO_WM_TEMPLATE_INDEX" val="20163611"/>
   <p:tag name="KSO_WM_TAG_VERSION" val="1.0"/>
@@ -21283,7 +21566,7 @@
 </file>
 
 <file path=ppt/tags/tag45.xml><?xml version="1.0" encoding="utf-8"?>
-<p:tagLst xmlns:p="http://schemas.openxmlformats.org/presentationml/2006/main">
+<p:tagLst xmlns:a="http://schemas.openxmlformats.org/drawingml/2006/main" xmlns:r="http://schemas.openxmlformats.org/officeDocument/2006/relationships" xmlns:p="http://schemas.openxmlformats.org/presentationml/2006/main">
   <p:tag name="KSO_WM_TEMPLATE_CATEGORY" val="basetag"/>
   <p:tag name="KSO_WM_TEMPLATE_INDEX" val="20163611"/>
   <p:tag name="KSO_WM_TAG_VERSION" val="1.0"/>
@@ -21296,7 +21579,7 @@
 </file>
 
 <file path=ppt/tags/tag46.xml><?xml version="1.0" encoding="utf-8"?>
-<p:tagLst xmlns:p="http://schemas.openxmlformats.org/presentationml/2006/main">
+<p:tagLst xmlns:a="http://schemas.openxmlformats.org/drawingml/2006/main" xmlns:r="http://schemas.openxmlformats.org/officeDocument/2006/relationships" xmlns:p="http://schemas.openxmlformats.org/presentationml/2006/main">
   <p:tag name="KSO_WM_TEMPLATE_CATEGORY" val="basetag"/>
   <p:tag name="KSO_WM_TEMPLATE_INDEX" val="20163611"/>
   <p:tag name="KSO_WM_TAG_VERSION" val="1.0"/>
@@ -21309,7 +21592,7 @@
 </file>
 
 <file path=ppt/tags/tag47.xml><?xml version="1.0" encoding="utf-8"?>
-<p:tagLst xmlns:p="http://schemas.openxmlformats.org/presentationml/2006/main">
+<p:tagLst xmlns:a="http://schemas.openxmlformats.org/drawingml/2006/main" xmlns:r="http://schemas.openxmlformats.org/officeDocument/2006/relationships" xmlns:p="http://schemas.openxmlformats.org/presentationml/2006/main">
   <p:tag name="KSO_WM_TEMPLATE_CATEGORY" val="basetag"/>
   <p:tag name="KSO_WM_TEMPLATE_INDEX" val="20163611"/>
   <p:tag name="KSO_WM_TAG_VERSION" val="1.0"/>
@@ -21322,7 +21605,7 @@
 </file>
 
 <file path=ppt/tags/tag48.xml><?xml version="1.0" encoding="utf-8"?>
-<p:tagLst xmlns:p="http://schemas.openxmlformats.org/presentationml/2006/main">
+<p:tagLst xmlns:a="http://schemas.openxmlformats.org/drawingml/2006/main" xmlns:r="http://schemas.openxmlformats.org/officeDocument/2006/relationships" xmlns:p="http://schemas.openxmlformats.org/presentationml/2006/main">
   <p:tag name="KSO_WM_TEMPLATE_CATEGORY" val="basetag"/>
   <p:tag name="KSO_WM_TEMPLATE_INDEX" val="20163611"/>
   <p:tag name="KSO_WM_TAG_VERSION" val="1.0"/>
@@ -21335,7 +21618,7 @@
 </file>
 
 <file path=ppt/tags/tag49.xml><?xml version="1.0" encoding="utf-8"?>
-<p:tagLst xmlns:p="http://schemas.openxmlformats.org/presentationml/2006/main">
+<p:tagLst xmlns:a="http://schemas.openxmlformats.org/drawingml/2006/main" xmlns:r="http://schemas.openxmlformats.org/officeDocument/2006/relationships" xmlns:p="http://schemas.openxmlformats.org/presentationml/2006/main">
   <p:tag name="KSO_WM_TEMPLATE_CATEGORY" val="basetag"/>
   <p:tag name="KSO_WM_TEMPLATE_INDEX" val="20163611"/>
   <p:tag name="KSO_WM_TAG_VERSION" val="1.0"/>
@@ -21348,15 +21631,17 @@
 </file>
 
 <file path=ppt/tags/tag5.xml><?xml version="1.0" encoding="utf-8"?>
-<p:tagLst xmlns:p="http://schemas.openxmlformats.org/presentationml/2006/main">
-  <p:tag name="KSO_WM_TAG_VERSION" val="1.0"/>
-  <p:tag name="KSO_WM_TEMPLATE_CATEGORY" val="custom"/>
-  <p:tag name="KSO_WM_TEMPLATE_INDEX" val="20181612"/>
+<p:tagLst xmlns:a="http://schemas.openxmlformats.org/drawingml/2006/main" xmlns:r="http://schemas.openxmlformats.org/officeDocument/2006/relationships" xmlns:p="http://schemas.openxmlformats.org/presentationml/2006/main">
+  <p:tag name="MH" val="20170809124154"/>
+  <p:tag name="MH_LIBRARY" val="CONTENTS"/>
+  <p:tag name="MH_TYPE" val="NUMBER"/>
+  <p:tag name="ID" val="547147"/>
+  <p:tag name="MH_ORDER" val="1"/>
 </p:tagLst>
 </file>
 
 <file path=ppt/tags/tag50.xml><?xml version="1.0" encoding="utf-8"?>
-<p:tagLst xmlns:p="http://schemas.openxmlformats.org/presentationml/2006/main">
+<p:tagLst xmlns:a="http://schemas.openxmlformats.org/drawingml/2006/main" xmlns:r="http://schemas.openxmlformats.org/officeDocument/2006/relationships" xmlns:p="http://schemas.openxmlformats.org/presentationml/2006/main">
   <p:tag name="KSO_WM_TEMPLATE_CATEGORY" val="basetag"/>
   <p:tag name="KSO_WM_TEMPLATE_INDEX" val="20163611"/>
   <p:tag name="KSO_WM_TAG_VERSION" val="1.0"/>
@@ -21369,7 +21654,7 @@
 </file>
 
 <file path=ppt/tags/tag51.xml><?xml version="1.0" encoding="utf-8"?>
-<p:tagLst xmlns:p="http://schemas.openxmlformats.org/presentationml/2006/main">
+<p:tagLst xmlns:a="http://schemas.openxmlformats.org/drawingml/2006/main" xmlns:r="http://schemas.openxmlformats.org/officeDocument/2006/relationships" xmlns:p="http://schemas.openxmlformats.org/presentationml/2006/main">
   <p:tag name="KSO_WM_TEMPLATE_CATEGORY" val="basetag"/>
   <p:tag name="KSO_WM_TEMPLATE_INDEX" val="20163611"/>
   <p:tag name="KSO_WM_TAG_VERSION" val="1.0"/>
@@ -21382,7 +21667,7 @@
 </file>
 
 <file path=ppt/tags/tag52.xml><?xml version="1.0" encoding="utf-8"?>
-<p:tagLst xmlns:p="http://schemas.openxmlformats.org/presentationml/2006/main">
+<p:tagLst xmlns:a="http://schemas.openxmlformats.org/drawingml/2006/main" xmlns:r="http://schemas.openxmlformats.org/officeDocument/2006/relationships" xmlns:p="http://schemas.openxmlformats.org/presentationml/2006/main">
   <p:tag name="KSO_WM_TEMPLATE_CATEGORY" val="basetag"/>
   <p:tag name="KSO_WM_TEMPLATE_INDEX" val="20163611"/>
   <p:tag name="KSO_WM_TAG_VERSION" val="1.0"/>
@@ -21395,7 +21680,7 @@
 </file>
 
 <file path=ppt/tags/tag53.xml><?xml version="1.0" encoding="utf-8"?>
-<p:tagLst xmlns:p="http://schemas.openxmlformats.org/presentationml/2006/main">
+<p:tagLst xmlns:a="http://schemas.openxmlformats.org/drawingml/2006/main" xmlns:r="http://schemas.openxmlformats.org/officeDocument/2006/relationships" xmlns:p="http://schemas.openxmlformats.org/presentationml/2006/main">
   <p:tag name="KSO_WM_TEMPLATE_CATEGORY" val="basetag"/>
   <p:tag name="KSO_WM_TEMPLATE_INDEX" val="20163611"/>
   <p:tag name="KSO_WM_TAG_VERSION" val="1.0"/>
@@ -21408,7 +21693,7 @@
 </file>
 
 <file path=ppt/tags/tag54.xml><?xml version="1.0" encoding="utf-8"?>
-<p:tagLst xmlns:p="http://schemas.openxmlformats.org/presentationml/2006/main">
+<p:tagLst xmlns:a="http://schemas.openxmlformats.org/drawingml/2006/main" xmlns:r="http://schemas.openxmlformats.org/officeDocument/2006/relationships" xmlns:p="http://schemas.openxmlformats.org/presentationml/2006/main">
   <p:tag name="KSO_WM_TEMPLATE_CATEGORY" val="basetag"/>
   <p:tag name="KSO_WM_TEMPLATE_INDEX" val="20163611"/>
   <p:tag name="KSO_WM_TAG_VERSION" val="1.0"/>
@@ -21421,7 +21706,7 @@
 </file>
 
 <file path=ppt/tags/tag55.xml><?xml version="1.0" encoding="utf-8"?>
-<p:tagLst xmlns:p="http://schemas.openxmlformats.org/presentationml/2006/main">
+<p:tagLst xmlns:a="http://schemas.openxmlformats.org/drawingml/2006/main" xmlns:r="http://schemas.openxmlformats.org/officeDocument/2006/relationships" xmlns:p="http://schemas.openxmlformats.org/presentationml/2006/main">
   <p:tag name="KSO_WM_TEMPLATE_CATEGORY" val="basetag"/>
   <p:tag name="KSO_WM_TEMPLATE_INDEX" val="20163611"/>
   <p:tag name="KSO_WM_TAG_VERSION" val="1.0"/>
@@ -21434,7 +21719,7 @@
 </file>
 
 <file path=ppt/tags/tag56.xml><?xml version="1.0" encoding="utf-8"?>
-<p:tagLst xmlns:p="http://schemas.openxmlformats.org/presentationml/2006/main">
+<p:tagLst xmlns:a="http://schemas.openxmlformats.org/drawingml/2006/main" xmlns:r="http://schemas.openxmlformats.org/officeDocument/2006/relationships" xmlns:p="http://schemas.openxmlformats.org/presentationml/2006/main">
   <p:tag name="KSO_WM_TEMPLATE_CATEGORY" val="basetag"/>
   <p:tag name="KSO_WM_TEMPLATE_INDEX" val="20163611"/>
   <p:tag name="KSO_WM_TAG_VERSION" val="1.0"/>
@@ -21447,7 +21732,7 @@
 </file>
 
 <file path=ppt/tags/tag57.xml><?xml version="1.0" encoding="utf-8"?>
-<p:tagLst xmlns:p="http://schemas.openxmlformats.org/presentationml/2006/main">
+<p:tagLst xmlns:a="http://schemas.openxmlformats.org/drawingml/2006/main" xmlns:r="http://schemas.openxmlformats.org/officeDocument/2006/relationships" xmlns:p="http://schemas.openxmlformats.org/presentationml/2006/main">
   <p:tag name="KSO_WM_TEMPLATE_CATEGORY" val="basetag"/>
   <p:tag name="KSO_WM_TEMPLATE_INDEX" val="20163611"/>
   <p:tag name="KSO_WM_TAG_VERSION" val="1.0"/>
@@ -21460,7 +21745,7 @@
 </file>
 
 <file path=ppt/tags/tag58.xml><?xml version="1.0" encoding="utf-8"?>
-<p:tagLst xmlns:p="http://schemas.openxmlformats.org/presentationml/2006/main">
+<p:tagLst xmlns:a="http://schemas.openxmlformats.org/drawingml/2006/main" xmlns:r="http://schemas.openxmlformats.org/officeDocument/2006/relationships" xmlns:p="http://schemas.openxmlformats.org/presentationml/2006/main">
   <p:tag name="KSO_WM_TEMPLATE_CATEGORY" val="basetag"/>
   <p:tag name="KSO_WM_TEMPLATE_INDEX" val="20163611"/>
   <p:tag name="KSO_WM_TAG_VERSION" val="1.0"/>
@@ -21473,7 +21758,7 @@
 </file>
 
 <file path=ppt/tags/tag59.xml><?xml version="1.0" encoding="utf-8"?>
-<p:tagLst xmlns:p="http://schemas.openxmlformats.org/presentationml/2006/main">
+<p:tagLst xmlns:a="http://schemas.openxmlformats.org/drawingml/2006/main" xmlns:r="http://schemas.openxmlformats.org/officeDocument/2006/relationships" xmlns:p="http://schemas.openxmlformats.org/presentationml/2006/main">
   <p:tag name="KSO_WM_TEMPLATE_CATEGORY" val="basetag"/>
   <p:tag name="KSO_WM_TEMPLATE_INDEX" val="20163611"/>
   <p:tag name="KSO_WM_TAG_VERSION" val="1.0"/>
@@ -21486,15 +21771,17 @@
 </file>
 
 <file path=ppt/tags/tag6.xml><?xml version="1.0" encoding="utf-8"?>
-<p:tagLst xmlns:p="http://schemas.openxmlformats.org/presentationml/2006/main">
-  <p:tag name="KSO_WM_TAG_VERSION" val="1.0"/>
-  <p:tag name="KSO_WM_TEMPLATE_CATEGORY" val="custom"/>
-  <p:tag name="KSO_WM_TEMPLATE_INDEX" val="20181612"/>
+<p:tagLst xmlns:a="http://schemas.openxmlformats.org/drawingml/2006/main" xmlns:r="http://schemas.openxmlformats.org/officeDocument/2006/relationships" xmlns:p="http://schemas.openxmlformats.org/presentationml/2006/main">
+  <p:tag name="MH" val="20170809124154"/>
+  <p:tag name="MH_LIBRARY" val="CONTENTS"/>
+  <p:tag name="MH_TYPE" val="NUMBER"/>
+  <p:tag name="ID" val="547147"/>
+  <p:tag name="MH_ORDER" val="1"/>
 </p:tagLst>
 </file>
 
 <file path=ppt/tags/tag60.xml><?xml version="1.0" encoding="utf-8"?>
-<p:tagLst xmlns:p="http://schemas.openxmlformats.org/presentationml/2006/main">
+<p:tagLst xmlns:a="http://schemas.openxmlformats.org/drawingml/2006/main" xmlns:r="http://schemas.openxmlformats.org/officeDocument/2006/relationships" xmlns:p="http://schemas.openxmlformats.org/presentationml/2006/main">
   <p:tag name="KSO_WM_TEMPLATE_CATEGORY" val="basetag"/>
   <p:tag name="KSO_WM_TEMPLATE_INDEX" val="20163611"/>
   <p:tag name="KSO_WM_TAG_VERSION" val="1.0"/>
@@ -21507,7 +21794,7 @@
 </file>
 
 <file path=ppt/tags/tag61.xml><?xml version="1.0" encoding="utf-8"?>
-<p:tagLst xmlns:p="http://schemas.openxmlformats.org/presentationml/2006/main">
+<p:tagLst xmlns:a="http://schemas.openxmlformats.org/drawingml/2006/main" xmlns:r="http://schemas.openxmlformats.org/officeDocument/2006/relationships" xmlns:p="http://schemas.openxmlformats.org/presentationml/2006/main">
   <p:tag name="KSO_WM_TEMPLATE_CATEGORY" val="basetag"/>
   <p:tag name="KSO_WM_TEMPLATE_INDEX" val="20163611"/>
   <p:tag name="KSO_WM_TAG_VERSION" val="1.0"/>
@@ -21520,7 +21807,7 @@
 </file>
 
 <file path=ppt/tags/tag62.xml><?xml version="1.0" encoding="utf-8"?>
-<p:tagLst xmlns:p="http://schemas.openxmlformats.org/presentationml/2006/main">
+<p:tagLst xmlns:a="http://schemas.openxmlformats.org/drawingml/2006/main" xmlns:r="http://schemas.openxmlformats.org/officeDocument/2006/relationships" xmlns:p="http://schemas.openxmlformats.org/presentationml/2006/main">
   <p:tag name="KSO_WM_TEMPLATE_CATEGORY" val="basetag"/>
   <p:tag name="KSO_WM_TEMPLATE_INDEX" val="20163611"/>
   <p:tag name="KSO_WM_TAG_VERSION" val="1.0"/>
@@ -21533,7 +21820,7 @@
 </file>
 
 <file path=ppt/tags/tag63.xml><?xml version="1.0" encoding="utf-8"?>
-<p:tagLst xmlns:p="http://schemas.openxmlformats.org/presentationml/2006/main">
+<p:tagLst xmlns:a="http://schemas.openxmlformats.org/drawingml/2006/main" xmlns:r="http://schemas.openxmlformats.org/officeDocument/2006/relationships" xmlns:p="http://schemas.openxmlformats.org/presentationml/2006/main">
   <p:tag name="KSO_WM_TEMPLATE_CATEGORY" val="basetag"/>
   <p:tag name="KSO_WM_TEMPLATE_INDEX" val="20163611"/>
   <p:tag name="KSO_WM_TAG_VERSION" val="1.0"/>
@@ -21546,7 +21833,7 @@
 </file>
 
 <file path=ppt/tags/tag64.xml><?xml version="1.0" encoding="utf-8"?>
-<p:tagLst xmlns:p="http://schemas.openxmlformats.org/presentationml/2006/main">
+<p:tagLst xmlns:a="http://schemas.openxmlformats.org/drawingml/2006/main" xmlns:r="http://schemas.openxmlformats.org/officeDocument/2006/relationships" xmlns:p="http://schemas.openxmlformats.org/presentationml/2006/main">
   <p:tag name="KSO_WM_TEMPLATE_CATEGORY" val="basetag"/>
   <p:tag name="KSO_WM_TEMPLATE_INDEX" val="20163611"/>
   <p:tag name="KSO_WM_TAG_VERSION" val="1.0"/>
@@ -21559,7 +21846,7 @@
 </file>
 
 <file path=ppt/tags/tag65.xml><?xml version="1.0" encoding="utf-8"?>
-<p:tagLst xmlns:p="http://schemas.openxmlformats.org/presentationml/2006/main">
+<p:tagLst xmlns:a="http://schemas.openxmlformats.org/drawingml/2006/main" xmlns:r="http://schemas.openxmlformats.org/officeDocument/2006/relationships" xmlns:p="http://schemas.openxmlformats.org/presentationml/2006/main">
   <p:tag name="KSO_WM_TEMPLATE_CATEGORY" val="basetag"/>
   <p:tag name="KSO_WM_TEMPLATE_INDEX" val="20163611"/>
   <p:tag name="KSO_WM_TAG_VERSION" val="1.0"/>
@@ -21572,19 +21859,17 @@
 </file>
 
 <file path=ppt/tags/tag7.xml><?xml version="1.0" encoding="utf-8"?>
-<p:tagLst xmlns:p="http://schemas.openxmlformats.org/presentationml/2006/main">
-  <p:tag name="KSO_WM_TAG_VERSION" val="1.0"/>
-  <p:tag name="KSO_WM_BEAUTIFY_FLAG" val="#wm#"/>
-  <p:tag name="KSO_WM_COMBINE_RELATE_SLIDE_ID" val="background20180960_1"/>
-  <p:tag name="KSO_WM_TEMPLATE_CATEGORY" val="custom"/>
-  <p:tag name="KSO_WM_TEMPLATE_INDEX" val="20181612"/>
-  <p:tag name="KSO_WM_TEMPLATE_SUBCATEGORY" val="combine"/>
-  <p:tag name="KSO_WM_TEMPLATE_THUMBS_INDEX" val="1、4、5、6、12、13、21、24"/>
+<p:tagLst xmlns:a="http://schemas.openxmlformats.org/drawingml/2006/main" xmlns:r="http://schemas.openxmlformats.org/officeDocument/2006/relationships" xmlns:p="http://schemas.openxmlformats.org/presentationml/2006/main">
+  <p:tag name="MH" val="20170809124154"/>
+  <p:tag name="MH_LIBRARY" val="CONTENTS"/>
+  <p:tag name="MH_TYPE" val="NUMBER"/>
+  <p:tag name="ID" val="547147"/>
+  <p:tag name="MH_ORDER" val="1"/>
 </p:tagLst>
 </file>
 
 <file path=ppt/tags/tag8.xml><?xml version="1.0" encoding="utf-8"?>
-<p:tagLst xmlns:p="http://schemas.openxmlformats.org/presentationml/2006/main">
+<p:tagLst xmlns:a="http://schemas.openxmlformats.org/drawingml/2006/main" xmlns:r="http://schemas.openxmlformats.org/officeDocument/2006/relationships" xmlns:p="http://schemas.openxmlformats.org/presentationml/2006/main">
   <p:tag name="KSO_WM_TAG_VERSION" val="1.0"/>
   <p:tag name="KSO_WM_TEMPLATE_CATEGORY" val="basetag"/>
   <p:tag name="KSO_WM_TEMPLATE_INDEX" val="20163611"/>
@@ -21592,7 +21877,7 @@
 </file>
 
 <file path=ppt/tags/tag9.xml><?xml version="1.0" encoding="utf-8"?>
-<p:tagLst xmlns:p="http://schemas.openxmlformats.org/presentationml/2006/main">
+<p:tagLst xmlns:a="http://schemas.openxmlformats.org/drawingml/2006/main" xmlns:r="http://schemas.openxmlformats.org/officeDocument/2006/relationships" xmlns:p="http://schemas.openxmlformats.org/presentationml/2006/main">
   <p:tag name="KSO_WM_TAG_VERSION" val="1.0"/>
   <p:tag name="KSO_WM_TEMPLATE_CATEGORY" val="basetag"/>
   <p:tag name="KSO_WM_TEMPLATE_INDEX" val="20163611"/>
@@ -21850,6 +22135,8 @@
       </a:bgFillStyleLst>
     </a:fmtScheme>
   </a:themeElements>
+  <a:objectDefaults/>
+  <a:extraClrSchemeLst/>
   <a:extLst>
     <a:ext uri="{05A4C25C-085E-4340-85A3-A5531E510DB2}">
       <thm15:themeFamily xmlns:thm15="http://schemas.microsoft.com/office/thememl/2012/main" name="Office Theme" id="{62F939B6-93AF-4DB8-9C6B-D6C7DFDC589F}" vid="{4A3C46E8-61CC-4603-A589-7422A47A8E4A}"/>
@@ -22109,6 +22396,8 @@
       </a:bgFillStyleLst>
     </a:fmtScheme>
   </a:themeElements>
+  <a:objectDefaults/>
+  <a:extraClrSchemeLst/>
   <a:extLst>
     <a:ext uri="{05A4C25C-085E-4340-85A3-A5531E510DB2}">
       <thm15:themeFamily xmlns:thm15="http://schemas.microsoft.com/office/thememl/2012/main" name="Office Theme" id="{62F939B6-93AF-4DB8-9C6B-D6C7DFDC589F}" vid="{4A3C46E8-61CC-4603-A589-7422A47A8E4A}"/>
@@ -22368,6 +22657,8 @@
       </a:bgFillStyleLst>
     </a:fmtScheme>
   </a:themeElements>
+  <a:objectDefaults/>
+  <a:extraClrSchemeLst/>
   <a:extLst>
     <a:ext uri="{05A4C25C-085E-4340-85A3-A5531E510DB2}">
       <thm15:themeFamily xmlns:thm15="http://schemas.microsoft.com/office/thememl/2012/main" name="Office Theme" id="{62F939B6-93AF-4DB8-9C6B-D6C7DFDC589F}" vid="{4A3C46E8-61CC-4603-A589-7422A47A8E4A}"/>
